--- a/14-18_SQL Interogari avansate/15_SQL6_SELECT_Subconsultari_WHERE_HAVING.pptx
+++ b/14-18_SQL Interogari avansate/15_SQL6_SELECT_Subconsultari_WHERE_HAVING.pptx
@@ -7004,7 +7004,7 @@
         <p:spPr>
           <a:xfrm>
             <a:off x="101600" y="63500"/>
-            <a:ext cx="8966200" cy="1660455"/>
+            <a:ext cx="8966200" cy="1324978"/>
           </a:xfrm>
           <a:prstGeom prst="rect">
             <a:avLst/>
@@ -7337,56 +7337,6 @@
               </a:rPr>
               <a:t> ? </a:t>
             </a:r>
-            <a:r>
-              <a:rPr lang="en-US" sz="1200" b="1" dirty="0">
-                <a:solidFill>
-                  <a:schemeClr val="tx2">
-                    <a:satMod val="130000"/>
-                  </a:schemeClr>
-                </a:solidFill>
-                <a:effectLst>
-                  <a:outerShdw blurRad="50000" dist="30000" dir="5400000" algn="tl" rotWithShape="0">
-                    <a:srgbClr val="000000">
-                      <a:alpha val="30000"/>
-                    </a:srgbClr>
-                  </a:outerShdw>
-                </a:effectLst>
-                <a:latin typeface="Arial Unicode MS"/>
-                <a:ea typeface="+mj-ea"/>
-                <a:cs typeface="Arial Unicode MS"/>
-              </a:rPr>
-              <a:t>vezi și</a:t>
-            </a:r>
-          </a:p>
-          <a:p>
-            <a:pPr algn="ctr">
-              <a:spcBef>
-                <a:spcPct val="0"/>
-              </a:spcBef>
-              <a:buNone/>
-              <a:defRPr/>
-            </a:pPr>
-            <a:r>
-              <a:rPr lang="en-US" sz="1200" b="1" dirty="0">
-                <a:solidFill>
-                  <a:schemeClr val="tx2">
-                    <a:satMod val="130000"/>
-                  </a:schemeClr>
-                </a:solidFill>
-                <a:effectLst>
-                  <a:outerShdw blurRad="50000" dist="30000" dir="5400000" algn="tl" rotWithShape="0">
-                    <a:srgbClr val="000000">
-                      <a:alpha val="30000"/>
-                    </a:srgbClr>
-                  </a:outerShdw>
-                </a:effectLst>
-                <a:latin typeface="Arial Unicode MS"/>
-                <a:ea typeface="+mj-ea"/>
-                <a:cs typeface="Arial Unicode MS"/>
-                <a:hlinkClick r:id="rId3"/>
-              </a:rPr>
-              <a:t>https://onedrive.live.com/redir?resid=9233CD031198EF03!8352&amp;authkey=!AEl4a5qChnukzxo&amp;ithint=video%2cavi</a:t>
-            </a:r>
             <a:endParaRPr lang="en-US" sz="1200" b="1" dirty="0">
               <a:solidFill>
                 <a:schemeClr val="tx2">
@@ -7405,32 +7355,6 @@
               <a:cs typeface="Arial Unicode MS"/>
             </a:endParaRPr>
           </a:p>
-          <a:p>
-            <a:pPr algn="ctr">
-              <a:spcBef>
-                <a:spcPct val="0"/>
-              </a:spcBef>
-              <a:buNone/>
-              <a:defRPr/>
-            </a:pPr>
-            <a:endParaRPr lang="en-US" sz="1200" b="1" dirty="0">
-              <a:solidFill>
-                <a:schemeClr val="tx2">
-                  <a:satMod val="130000"/>
-                </a:schemeClr>
-              </a:solidFill>
-              <a:effectLst>
-                <a:outerShdw blurRad="50000" dist="30000" dir="5400000" algn="tl" rotWithShape="0">
-                  <a:srgbClr val="000000">
-                    <a:alpha val="30000"/>
-                  </a:srgbClr>
-                </a:outerShdw>
-              </a:effectLst>
-              <a:latin typeface="Arial Unicode MS"/>
-              <a:ea typeface="+mj-ea"/>
-              <a:cs typeface="Arial Unicode MS"/>
-            </a:endParaRPr>
-          </a:p>
         </p:txBody>
       </p:sp>
       <p:sp>
@@ -7481,7 +7405,7 @@
           <p:nvPr/>
         </p:nvPicPr>
         <p:blipFill>
-          <a:blip r:embed="rId4" cstate="print"/>
+          <a:blip r:embed="rId3" cstate="print"/>
           <a:srcRect/>
           <a:stretch>
             <a:fillRect/>
@@ -7516,7 +7440,7 @@
           <p:nvPr/>
         </p:nvPicPr>
         <p:blipFill>
-          <a:blip r:embed="rId5" cstate="print"/>
+          <a:blip r:embed="rId4" cstate="print"/>
           <a:srcRect/>
           <a:stretch>
             <a:fillRect/>
@@ -7589,7 +7513,7 @@
           <p:nvPr/>
         </p:nvPicPr>
         <p:blipFill>
-          <a:blip r:embed="rId6" cstate="print"/>
+          <a:blip r:embed="rId5" cstate="print"/>
           <a:srcRect/>
           <a:stretch>
             <a:fillRect/>
@@ -18358,7 +18282,7 @@
         <p:spPr>
           <a:xfrm>
             <a:off x="76200" y="114300"/>
-            <a:ext cx="8890000" cy="1646605"/>
+            <a:ext cx="8890000" cy="1148648"/>
           </a:xfrm>
           <a:prstGeom prst="rect">
             <a:avLst/>
@@ -18630,107 +18554,6 @@
                 <a:latin typeface="Avenir Book"/>
                 <a:cs typeface="Avenir Book"/>
               </a:rPr>
-              <a:t>(vezi și</a:t>
-            </a:r>
-          </a:p>
-          <a:p>
-            <a:pPr algn="ctr">
-              <a:spcBef>
-                <a:spcPct val="0"/>
-              </a:spcBef>
-              <a:buNone/>
-              <a:defRPr/>
-            </a:pPr>
-            <a:r>
-              <a:rPr lang="fr-FR" sz="1200" b="1" dirty="0">
-                <a:solidFill>
-                  <a:schemeClr val="tx2">
-                    <a:satMod val="130000"/>
-                  </a:schemeClr>
-                </a:solidFill>
-                <a:effectLst>
-                  <a:outerShdw blurRad="50000" dist="30000" dir="5400000" algn="tl" rotWithShape="0">
-                    <a:srgbClr val="000000">
-                      <a:alpha val="30000"/>
-                    </a:srgbClr>
-                  </a:outerShdw>
-                </a:effectLst>
-                <a:latin typeface="Avenir Book"/>
-                <a:cs typeface="Avenir Book"/>
-                <a:hlinkClick r:id="rId2"/>
-              </a:rPr>
-              <a:t>https://onedrive.live.com/redir?resid=9233CD031198EF03!8351&amp;authkey=!ABNhVr32Qu2b1SY&amp;ithint=video%2cavi</a:t>
-            </a:r>
-            <a:endParaRPr lang="fr-FR" sz="1200" b="1" dirty="0">
-              <a:solidFill>
-                <a:schemeClr val="tx2">
-                  <a:satMod val="130000"/>
-                </a:schemeClr>
-              </a:solidFill>
-              <a:effectLst>
-                <a:outerShdw blurRad="50000" dist="30000" dir="5400000" algn="tl" rotWithShape="0">
-                  <a:srgbClr val="000000">
-                    <a:alpha val="30000"/>
-                  </a:srgbClr>
-                </a:outerShdw>
-              </a:effectLst>
-              <a:latin typeface="Avenir Book"/>
-              <a:cs typeface="Avenir Book"/>
-            </a:endParaRPr>
-          </a:p>
-          <a:p>
-            <a:pPr algn="ctr">
-              <a:spcBef>
-                <a:spcPct val="0"/>
-              </a:spcBef>
-              <a:buNone/>
-              <a:defRPr/>
-            </a:pPr>
-            <a:r>
-              <a:rPr lang="fr-FR" sz="1200" b="1" dirty="0">
-                <a:solidFill>
-                  <a:schemeClr val="tx2">
-                    <a:satMod val="130000"/>
-                  </a:schemeClr>
-                </a:solidFill>
-                <a:effectLst>
-                  <a:outerShdw blurRad="50000" dist="30000" dir="5400000" algn="tl" rotWithShape="0">
-                    <a:srgbClr val="000000">
-                      <a:alpha val="30000"/>
-                    </a:srgbClr>
-                  </a:outerShdw>
-                </a:effectLst>
-                <a:latin typeface="Avenir Book"/>
-                <a:cs typeface="Avenir Book"/>
-              </a:rPr>
-              <a:t> )</a:t>
-            </a:r>
-          </a:p>
-          <a:p>
-            <a:pPr algn="ctr">
-              <a:spcBef>
-                <a:spcPct val="0"/>
-              </a:spcBef>
-              <a:buNone/>
-              <a:defRPr/>
-            </a:pPr>
-            <a:r>
-              <a:rPr lang="fr-FR" sz="1200" b="1" dirty="0">
-                <a:solidFill>
-                  <a:schemeClr val="tx2">
-                    <a:satMod val="130000"/>
-                  </a:schemeClr>
-                </a:solidFill>
-                <a:effectLst>
-                  <a:outerShdw blurRad="50000" dist="30000" dir="5400000" algn="tl" rotWithShape="0">
-                    <a:srgbClr val="000000">
-                      <a:alpha val="30000"/>
-                    </a:srgbClr>
-                  </a:outerShdw>
-                </a:effectLst>
-                <a:latin typeface="Avenir Book"/>
-                <a:cs typeface="Avenir Book"/>
-              </a:rPr>
               <a:t> </a:t>
             </a:r>
             <a:endParaRPr lang="en-US" sz="1200" b="1" dirty="0">
@@ -18761,7 +18584,7 @@
           <p:nvPr/>
         </p:nvPicPr>
         <p:blipFill>
-          <a:blip r:embed="rId3" cstate="print"/>
+          <a:blip r:embed="rId2" cstate="print"/>
           <a:srcRect/>
           <a:stretch>
             <a:fillRect/>
@@ -18834,7 +18657,7 @@
           <p:nvPr/>
         </p:nvPicPr>
         <p:blipFill>
-          <a:blip r:embed="rId4" cstate="print"/>
+          <a:blip r:embed="rId3" cstate="print"/>
           <a:srcRect/>
           <a:stretch>
             <a:fillRect/>
@@ -18944,7 +18767,7 @@
           <p:nvPr/>
         </p:nvPicPr>
         <p:blipFill>
-          <a:blip r:embed="rId5" cstate="print"/>
+          <a:blip r:embed="rId4" cstate="print"/>
           <a:srcRect/>
           <a:stretch>
             <a:fillRect/>
@@ -20468,37 +20291,6 @@
             </a:lvl9pPr>
             <a:extLst/>
           </a:lstStyle>
-          <a:p>
-            <a:pPr fontAlgn="auto">
-              <a:spcAft>
-                <a:spcPts val="0"/>
-              </a:spcAft>
-            </a:pPr>
-            <a:r>
-              <a:rPr lang="en-US" dirty="0"/>
-              <a:t>045 subquery-Complete SQL Bootcamp </a:t>
-            </a:r>
-            <a:r>
-              <a:rPr lang="en-US" dirty="0">
-                <a:cs typeface="Avenir Light"/>
-                <a:hlinkClick r:id="rId2"/>
-              </a:rPr>
-              <a:t>https://www.youtube.com/watch?v=XRn6rmNgN0g</a:t>
-            </a:r>
-            <a:endParaRPr lang="en-US" dirty="0">
-              <a:cs typeface="Avenir Light"/>
-            </a:endParaRPr>
-          </a:p>
-          <a:p>
-            <a:pPr fontAlgn="auto">
-              <a:spcAft>
-                <a:spcPts val="0"/>
-              </a:spcAft>
-            </a:pPr>
-            <a:endParaRPr lang="en-US" dirty="0">
-              <a:cs typeface="Avenir Light"/>
-            </a:endParaRPr>
-          </a:p>
           <a:p>
             <a:pPr fontAlgn="auto">
               <a:spcAft>

--- a/14-18_SQL Interogari avansate/15_SQL6_SELECT_Subconsultari_WHERE_HAVING.pptx
+++ b/14-18_SQL Interogari avansate/15_SQL6_SELECT_Subconsultari_WHERE_HAVING.pptx
@@ -5,7 +5,7 @@
     <p:sldMasterId id="2147483896" r:id="rId1"/>
   </p:sldMasterIdLst>
   <p:notesMasterIdLst>
-    <p:notesMasterId r:id="rId27"/>
+    <p:notesMasterId r:id="rId30"/>
   </p:notesMasterIdLst>
   <p:sldIdLst>
     <p:sldId id="256" r:id="rId2"/>
@@ -20,19 +20,22 @@
     <p:sldId id="345" r:id="rId11"/>
     <p:sldId id="346" r:id="rId12"/>
     <p:sldId id="347" r:id="rId13"/>
-    <p:sldId id="348" r:id="rId14"/>
-    <p:sldId id="384" r:id="rId15"/>
-    <p:sldId id="350" r:id="rId16"/>
-    <p:sldId id="385" r:id="rId17"/>
-    <p:sldId id="375" r:id="rId18"/>
-    <p:sldId id="386" r:id="rId19"/>
-    <p:sldId id="379" r:id="rId20"/>
-    <p:sldId id="389" r:id="rId21"/>
-    <p:sldId id="382" r:id="rId22"/>
-    <p:sldId id="387" r:id="rId23"/>
-    <p:sldId id="390" r:id="rId24"/>
-    <p:sldId id="391" r:id="rId25"/>
-    <p:sldId id="353" r:id="rId26"/>
+    <p:sldId id="416" r:id="rId14"/>
+    <p:sldId id="348" r:id="rId15"/>
+    <p:sldId id="417" r:id="rId16"/>
+    <p:sldId id="384" r:id="rId17"/>
+    <p:sldId id="350" r:id="rId18"/>
+    <p:sldId id="385" r:id="rId19"/>
+    <p:sldId id="375" r:id="rId20"/>
+    <p:sldId id="386" r:id="rId21"/>
+    <p:sldId id="418" r:id="rId22"/>
+    <p:sldId id="379" r:id="rId23"/>
+    <p:sldId id="389" r:id="rId24"/>
+    <p:sldId id="382" r:id="rId25"/>
+    <p:sldId id="387" r:id="rId26"/>
+    <p:sldId id="390" r:id="rId27"/>
+    <p:sldId id="391" r:id="rId28"/>
+    <p:sldId id="353" r:id="rId29"/>
   </p:sldIdLst>
   <p:sldSz cx="9144000" cy="6858000" type="screen4x3"/>
   <p:notesSz cx="6858000" cy="9144000"/>
@@ -881,7 +884,7 @@
       </p:grpSpPr>
       <p:sp>
         <p:nvSpPr>
-          <p:cNvPr id="48130" name="Rectangle 7"/>
+          <p:cNvPr id="47106" name="Rectangle 7"/>
           <p:cNvSpPr>
             <a:spLocks noGrp="1" noChangeArrowheads="1"/>
           </p:cNvSpPr>
@@ -896,7 +899,7 @@
           <a:bodyPr/>
           <a:lstStyle/>
           <a:p>
-            <a:fld id="{AEC9D580-7019-44FA-A065-BD582C3EE9C0}" type="slidenum">
+            <a:fld id="{E605EC9F-4151-4818-864B-1E0100E0CFF7}" type="slidenum">
               <a:rPr lang="ro-RO" smtClean="0"/>
               <a:pPr/>
               <a:t>13</a:t>
@@ -907,7 +910,7 @@
       </p:sp>
       <p:sp>
         <p:nvSpPr>
-          <p:cNvPr id="48131" name="Rectangle 2"/>
+          <p:cNvPr id="47107" name="Rectangle 2"/>
           <p:cNvSpPr>
             <a:spLocks noGrp="1" noRot="1" noChangeAspect="1" noChangeArrowheads="1" noTextEdit="1"/>
           </p:cNvSpPr>
@@ -921,7 +924,7 @@
       </p:sp>
       <p:sp>
         <p:nvSpPr>
-          <p:cNvPr id="48132" name="Rectangle 3"/>
+          <p:cNvPr id="47108" name="Rectangle 3"/>
           <p:cNvSpPr>
             <a:spLocks noGrp="1" noChangeArrowheads="1"/>
           </p:cNvSpPr>
@@ -943,6 +946,11 @@
         </p:txBody>
       </p:sp>
     </p:spTree>
+    <p:extLst>
+      <p:ext uri="{BB962C8B-B14F-4D97-AF65-F5344CB8AC3E}">
+        <p14:creationId xmlns:p14="http://schemas.microsoft.com/office/powerpoint/2010/main" val="3595650883"/>
+      </p:ext>
+    </p:extLst>
   </p:cSld>
   <p:clrMapOvr>
     <a:masterClrMapping/>
@@ -969,7 +977,7 @@
       </p:grpSpPr>
       <p:sp>
         <p:nvSpPr>
-          <p:cNvPr id="50178" name="Rectangle 7"/>
+          <p:cNvPr id="48130" name="Rectangle 7"/>
           <p:cNvSpPr>
             <a:spLocks noGrp="1" noChangeArrowheads="1"/>
           </p:cNvSpPr>
@@ -984,10 +992,10 @@
           <a:bodyPr/>
           <a:lstStyle/>
           <a:p>
-            <a:fld id="{3733EC43-8267-4961-B60B-95933E8472D7}" type="slidenum">
+            <a:fld id="{AEC9D580-7019-44FA-A065-BD582C3EE9C0}" type="slidenum">
               <a:rPr lang="ro-RO" smtClean="0"/>
               <a:pPr/>
-              <a:t>15</a:t>
+              <a:t>14</a:t>
             </a:fld>
             <a:endParaRPr lang="ro-RO"/>
           </a:p>
@@ -995,7 +1003,7 @@
       </p:sp>
       <p:sp>
         <p:nvSpPr>
-          <p:cNvPr id="50179" name="Rectangle 2"/>
+          <p:cNvPr id="48131" name="Rectangle 2"/>
           <p:cNvSpPr>
             <a:spLocks noGrp="1" noRot="1" noChangeAspect="1" noChangeArrowheads="1" noTextEdit="1"/>
           </p:cNvSpPr>
@@ -1009,7 +1017,7 @@
       </p:sp>
       <p:sp>
         <p:nvSpPr>
-          <p:cNvPr id="50180" name="Rectangle 3"/>
+          <p:cNvPr id="48132" name="Rectangle 3"/>
           <p:cNvSpPr>
             <a:spLocks noGrp="1" noChangeArrowheads="1"/>
           </p:cNvSpPr>
@@ -1057,6 +1065,187 @@
       </p:grpSpPr>
       <p:sp>
         <p:nvSpPr>
+          <p:cNvPr id="48130" name="Rectangle 7"/>
+          <p:cNvSpPr>
+            <a:spLocks noGrp="1" noChangeArrowheads="1"/>
+          </p:cNvSpPr>
+          <p:nvPr>
+            <p:ph type="sldNum" sz="quarter" idx="5"/>
+          </p:nvPr>
+        </p:nvSpPr>
+        <p:spPr>
+          <a:noFill/>
+        </p:spPr>
+        <p:txBody>
+          <a:bodyPr/>
+          <a:lstStyle/>
+          <a:p>
+            <a:fld id="{AEC9D580-7019-44FA-A065-BD582C3EE9C0}" type="slidenum">
+              <a:rPr lang="ro-RO" smtClean="0"/>
+              <a:pPr/>
+              <a:t>15</a:t>
+            </a:fld>
+            <a:endParaRPr lang="ro-RO"/>
+          </a:p>
+        </p:txBody>
+      </p:sp>
+      <p:sp>
+        <p:nvSpPr>
+          <p:cNvPr id="48131" name="Rectangle 2"/>
+          <p:cNvSpPr>
+            <a:spLocks noGrp="1" noRot="1" noChangeAspect="1" noChangeArrowheads="1" noTextEdit="1"/>
+          </p:cNvSpPr>
+          <p:nvPr>
+            <p:ph type="sldImg"/>
+          </p:nvPr>
+        </p:nvSpPr>
+        <p:spPr>
+          <a:ln/>
+        </p:spPr>
+      </p:sp>
+      <p:sp>
+        <p:nvSpPr>
+          <p:cNvPr id="48132" name="Rectangle 3"/>
+          <p:cNvSpPr>
+            <a:spLocks noGrp="1" noChangeArrowheads="1"/>
+          </p:cNvSpPr>
+          <p:nvPr>
+            <p:ph type="body" idx="1"/>
+          </p:nvPr>
+        </p:nvSpPr>
+        <p:spPr>
+          <a:noFill/>
+          <a:ln/>
+        </p:spPr>
+        <p:txBody>
+          <a:bodyPr/>
+          <a:lstStyle/>
+          <a:p>
+            <a:pPr eaLnBrk="1" hangingPunct="1"/>
+            <a:endParaRPr lang="ro-RO"/>
+          </a:p>
+        </p:txBody>
+      </p:sp>
+    </p:spTree>
+    <p:extLst>
+      <p:ext uri="{BB962C8B-B14F-4D97-AF65-F5344CB8AC3E}">
+        <p14:creationId xmlns:p14="http://schemas.microsoft.com/office/powerpoint/2010/main" val="1961315736"/>
+      </p:ext>
+    </p:extLst>
+  </p:cSld>
+  <p:clrMapOvr>
+    <a:masterClrMapping/>
+  </p:clrMapOvr>
+</p:notes>
+</file>
+
+<file path=ppt/notesSlides/notesSlide14.xml><?xml version="1.0" encoding="utf-8"?>
+<p:notes xmlns:a="http://schemas.openxmlformats.org/drawingml/2006/main" xmlns:r="http://schemas.openxmlformats.org/officeDocument/2006/relationships" xmlns:p="http://schemas.openxmlformats.org/presentationml/2006/main">
+  <p:cSld>
+    <p:spTree>
+      <p:nvGrpSpPr>
+        <p:cNvPr id="1" name=""/>
+        <p:cNvGrpSpPr/>
+        <p:nvPr/>
+      </p:nvGrpSpPr>
+      <p:grpSpPr>
+        <a:xfrm>
+          <a:off x="0" y="0"/>
+          <a:ext cx="0" cy="0"/>
+          <a:chOff x="0" y="0"/>
+          <a:chExt cx="0" cy="0"/>
+        </a:xfrm>
+      </p:grpSpPr>
+      <p:sp>
+        <p:nvSpPr>
+          <p:cNvPr id="50178" name="Rectangle 7"/>
+          <p:cNvSpPr>
+            <a:spLocks noGrp="1" noChangeArrowheads="1"/>
+          </p:cNvSpPr>
+          <p:nvPr>
+            <p:ph type="sldNum" sz="quarter" idx="5"/>
+          </p:nvPr>
+        </p:nvSpPr>
+        <p:spPr>
+          <a:noFill/>
+        </p:spPr>
+        <p:txBody>
+          <a:bodyPr/>
+          <a:lstStyle/>
+          <a:p>
+            <a:fld id="{3733EC43-8267-4961-B60B-95933E8472D7}" type="slidenum">
+              <a:rPr lang="ro-RO" smtClean="0"/>
+              <a:pPr/>
+              <a:t>17</a:t>
+            </a:fld>
+            <a:endParaRPr lang="ro-RO"/>
+          </a:p>
+        </p:txBody>
+      </p:sp>
+      <p:sp>
+        <p:nvSpPr>
+          <p:cNvPr id="50179" name="Rectangle 2"/>
+          <p:cNvSpPr>
+            <a:spLocks noGrp="1" noRot="1" noChangeAspect="1" noChangeArrowheads="1" noTextEdit="1"/>
+          </p:cNvSpPr>
+          <p:nvPr>
+            <p:ph type="sldImg"/>
+          </p:nvPr>
+        </p:nvSpPr>
+        <p:spPr>
+          <a:ln/>
+        </p:spPr>
+      </p:sp>
+      <p:sp>
+        <p:nvSpPr>
+          <p:cNvPr id="50180" name="Rectangle 3"/>
+          <p:cNvSpPr>
+            <a:spLocks noGrp="1" noChangeArrowheads="1"/>
+          </p:cNvSpPr>
+          <p:nvPr>
+            <p:ph type="body" idx="1"/>
+          </p:nvPr>
+        </p:nvSpPr>
+        <p:spPr>
+          <a:noFill/>
+          <a:ln/>
+        </p:spPr>
+        <p:txBody>
+          <a:bodyPr/>
+          <a:lstStyle/>
+          <a:p>
+            <a:pPr eaLnBrk="1" hangingPunct="1"/>
+            <a:endParaRPr lang="ro-RO"/>
+          </a:p>
+        </p:txBody>
+      </p:sp>
+    </p:spTree>
+  </p:cSld>
+  <p:clrMapOvr>
+    <a:masterClrMapping/>
+  </p:clrMapOvr>
+</p:notes>
+</file>
+
+<file path=ppt/notesSlides/notesSlide15.xml><?xml version="1.0" encoding="utf-8"?>
+<p:notes xmlns:a="http://schemas.openxmlformats.org/drawingml/2006/main" xmlns:r="http://schemas.openxmlformats.org/officeDocument/2006/relationships" xmlns:p="http://schemas.openxmlformats.org/presentationml/2006/main">
+  <p:cSld>
+    <p:spTree>
+      <p:nvGrpSpPr>
+        <p:cNvPr id="1" name=""/>
+        <p:cNvGrpSpPr/>
+        <p:nvPr/>
+      </p:nvGrpSpPr>
+      <p:grpSpPr>
+        <a:xfrm>
+          <a:off x="0" y="0"/>
+          <a:ext cx="0" cy="0"/>
+          <a:chOff x="0" y="0"/>
+          <a:chExt cx="0" cy="0"/>
+        </a:xfrm>
+      </p:grpSpPr>
+      <p:sp>
+        <p:nvSpPr>
           <p:cNvPr id="53250" name="Rectangle 7"/>
           <p:cNvSpPr>
             <a:spLocks noGrp="1" noChangeArrowheads="1"/>
@@ -1075,7 +1264,7 @@
             <a:fld id="{4BB94007-25FB-419B-B47E-1ED92E40222E}" type="slidenum">
               <a:rPr lang="ro-RO" smtClean="0"/>
               <a:pPr/>
-              <a:t>25</a:t>
+              <a:t>28</a:t>
             </a:fld>
             <a:endParaRPr lang="ro-RO"/>
           </a:p>
@@ -8445,212 +8634,14 @@
       </p:grpSpPr>
       <p:sp>
         <p:nvSpPr>
-          <p:cNvPr id="11267" name="Rectangle 3"/>
-          <p:cNvSpPr>
-            <a:spLocks noGrp="1" noChangeArrowheads="1"/>
-          </p:cNvSpPr>
-          <p:nvPr>
-            <p:ph idx="1"/>
-          </p:nvPr>
-        </p:nvSpPr>
-        <p:spPr>
-          <a:xfrm>
-            <a:off x="2476500" y="1671145"/>
-            <a:ext cx="5435600" cy="5051409"/>
-          </a:xfrm>
-        </p:spPr>
-        <p:txBody>
-          <a:bodyPr>
-            <a:normAutofit/>
-          </a:bodyPr>
-          <a:lstStyle/>
-          <a:p>
-            <a:pPr>
-              <a:buNone/>
-            </a:pPr>
-            <a:r>
-              <a:rPr lang="ro-RO" b="1" dirty="0">
-                <a:latin typeface="Arial" charset="0"/>
-              </a:rPr>
-              <a:t>SELECT DISTINCT </a:t>
-            </a:r>
-            <a:r>
-              <a:rPr lang="ro-RO" b="1" dirty="0" err="1">
-                <a:latin typeface="Arial" charset="0"/>
-              </a:rPr>
-              <a:t>NrFact</a:t>
-            </a:r>
-            <a:r>
-              <a:rPr lang="ro-RO" b="1" dirty="0">
-                <a:latin typeface="Arial" charset="0"/>
-              </a:rPr>
-              <a:t>, </a:t>
-            </a:r>
-            <a:r>
-              <a:rPr lang="ro-RO" b="1" dirty="0" err="1">
-                <a:latin typeface="Arial" charset="0"/>
-              </a:rPr>
-              <a:t>DenPr</a:t>
-            </a:r>
-            <a:r>
-              <a:rPr lang="ro-RO" b="1" dirty="0">
-                <a:latin typeface="Arial" charset="0"/>
-              </a:rPr>
-              <a:t>, </a:t>
-            </a:r>
-            <a:r>
-              <a:rPr lang="ro-RO" b="1" dirty="0" err="1">
-                <a:latin typeface="Arial" charset="0"/>
-              </a:rPr>
-              <a:t>PretUnit</a:t>
-            </a:r>
-            <a:r>
-              <a:rPr lang="ro-RO" b="1" dirty="0">
-                <a:latin typeface="Arial" charset="0"/>
-              </a:rPr>
-              <a:t> </a:t>
-            </a:r>
-          </a:p>
-          <a:p>
-            <a:pPr>
-              <a:buNone/>
-            </a:pPr>
-            <a:r>
-              <a:rPr lang="ro-RO" b="1" dirty="0">
-                <a:latin typeface="Arial" charset="0"/>
-              </a:rPr>
-              <a:t>FROM produse </a:t>
-            </a:r>
-          </a:p>
-          <a:p>
-            <a:pPr>
-              <a:buNone/>
-            </a:pPr>
-            <a:r>
-              <a:rPr lang="ro-RO" b="1" dirty="0">
-                <a:latin typeface="Arial" charset="0"/>
-              </a:rPr>
-              <a:t>	NATURAL JOIN </a:t>
-            </a:r>
-            <a:r>
-              <a:rPr lang="ro-RO" b="1" dirty="0" err="1">
-                <a:latin typeface="Arial" charset="0"/>
-              </a:rPr>
-              <a:t>liniifact</a:t>
-            </a:r>
-            <a:r>
-              <a:rPr lang="ro-RO" b="1" dirty="0">
-                <a:latin typeface="Arial" charset="0"/>
-              </a:rPr>
-              <a:t> </a:t>
-            </a:r>
-          </a:p>
-          <a:p>
-            <a:pPr>
-              <a:buNone/>
-            </a:pPr>
-            <a:r>
-              <a:rPr lang="ro-RO" b="1" dirty="0">
-                <a:latin typeface="Arial" charset="0"/>
-              </a:rPr>
-              <a:t>WHERE </a:t>
-            </a:r>
-            <a:r>
-              <a:rPr lang="ro-RO" b="1" dirty="0" err="1">
-                <a:latin typeface="Arial" charset="0"/>
-              </a:rPr>
-              <a:t>PretUnit</a:t>
-            </a:r>
-            <a:r>
-              <a:rPr lang="ro-RO" b="1" dirty="0">
-                <a:latin typeface="Arial" charset="0"/>
-              </a:rPr>
-              <a:t> &gt;= ALL</a:t>
-            </a:r>
-          </a:p>
-          <a:p>
-            <a:pPr>
-              <a:buNone/>
-            </a:pPr>
-            <a:r>
-              <a:rPr lang="ro-RO" b="1" dirty="0">
-                <a:latin typeface="Arial" charset="0"/>
-              </a:rPr>
-              <a:t>  (SELECT DISTINCT </a:t>
-            </a:r>
-            <a:r>
-              <a:rPr lang="ro-RO" b="1" dirty="0" err="1">
-                <a:latin typeface="Arial" charset="0"/>
-              </a:rPr>
-              <a:t>PretUnit</a:t>
-            </a:r>
-            <a:r>
-              <a:rPr lang="ro-RO" b="1" dirty="0">
-                <a:latin typeface="Arial" charset="0"/>
-              </a:rPr>
-              <a:t> </a:t>
-            </a:r>
-          </a:p>
-          <a:p>
-            <a:pPr>
-              <a:buNone/>
-            </a:pPr>
-            <a:r>
-              <a:rPr lang="ro-RO" b="1" dirty="0">
-                <a:latin typeface="Arial" charset="0"/>
-              </a:rPr>
-              <a:t>   FROM produse </a:t>
-            </a:r>
-          </a:p>
-          <a:p>
-            <a:pPr>
-              <a:buNone/>
-            </a:pPr>
-            <a:r>
-              <a:rPr lang="ro-RO" b="1" dirty="0">
-                <a:latin typeface="Arial" charset="0"/>
-              </a:rPr>
-              <a:t>	 		NATURAL JOIN    			</a:t>
-            </a:r>
-            <a:r>
-              <a:rPr lang="ro-RO" b="1" dirty="0" err="1">
-                <a:latin typeface="Arial" charset="0"/>
-              </a:rPr>
-              <a:t>liniifact</a:t>
-            </a:r>
-            <a:r>
-              <a:rPr lang="ro-RO" b="1" dirty="0">
-                <a:latin typeface="Arial" charset="0"/>
-              </a:rPr>
-              <a:t>)</a:t>
-            </a:r>
-          </a:p>
-          <a:p>
-            <a:pPr>
-              <a:buNone/>
-            </a:pPr>
-            <a:r>
-              <a:rPr lang="ro-RO" b="1" dirty="0">
-                <a:latin typeface="Arial" charset="0"/>
-              </a:rPr>
-              <a:t>ORDER BY 1,2</a:t>
-            </a:r>
-            <a:endParaRPr lang="en-US" sz="2800" b="1" dirty="0">
-              <a:latin typeface="Arial" charset="0"/>
-            </a:endParaRPr>
-          </a:p>
-        </p:txBody>
-      </p:sp>
-      <p:sp>
-        <p:nvSpPr>
           <p:cNvPr id="4" name="Rectangle 3"/>
           <p:cNvSpPr/>
           <p:nvPr/>
         </p:nvSpPr>
         <p:spPr>
           <a:xfrm>
-            <a:off x="0" y="63500"/>
-            <a:ext cx="9144000" cy="1421928"/>
+            <a:off x="0" y="472297"/>
+            <a:ext cx="9144000" cy="590931"/>
           </a:xfrm>
           <a:prstGeom prst="rect">
             <a:avLst/>
@@ -8690,410 +8681,51 @@
               <a:t>Operatorul ALL </a:t>
             </a:r>
           </a:p>
-          <a:p>
-            <a:pPr algn="ctr">
-              <a:spcBef>
-                <a:spcPct val="0"/>
-              </a:spcBef>
-              <a:buNone/>
-              <a:defRPr/>
-            </a:pPr>
-            <a:r>
-              <a:rPr lang="vi-VN" b="1" dirty="0">
-                <a:solidFill>
-                  <a:schemeClr val="tx2">
-                    <a:satMod val="130000"/>
-                  </a:schemeClr>
-                </a:solidFill>
-                <a:effectLst>
-                  <a:outerShdw blurRad="50000" dist="30000" dir="5400000" algn="tl" rotWithShape="0">
-                    <a:srgbClr val="000000">
-                      <a:alpha val="30000"/>
-                    </a:srgbClr>
-                  </a:outerShdw>
-                </a:effectLst>
-                <a:latin typeface="Arial" charset="0"/>
-              </a:rPr>
-              <a:t>Care este preţ</a:t>
-            </a:r>
-            <a:r>
-              <a:rPr lang="ro-RO" b="1" dirty="0">
-                <a:solidFill>
-                  <a:schemeClr val="tx2">
-                    <a:satMod val="130000"/>
-                  </a:schemeClr>
-                </a:solidFill>
-                <a:effectLst>
-                  <a:outerShdw blurRad="50000" dist="30000" dir="5400000" algn="tl" rotWithShape="0">
-                    <a:srgbClr val="000000">
-                      <a:alpha val="30000"/>
-                    </a:srgbClr>
-                  </a:outerShdw>
-                </a:effectLst>
-                <a:latin typeface="Arial" charset="0"/>
-              </a:rPr>
-              <a:t>ul</a:t>
-            </a:r>
-            <a:r>
-              <a:rPr lang="vi-VN" b="1" dirty="0">
-                <a:solidFill>
-                  <a:schemeClr val="tx2">
-                    <a:satMod val="130000"/>
-                  </a:schemeClr>
-                </a:solidFill>
-                <a:effectLst>
-                  <a:outerShdw blurRad="50000" dist="30000" dir="5400000" algn="tl" rotWithShape="0">
-                    <a:srgbClr val="000000">
-                      <a:alpha val="30000"/>
-                    </a:srgbClr>
-                  </a:outerShdw>
-                </a:effectLst>
-                <a:latin typeface="Arial" charset="0"/>
-              </a:rPr>
-              <a:t> unitar</a:t>
-            </a:r>
-            <a:r>
-              <a:rPr lang="ro-RO" b="1" dirty="0">
-                <a:solidFill>
-                  <a:schemeClr val="tx2">
-                    <a:satMod val="130000"/>
-                  </a:schemeClr>
-                </a:solidFill>
-                <a:effectLst>
-                  <a:outerShdw blurRad="50000" dist="30000" dir="5400000" algn="tl" rotWithShape="0">
-                    <a:srgbClr val="000000">
-                      <a:alpha val="30000"/>
-                    </a:srgbClr>
-                  </a:outerShdw>
-                </a:effectLst>
-                <a:latin typeface="Arial" charset="0"/>
-              </a:rPr>
-              <a:t> maxim</a:t>
-            </a:r>
-            <a:r>
-              <a:rPr lang="vi-VN" b="1" dirty="0">
-                <a:solidFill>
-                  <a:schemeClr val="tx2">
-                    <a:satMod val="130000"/>
-                  </a:schemeClr>
-                </a:solidFill>
-                <a:effectLst>
-                  <a:outerShdw blurRad="50000" dist="30000" dir="5400000" algn="tl" rotWithShape="0">
-                    <a:srgbClr val="000000">
-                      <a:alpha val="30000"/>
-                    </a:srgbClr>
-                  </a:outerShdw>
-                </a:effectLst>
-                <a:latin typeface="Arial" charset="0"/>
-              </a:rPr>
-              <a:t> la care a fost vândut un produs</a:t>
-            </a:r>
-            <a:r>
-              <a:rPr lang="ro-RO" b="1" dirty="0">
-                <a:solidFill>
-                  <a:schemeClr val="tx2">
-                    <a:satMod val="130000"/>
-                  </a:schemeClr>
-                </a:solidFill>
-                <a:effectLst>
-                  <a:outerShdw blurRad="50000" dist="30000" dir="5400000" algn="tl" rotWithShape="0">
-                    <a:srgbClr val="000000">
-                      <a:alpha val="30000"/>
-                    </a:srgbClr>
-                  </a:outerShdw>
-                </a:effectLst>
-                <a:latin typeface="Arial" charset="0"/>
-              </a:rPr>
-              <a:t> și în ce </a:t>
-            </a:r>
-            <a:r>
-              <a:rPr lang="vi-VN" b="1" dirty="0">
-                <a:solidFill>
-                  <a:schemeClr val="tx2">
-                    <a:satMod val="130000"/>
-                  </a:schemeClr>
-                </a:solidFill>
-                <a:effectLst>
-                  <a:outerShdw blurRad="50000" dist="30000" dir="5400000" algn="tl" rotWithShape="0">
-                    <a:srgbClr val="000000">
-                      <a:alpha val="30000"/>
-                    </a:srgbClr>
-                  </a:outerShdw>
-                </a:effectLst>
-                <a:latin typeface="Arial" charset="0"/>
-              </a:rPr>
-              <a:t>factur</a:t>
-            </a:r>
-            <a:r>
-              <a:rPr lang="ro-RO" b="1" dirty="0">
-                <a:solidFill>
-                  <a:schemeClr val="tx2">
-                    <a:satMod val="130000"/>
-                  </a:schemeClr>
-                </a:solidFill>
-                <a:effectLst>
-                  <a:outerShdw blurRad="50000" dist="30000" dir="5400000" algn="tl" rotWithShape="0">
-                    <a:srgbClr val="000000">
-                      <a:alpha val="30000"/>
-                    </a:srgbClr>
-                  </a:outerShdw>
-                </a:effectLst>
-                <a:latin typeface="Arial" charset="0"/>
-              </a:rPr>
-              <a:t>i</a:t>
-            </a:r>
-            <a:r>
-              <a:rPr lang="vi-VN" b="1" dirty="0">
-                <a:solidFill>
-                  <a:schemeClr val="tx2">
-                    <a:satMod val="130000"/>
-                  </a:schemeClr>
-                </a:solidFill>
-                <a:effectLst>
-                  <a:outerShdw blurRad="50000" dist="30000" dir="5400000" algn="tl" rotWithShape="0">
-                    <a:srgbClr val="000000">
-                      <a:alpha val="30000"/>
-                    </a:srgbClr>
-                  </a:outerShdw>
-                </a:effectLst>
-                <a:latin typeface="Arial" charset="0"/>
-              </a:rPr>
-              <a:t> </a:t>
-            </a:r>
-            <a:r>
-              <a:rPr lang="ro-RO" b="1" dirty="0">
-                <a:solidFill>
-                  <a:schemeClr val="tx2">
-                    <a:satMod val="130000"/>
-                  </a:schemeClr>
-                </a:solidFill>
-                <a:effectLst>
-                  <a:outerShdw blurRad="50000" dist="30000" dir="5400000" algn="tl" rotWithShape="0">
-                    <a:srgbClr val="000000">
-                      <a:alpha val="30000"/>
-                    </a:srgbClr>
-                  </a:outerShdw>
-                </a:effectLst>
-                <a:latin typeface="Arial" charset="0"/>
-              </a:rPr>
-              <a:t>apare </a:t>
-            </a:r>
-            <a:r>
-              <a:rPr lang="vi-VN" b="1" dirty="0">
-                <a:solidFill>
-                  <a:schemeClr val="tx2">
-                    <a:satMod val="130000"/>
-                  </a:schemeClr>
-                </a:solidFill>
-                <a:effectLst>
-                  <a:outerShdw blurRad="50000" dist="30000" dir="5400000" algn="tl" rotWithShape="0">
-                    <a:srgbClr val="000000">
-                      <a:alpha val="30000"/>
-                    </a:srgbClr>
-                  </a:outerShdw>
-                </a:effectLst>
-                <a:latin typeface="Arial" charset="0"/>
-              </a:rPr>
-              <a:t>preţ</a:t>
-            </a:r>
-            <a:r>
-              <a:rPr lang="ro-RO" b="1" dirty="0">
-                <a:solidFill>
-                  <a:schemeClr val="tx2">
-                    <a:satMod val="130000"/>
-                  </a:schemeClr>
-                </a:solidFill>
-                <a:effectLst>
-                  <a:outerShdw blurRad="50000" dist="30000" dir="5400000" algn="tl" rotWithShape="0">
-                    <a:srgbClr val="000000">
-                      <a:alpha val="30000"/>
-                    </a:srgbClr>
-                  </a:outerShdw>
-                </a:effectLst>
-                <a:latin typeface="Arial" charset="0"/>
-              </a:rPr>
-              <a:t>ul</a:t>
-            </a:r>
-            <a:r>
-              <a:rPr lang="vi-VN" b="1" dirty="0">
-                <a:solidFill>
-                  <a:schemeClr val="tx2">
-                    <a:satMod val="130000"/>
-                  </a:schemeClr>
-                </a:solidFill>
-                <a:effectLst>
-                  <a:outerShdw blurRad="50000" dist="30000" dir="5400000" algn="tl" rotWithShape="0">
-                    <a:srgbClr val="000000">
-                      <a:alpha val="30000"/>
-                    </a:srgbClr>
-                  </a:outerShdw>
-                </a:effectLst>
-                <a:latin typeface="Arial" charset="0"/>
-              </a:rPr>
-              <a:t> maxim ?</a:t>
-            </a:r>
-            <a:endParaRPr lang="en-US" b="1" dirty="0">
-              <a:solidFill>
-                <a:schemeClr val="tx2">
-                  <a:satMod val="130000"/>
-                </a:schemeClr>
-              </a:solidFill>
-              <a:effectLst>
-                <a:outerShdw blurRad="50000" dist="30000" dir="5400000" algn="tl" rotWithShape="0">
-                  <a:srgbClr val="000000">
-                    <a:alpha val="30000"/>
-                  </a:srgbClr>
-                </a:outerShdw>
-              </a:effectLst>
-              <a:latin typeface="Arial" charset="0"/>
-            </a:endParaRPr>
-          </a:p>
         </p:txBody>
       </p:sp>
-      <p:pic>
-        <p:nvPicPr>
-          <p:cNvPr id="15361" name="Picture 1"/>
-          <p:cNvPicPr>
-            <a:picLocks noChangeAspect="1" noChangeArrowheads="1"/>
-          </p:cNvPicPr>
+      <p:sp>
+        <p:nvSpPr>
+          <p:cNvPr id="2" name="Rectangle 1">
+            <a:extLst>
+              <a:ext uri="{FF2B5EF4-FFF2-40B4-BE49-F238E27FC236}">
+                <a16:creationId xmlns:a16="http://schemas.microsoft.com/office/drawing/2014/main" id="{4F79E787-5E15-7A4D-8416-4687722502E8}"/>
+              </a:ext>
+            </a:extLst>
+          </p:cNvPr>
+          <p:cNvSpPr/>
           <p:nvPr/>
-        </p:nvPicPr>
-        <p:blipFill>
-          <a:blip r:embed="rId3" cstate="print"/>
-          <a:srcRect/>
-          <a:stretch>
-            <a:fillRect/>
-          </a:stretch>
-        </p:blipFill>
-        <p:spPr bwMode="auto">
+        </p:nvSpPr>
+        <p:spPr>
           <a:xfrm>
-            <a:off x="8004558" y="1582737"/>
-            <a:ext cx="982662" cy="5139817"/>
+            <a:off x="1446903" y="1830146"/>
+            <a:ext cx="7363610" cy="954107"/>
           </a:xfrm>
           <a:prstGeom prst="rect">
             <a:avLst/>
           </a:prstGeom>
-          <a:ln>
-            <a:noFill/>
-          </a:ln>
-          <a:effectLst>
-            <a:outerShdw blurRad="292100" dist="139700" dir="2700000" algn="tl" rotWithShape="0">
-              <a:srgbClr val="333333">
-                <a:alpha val="65000"/>
-              </a:srgbClr>
-            </a:outerShdw>
-          </a:effectLst>
-        </p:spPr>
-      </p:pic>
-      <p:sp>
-        <p:nvSpPr>
-          <p:cNvPr id="8" name="Right Brace 7"/>
-          <p:cNvSpPr/>
-          <p:nvPr/>
-        </p:nvSpPr>
-        <p:spPr>
-          <a:xfrm>
-            <a:off x="7535916" y="4204138"/>
-            <a:ext cx="376184" cy="1802962"/>
-          </a:xfrm>
-          <a:prstGeom prst="rightBrace">
-            <a:avLst/>
-          </a:prstGeom>
-        </p:spPr>
-        <p:style>
-          <a:lnRef idx="3">
-            <a:schemeClr val="accent3"/>
-          </a:lnRef>
-          <a:fillRef idx="0">
-            <a:schemeClr val="accent3"/>
-          </a:fillRef>
-          <a:effectRef idx="2">
-            <a:schemeClr val="accent3"/>
-          </a:effectRef>
-          <a:fontRef idx="minor">
-            <a:schemeClr val="tx1"/>
-          </a:fontRef>
-        </p:style>
+        </p:spPr>
         <p:txBody>
-          <a:bodyPr rtlCol="0" anchor="ctr"/>
+          <a:bodyPr wrap="square">
+            <a:spAutoFit/>
+          </a:bodyPr>
           <a:lstStyle/>
           <a:p>
-            <a:pPr algn="ctr"/>
-            <a:endParaRPr lang="en-US"/>
-          </a:p>
-        </p:txBody>
-      </p:sp>
-      <p:pic>
-        <p:nvPicPr>
-          <p:cNvPr id="15362" name="Picture 2"/>
-          <p:cNvPicPr>
-            <a:picLocks noChangeAspect="1" noChangeArrowheads="1"/>
-          </p:cNvPicPr>
-          <p:nvPr/>
-        </p:nvPicPr>
-        <p:blipFill>
-          <a:blip r:embed="rId4" cstate="print"/>
-          <a:srcRect/>
-          <a:stretch>
-            <a:fillRect/>
-          </a:stretch>
-        </p:blipFill>
-        <p:spPr bwMode="auto">
-          <a:xfrm>
-            <a:off x="-1" y="3487737"/>
-            <a:ext cx="2324101" cy="1291107"/>
-          </a:xfrm>
-          <a:prstGeom prst="rect">
-            <a:avLst/>
-          </a:prstGeom>
-          <a:ln>
-            <a:noFill/>
-          </a:ln>
-          <a:effectLst>
-            <a:outerShdw blurRad="292100" dist="139700" dir="2700000" algn="tl" rotWithShape="0">
-              <a:srgbClr val="333333">
-                <a:alpha val="65000"/>
-              </a:srgbClr>
-            </a:outerShdw>
-          </a:effectLst>
-        </p:spPr>
-      </p:pic>
-      <p:sp>
-        <p:nvSpPr>
-          <p:cNvPr id="7" name="Left Brace 6"/>
-          <p:cNvSpPr/>
-          <p:nvPr/>
-        </p:nvSpPr>
-        <p:spPr>
-          <a:xfrm>
-            <a:off x="2222500" y="1671145"/>
-            <a:ext cx="457638" cy="4855779"/>
-          </a:xfrm>
-          <a:prstGeom prst="leftBrace">
-            <a:avLst/>
-          </a:prstGeom>
-          <a:ln w="38100"/>
-        </p:spPr>
-        <p:style>
-          <a:lnRef idx="1">
-            <a:schemeClr val="accent1"/>
-          </a:lnRef>
-          <a:fillRef idx="0">
-            <a:schemeClr val="accent1"/>
-          </a:fillRef>
-          <a:effectRef idx="0">
-            <a:schemeClr val="accent1"/>
-          </a:effectRef>
-          <a:fontRef idx="minor">
-            <a:schemeClr val="tx1"/>
-          </a:fontRef>
-        </p:style>
-        <p:txBody>
-          <a:bodyPr rtlCol="0" anchor="ctr"/>
-          <a:lstStyle/>
-          <a:p>
-            <a:pPr algn="ctr"/>
-            <a:endParaRPr lang="en-US"/>
+            <a:pPr>
+              <a:buNone/>
+            </a:pPr>
+            <a:r>
+              <a:rPr lang="ro-RO" dirty="0">
+                <a:hlinkClick r:id="rId3"/>
+              </a:rPr>
+              <a:t>http://www.postgresqltutorial.com/postgresql-all/</a:t>
+            </a:r>
+            <a:endParaRPr lang="ro-RO" dirty="0"/>
+          </a:p>
+          <a:p>
+            <a:pPr>
+              <a:buNone/>
+            </a:pPr>
+            <a:endParaRPr lang="ro-RO" dirty="0"/>
           </a:p>
         </p:txBody>
       </p:sp>
@@ -9127,537 +8759,212 @@
       </p:grpSpPr>
       <p:sp>
         <p:nvSpPr>
-          <p:cNvPr id="12290" name="Rectangle 2"/>
+          <p:cNvPr id="11267" name="Rectangle 3"/>
           <p:cNvSpPr>
-            <a:spLocks noChangeArrowheads="1"/>
+            <a:spLocks noGrp="1" noChangeArrowheads="1"/>
           </p:cNvSpPr>
-          <p:nvPr/>
-        </p:nvSpPr>
-        <p:spPr bwMode="auto">
+          <p:nvPr>
+            <p:ph idx="1"/>
+          </p:nvPr>
+        </p:nvSpPr>
+        <p:spPr>
           <a:xfrm>
-            <a:off x="4572000" y="3429000"/>
-            <a:ext cx="9144000" cy="0"/>
-          </a:xfrm>
-          <a:prstGeom prst="rect">
-            <a:avLst/>
-          </a:prstGeom>
-          <a:noFill/>
-          <a:ln w="9525">
-            <a:noFill/>
-            <a:miter lim="800000"/>
-            <a:headEnd/>
-            <a:tailEnd/>
-          </a:ln>
+            <a:off x="2476500" y="1671145"/>
+            <a:ext cx="5435600" cy="5051409"/>
+          </a:xfrm>
         </p:spPr>
         <p:txBody>
           <a:bodyPr>
-            <a:spAutoFit/>
+            <a:normAutofit/>
           </a:bodyPr>
           <a:lstStyle/>
           <a:p>
-            <a:endParaRPr lang="en-US"/>
+            <a:pPr>
+              <a:buNone/>
+            </a:pPr>
+            <a:r>
+              <a:rPr lang="ro-RO" b="1" dirty="0">
+                <a:latin typeface="Arial" charset="0"/>
+              </a:rPr>
+              <a:t>SELECT DISTINCT </a:t>
+            </a:r>
+            <a:r>
+              <a:rPr lang="ro-RO" b="1" dirty="0" err="1">
+                <a:latin typeface="Arial" charset="0"/>
+              </a:rPr>
+              <a:t>NrFact</a:t>
+            </a:r>
+            <a:r>
+              <a:rPr lang="ro-RO" b="1" dirty="0">
+                <a:latin typeface="Arial" charset="0"/>
+              </a:rPr>
+              <a:t>, </a:t>
+            </a:r>
+            <a:r>
+              <a:rPr lang="ro-RO" b="1" dirty="0" err="1">
+                <a:latin typeface="Arial" charset="0"/>
+              </a:rPr>
+              <a:t>DenPr</a:t>
+            </a:r>
+            <a:r>
+              <a:rPr lang="ro-RO" b="1" dirty="0">
+                <a:latin typeface="Arial" charset="0"/>
+              </a:rPr>
+              <a:t>, </a:t>
+            </a:r>
+            <a:r>
+              <a:rPr lang="ro-RO" b="1" dirty="0" err="1">
+                <a:latin typeface="Arial" charset="0"/>
+              </a:rPr>
+              <a:t>PretUnit</a:t>
+            </a:r>
+            <a:r>
+              <a:rPr lang="ro-RO" b="1" dirty="0">
+                <a:latin typeface="Arial" charset="0"/>
+              </a:rPr>
+              <a:t> </a:t>
+            </a:r>
+          </a:p>
+          <a:p>
+            <a:pPr>
+              <a:buNone/>
+            </a:pPr>
+            <a:r>
+              <a:rPr lang="ro-RO" b="1" dirty="0">
+                <a:latin typeface="Arial" charset="0"/>
+              </a:rPr>
+              <a:t>FROM produse </a:t>
+            </a:r>
+          </a:p>
+          <a:p>
+            <a:pPr>
+              <a:buNone/>
+            </a:pPr>
+            <a:r>
+              <a:rPr lang="ro-RO" b="1" dirty="0">
+                <a:latin typeface="Arial" charset="0"/>
+              </a:rPr>
+              <a:t>	NATURAL JOIN </a:t>
+            </a:r>
+            <a:r>
+              <a:rPr lang="ro-RO" b="1" dirty="0" err="1">
+                <a:latin typeface="Arial" charset="0"/>
+              </a:rPr>
+              <a:t>liniifact</a:t>
+            </a:r>
+            <a:r>
+              <a:rPr lang="ro-RO" b="1" dirty="0">
+                <a:latin typeface="Arial" charset="0"/>
+              </a:rPr>
+              <a:t> </a:t>
+            </a:r>
+          </a:p>
+          <a:p>
+            <a:pPr>
+              <a:buNone/>
+            </a:pPr>
+            <a:r>
+              <a:rPr lang="ro-RO" b="1" dirty="0">
+                <a:latin typeface="Arial" charset="0"/>
+              </a:rPr>
+              <a:t>WHERE </a:t>
+            </a:r>
+            <a:r>
+              <a:rPr lang="ro-RO" b="1" dirty="0" err="1">
+                <a:latin typeface="Arial" charset="0"/>
+              </a:rPr>
+              <a:t>PretUnit</a:t>
+            </a:r>
+            <a:r>
+              <a:rPr lang="ro-RO" b="1" dirty="0">
+                <a:latin typeface="Arial" charset="0"/>
+              </a:rPr>
+              <a:t> &gt;= ALL</a:t>
+            </a:r>
+          </a:p>
+          <a:p>
+            <a:pPr>
+              <a:buNone/>
+            </a:pPr>
+            <a:r>
+              <a:rPr lang="ro-RO" b="1" dirty="0">
+                <a:latin typeface="Arial" charset="0"/>
+              </a:rPr>
+              <a:t>  (SELECT DISTINCT </a:t>
+            </a:r>
+            <a:r>
+              <a:rPr lang="ro-RO" b="1" dirty="0" err="1">
+                <a:latin typeface="Arial" charset="0"/>
+              </a:rPr>
+              <a:t>PretUnit</a:t>
+            </a:r>
+            <a:r>
+              <a:rPr lang="ro-RO" b="1" dirty="0">
+                <a:latin typeface="Arial" charset="0"/>
+              </a:rPr>
+              <a:t> </a:t>
+            </a:r>
+          </a:p>
+          <a:p>
+            <a:pPr>
+              <a:buNone/>
+            </a:pPr>
+            <a:r>
+              <a:rPr lang="ro-RO" b="1" dirty="0">
+                <a:latin typeface="Arial" charset="0"/>
+              </a:rPr>
+              <a:t>   FROM produse </a:t>
+            </a:r>
+          </a:p>
+          <a:p>
+            <a:pPr>
+              <a:buNone/>
+            </a:pPr>
+            <a:r>
+              <a:rPr lang="ro-RO" b="1" dirty="0">
+                <a:latin typeface="Arial" charset="0"/>
+              </a:rPr>
+              <a:t>	 		NATURAL JOIN    			</a:t>
+            </a:r>
+            <a:r>
+              <a:rPr lang="ro-RO" b="1" dirty="0" err="1">
+                <a:latin typeface="Arial" charset="0"/>
+              </a:rPr>
+              <a:t>liniifact</a:t>
+            </a:r>
+            <a:r>
+              <a:rPr lang="ro-RO" b="1" dirty="0">
+                <a:latin typeface="Arial" charset="0"/>
+              </a:rPr>
+              <a:t>)</a:t>
+            </a:r>
+          </a:p>
+          <a:p>
+            <a:pPr>
+              <a:buNone/>
+            </a:pPr>
+            <a:r>
+              <a:rPr lang="ro-RO" b="1" dirty="0">
+                <a:latin typeface="Arial" charset="0"/>
+              </a:rPr>
+              <a:t>ORDER BY 1,2</a:t>
+            </a:r>
+            <a:endParaRPr lang="en-US" sz="2800" b="1" dirty="0">
+              <a:latin typeface="Arial" charset="0"/>
+            </a:endParaRPr>
           </a:p>
         </p:txBody>
       </p:sp>
       <p:sp>
         <p:nvSpPr>
-          <p:cNvPr id="12291" name="Rectangle 3"/>
-          <p:cNvSpPr>
-            <a:spLocks noChangeArrowheads="1"/>
-          </p:cNvSpPr>
-          <p:nvPr/>
-        </p:nvSpPr>
-        <p:spPr bwMode="auto">
-          <a:xfrm>
-            <a:off x="4572000" y="3429000"/>
-            <a:ext cx="9144000" cy="0"/>
-          </a:xfrm>
-          <a:prstGeom prst="rect">
-            <a:avLst/>
-          </a:prstGeom>
-          <a:noFill/>
-          <a:ln w="9525">
-            <a:noFill/>
-            <a:miter lim="800000"/>
-            <a:headEnd/>
-            <a:tailEnd/>
-          </a:ln>
-        </p:spPr>
-        <p:txBody>
-          <a:bodyPr>
-            <a:spAutoFit/>
-          </a:bodyPr>
-          <a:lstStyle/>
-          <a:p>
-            <a:endParaRPr lang="en-US"/>
-          </a:p>
-        </p:txBody>
-      </p:sp>
-      <p:sp>
-        <p:nvSpPr>
-          <p:cNvPr id="12292" name="Rectangle 4"/>
-          <p:cNvSpPr>
-            <a:spLocks noChangeArrowheads="1"/>
-          </p:cNvSpPr>
-          <p:nvPr/>
-        </p:nvSpPr>
-        <p:spPr bwMode="auto">
-          <a:xfrm>
-            <a:off x="4572000" y="3429000"/>
-            <a:ext cx="9144000" cy="0"/>
-          </a:xfrm>
-          <a:prstGeom prst="rect">
-            <a:avLst/>
-          </a:prstGeom>
-          <a:noFill/>
-          <a:ln w="9525">
-            <a:noFill/>
-            <a:miter lim="800000"/>
-            <a:headEnd/>
-            <a:tailEnd/>
-          </a:ln>
-        </p:spPr>
-        <p:txBody>
-          <a:bodyPr>
-            <a:spAutoFit/>
-          </a:bodyPr>
-          <a:lstStyle/>
-          <a:p>
-            <a:endParaRPr lang="en-US"/>
-          </a:p>
-        </p:txBody>
-      </p:sp>
-      <p:sp>
-        <p:nvSpPr>
-          <p:cNvPr id="12293" name="Rectangle 5"/>
-          <p:cNvSpPr>
-            <a:spLocks noChangeArrowheads="1"/>
-          </p:cNvSpPr>
-          <p:nvPr/>
-        </p:nvSpPr>
-        <p:spPr bwMode="auto">
-          <a:xfrm>
-            <a:off x="4572000" y="3429000"/>
-            <a:ext cx="9144000" cy="0"/>
-          </a:xfrm>
-          <a:prstGeom prst="rect">
-            <a:avLst/>
-          </a:prstGeom>
-          <a:noFill/>
-          <a:ln w="9525">
-            <a:noFill/>
-            <a:miter lim="800000"/>
-            <a:headEnd/>
-            <a:tailEnd/>
-          </a:ln>
-        </p:spPr>
-        <p:txBody>
-          <a:bodyPr>
-            <a:spAutoFit/>
-          </a:bodyPr>
-          <a:lstStyle/>
-          <a:p>
-            <a:endParaRPr lang="en-US"/>
-          </a:p>
-        </p:txBody>
-      </p:sp>
-      <p:sp>
-        <p:nvSpPr>
-          <p:cNvPr id="12294" name="Rectangle 6"/>
-          <p:cNvSpPr>
-            <a:spLocks noChangeArrowheads="1"/>
-          </p:cNvSpPr>
-          <p:nvPr/>
-        </p:nvSpPr>
-        <p:spPr bwMode="auto">
-          <a:xfrm>
-            <a:off x="4572000" y="3429000"/>
-            <a:ext cx="9144000" cy="0"/>
-          </a:xfrm>
-          <a:prstGeom prst="rect">
-            <a:avLst/>
-          </a:prstGeom>
-          <a:noFill/>
-          <a:ln w="9525">
-            <a:noFill/>
-            <a:miter lim="800000"/>
-            <a:headEnd/>
-            <a:tailEnd/>
-          </a:ln>
-        </p:spPr>
-        <p:txBody>
-          <a:bodyPr>
-            <a:spAutoFit/>
-          </a:bodyPr>
-          <a:lstStyle/>
-          <a:p>
-            <a:endParaRPr lang="en-US"/>
-          </a:p>
-        </p:txBody>
-      </p:sp>
-      <p:sp>
-        <p:nvSpPr>
-          <p:cNvPr id="12295" name="Rectangle 10"/>
-          <p:cNvSpPr>
-            <a:spLocks noChangeArrowheads="1"/>
-          </p:cNvSpPr>
-          <p:nvPr/>
-        </p:nvSpPr>
-        <p:spPr bwMode="auto">
-          <a:xfrm>
-            <a:off x="4572000" y="3429000"/>
-            <a:ext cx="9144000" cy="0"/>
-          </a:xfrm>
-          <a:prstGeom prst="rect">
-            <a:avLst/>
-          </a:prstGeom>
-          <a:noFill/>
-          <a:ln w="9525">
-            <a:noFill/>
-            <a:miter lim="800000"/>
-            <a:headEnd/>
-            <a:tailEnd/>
-          </a:ln>
-        </p:spPr>
-        <p:txBody>
-          <a:bodyPr>
-            <a:spAutoFit/>
-          </a:bodyPr>
-          <a:lstStyle/>
-          <a:p>
-            <a:endParaRPr lang="en-US"/>
-          </a:p>
-        </p:txBody>
-      </p:sp>
-      <p:sp>
-        <p:nvSpPr>
-          <p:cNvPr id="12296" name="Rectangle 11"/>
-          <p:cNvSpPr>
-            <a:spLocks noChangeArrowheads="1"/>
-          </p:cNvSpPr>
-          <p:nvPr/>
-        </p:nvSpPr>
-        <p:spPr bwMode="auto">
-          <a:xfrm>
-            <a:off x="4572000" y="3429000"/>
-            <a:ext cx="9144000" cy="0"/>
-          </a:xfrm>
-          <a:prstGeom prst="rect">
-            <a:avLst/>
-          </a:prstGeom>
-          <a:noFill/>
-          <a:ln w="9525">
-            <a:noFill/>
-            <a:miter lim="800000"/>
-            <a:headEnd/>
-            <a:tailEnd/>
-          </a:ln>
-        </p:spPr>
-        <p:txBody>
-          <a:bodyPr>
-            <a:spAutoFit/>
-          </a:bodyPr>
-          <a:lstStyle/>
-          <a:p>
-            <a:endParaRPr lang="en-US"/>
-          </a:p>
-        </p:txBody>
-      </p:sp>
-      <p:sp>
-        <p:nvSpPr>
-          <p:cNvPr id="12298" name="Rectangle 14"/>
-          <p:cNvSpPr>
-            <a:spLocks noChangeArrowheads="1"/>
-          </p:cNvSpPr>
-          <p:nvPr/>
-        </p:nvSpPr>
-        <p:spPr bwMode="auto">
-          <a:xfrm>
-            <a:off x="381000" y="1803400"/>
-            <a:ext cx="7531100" cy="4622800"/>
-          </a:xfrm>
-          <a:prstGeom prst="rect">
-            <a:avLst/>
-          </a:prstGeom>
-          <a:noFill/>
-          <a:ln w="9525">
-            <a:noFill/>
-            <a:miter lim="800000"/>
-            <a:headEnd/>
-            <a:tailEnd/>
-          </a:ln>
-        </p:spPr>
-        <p:txBody>
-          <a:bodyPr/>
-          <a:lstStyle/>
-          <a:p>
-            <a:pPr marL="342900" indent="-342900" algn="l">
-              <a:lnSpc>
-                <a:spcPct val="100000"/>
-              </a:lnSpc>
-              <a:buFontTx/>
-              <a:buNone/>
-            </a:pPr>
-            <a:r>
-              <a:rPr lang="ro-RO" b="1" dirty="0">
-                <a:latin typeface="Arial" charset="0"/>
-                <a:cs typeface="Arial" charset="0"/>
-              </a:rPr>
-              <a:t>SELECT DISTINCT </a:t>
-            </a:r>
-            <a:r>
-              <a:rPr lang="ro-RO" b="1" dirty="0" err="1">
-                <a:latin typeface="Arial" charset="0"/>
-                <a:cs typeface="Arial" charset="0"/>
-              </a:rPr>
-              <a:t>DenPr</a:t>
-            </a:r>
-            <a:r>
-              <a:rPr lang="ro-RO" b="1" dirty="0">
-                <a:latin typeface="Arial" charset="0"/>
-                <a:cs typeface="Arial" charset="0"/>
-              </a:rPr>
-              <a:t>, </a:t>
-            </a:r>
-            <a:r>
-              <a:rPr lang="ro-RO" b="1" dirty="0" err="1">
-                <a:latin typeface="Arial" charset="0"/>
-                <a:cs typeface="Arial" charset="0"/>
-              </a:rPr>
-              <a:t>PretUnit</a:t>
-            </a:r>
-            <a:r>
-              <a:rPr lang="ro-RO" b="1" dirty="0">
-                <a:latin typeface="Arial" charset="0"/>
-                <a:cs typeface="Arial" charset="0"/>
-              </a:rPr>
-              <a:t> </a:t>
-            </a:r>
-          </a:p>
-          <a:p>
-            <a:pPr marL="342900" indent="-342900" algn="l">
-              <a:lnSpc>
-                <a:spcPct val="100000"/>
-              </a:lnSpc>
-              <a:buFontTx/>
-              <a:buNone/>
-            </a:pPr>
-            <a:r>
-              <a:rPr lang="ro-RO" b="1" dirty="0">
-                <a:latin typeface="Arial" charset="0"/>
-                <a:cs typeface="Arial" charset="0"/>
-              </a:rPr>
-              <a:t>FROM produse</a:t>
-            </a:r>
-          </a:p>
-          <a:p>
-            <a:pPr marL="342900" indent="-342900" algn="l">
-              <a:lnSpc>
-                <a:spcPct val="100000"/>
-              </a:lnSpc>
-              <a:buFontTx/>
-              <a:buNone/>
-            </a:pPr>
-            <a:r>
-              <a:rPr lang="ro-RO" b="1" dirty="0">
-                <a:latin typeface="Arial" charset="0"/>
-                <a:cs typeface="Arial" charset="0"/>
-              </a:rPr>
-              <a:t>		NATURAL JOIN </a:t>
-            </a:r>
-            <a:r>
-              <a:rPr lang="ro-RO" b="1" dirty="0" err="1">
-                <a:latin typeface="Arial" charset="0"/>
-                <a:cs typeface="Arial" charset="0"/>
-              </a:rPr>
-              <a:t>liniifact</a:t>
-            </a:r>
-            <a:endParaRPr lang="ro-RO" b="1" dirty="0">
-              <a:latin typeface="Arial" charset="0"/>
-              <a:cs typeface="Arial" charset="0"/>
-            </a:endParaRPr>
-          </a:p>
-          <a:p>
-            <a:pPr marL="342900" indent="-342900" algn="l">
-              <a:lnSpc>
-                <a:spcPct val="100000"/>
-              </a:lnSpc>
-              <a:buFontTx/>
-              <a:buNone/>
-            </a:pPr>
-            <a:r>
-              <a:rPr lang="ro-RO" b="1" dirty="0">
-                <a:latin typeface="Arial" charset="0"/>
-                <a:cs typeface="Arial" charset="0"/>
-              </a:rPr>
-              <a:t>WHERE </a:t>
-            </a:r>
-            <a:r>
-              <a:rPr lang="ro-RO" b="1" dirty="0" err="1">
-                <a:latin typeface="Arial" charset="0"/>
-                <a:cs typeface="Arial" charset="0"/>
-              </a:rPr>
-              <a:t>PretUnit</a:t>
-            </a:r>
-            <a:r>
-              <a:rPr lang="ro-RO" b="1" dirty="0">
-                <a:latin typeface="Arial" charset="0"/>
-                <a:cs typeface="Arial" charset="0"/>
-              </a:rPr>
-              <a:t> &gt; ANY</a:t>
-            </a:r>
-          </a:p>
-          <a:p>
-            <a:pPr marL="342900" indent="-342900" algn="l">
-              <a:lnSpc>
-                <a:spcPct val="100000"/>
-              </a:lnSpc>
-              <a:buFontTx/>
-              <a:buNone/>
-            </a:pPr>
-            <a:r>
-              <a:rPr lang="ro-RO" b="1" dirty="0">
-                <a:latin typeface="Arial" charset="0"/>
-                <a:cs typeface="Arial" charset="0"/>
-              </a:rPr>
-              <a:t>		  ( SELECT DISTINCT </a:t>
-            </a:r>
-            <a:r>
-              <a:rPr lang="ro-RO" b="1" dirty="0" err="1">
-                <a:latin typeface="Arial" charset="0"/>
-                <a:cs typeface="Arial" charset="0"/>
-              </a:rPr>
-              <a:t>PretUnit</a:t>
-            </a:r>
-            <a:r>
-              <a:rPr lang="ro-RO" b="1" dirty="0">
-                <a:latin typeface="Arial" charset="0"/>
-                <a:cs typeface="Arial" charset="0"/>
-              </a:rPr>
-              <a:t> </a:t>
-            </a:r>
-          </a:p>
-          <a:p>
-            <a:pPr marL="342900" indent="-342900" algn="l">
-              <a:lnSpc>
-                <a:spcPct val="100000"/>
-              </a:lnSpc>
-              <a:buFontTx/>
-              <a:buNone/>
-            </a:pPr>
-            <a:r>
-              <a:rPr lang="ro-RO" b="1" dirty="0">
-                <a:latin typeface="Arial" charset="0"/>
-                <a:cs typeface="Arial" charset="0"/>
-              </a:rPr>
-              <a:t>		     FROM produse</a:t>
-            </a:r>
-          </a:p>
-          <a:p>
-            <a:pPr marL="342900" indent="-342900" algn="l">
-              <a:lnSpc>
-                <a:spcPct val="100000"/>
-              </a:lnSpc>
-              <a:buFontTx/>
-              <a:buNone/>
-            </a:pPr>
-            <a:r>
-              <a:rPr lang="ro-RO" b="1" dirty="0">
-                <a:latin typeface="Arial" charset="0"/>
-                <a:cs typeface="Arial" charset="0"/>
-              </a:rPr>
-              <a:t>			NATURAL JOIN</a:t>
-            </a:r>
-          </a:p>
-          <a:p>
-            <a:pPr marL="342900" indent="-342900" algn="l">
-              <a:lnSpc>
-                <a:spcPct val="100000"/>
-              </a:lnSpc>
-              <a:buFontTx/>
-              <a:buNone/>
-            </a:pPr>
-            <a:r>
-              <a:rPr lang="ro-RO" b="1" dirty="0">
-                <a:latin typeface="Arial" charset="0"/>
-                <a:cs typeface="Arial" charset="0"/>
-              </a:rPr>
-              <a:t>				</a:t>
-            </a:r>
-            <a:r>
-              <a:rPr lang="ro-RO" b="1" dirty="0" err="1">
-                <a:latin typeface="Arial" charset="0"/>
-                <a:cs typeface="Arial" charset="0"/>
-              </a:rPr>
-              <a:t>liniifact</a:t>
-            </a:r>
-            <a:endParaRPr lang="ro-RO" b="1" dirty="0">
-              <a:latin typeface="Arial" charset="0"/>
-              <a:cs typeface="Arial" charset="0"/>
-            </a:endParaRPr>
-          </a:p>
-          <a:p>
-            <a:pPr marL="342900" indent="-342900" algn="l">
-              <a:lnSpc>
-                <a:spcPct val="100000"/>
-              </a:lnSpc>
-              <a:buFontTx/>
-              <a:buNone/>
-            </a:pPr>
-            <a:r>
-              <a:rPr lang="ro-RO" b="1" dirty="0">
-                <a:latin typeface="Arial" charset="0"/>
-                <a:cs typeface="Arial" charset="0"/>
-              </a:rPr>
-              <a:t>		     WHERE </a:t>
-            </a:r>
-            <a:r>
-              <a:rPr lang="ro-RO" b="1" dirty="0" err="1">
-                <a:latin typeface="Arial" charset="0"/>
-                <a:cs typeface="Arial" charset="0"/>
-              </a:rPr>
-              <a:t>DenPr</a:t>
-            </a:r>
-            <a:r>
-              <a:rPr lang="ro-RO" b="1" dirty="0">
-                <a:latin typeface="Arial" charset="0"/>
-                <a:cs typeface="Arial" charset="0"/>
-              </a:rPr>
-              <a:t> = 'Produs 1'   )</a:t>
-            </a:r>
-          </a:p>
-          <a:p>
-            <a:pPr marL="342900" indent="-342900" algn="l">
-              <a:lnSpc>
-                <a:spcPct val="100000"/>
-              </a:lnSpc>
-              <a:buFontTx/>
-              <a:buNone/>
-            </a:pPr>
-            <a:r>
-              <a:rPr lang="ro-RO" b="1" dirty="0">
-                <a:latin typeface="Arial" charset="0"/>
-                <a:cs typeface="Arial" charset="0"/>
-              </a:rPr>
-              <a:t>ORDER BY 1</a:t>
-            </a:r>
-            <a:endParaRPr lang="en-US" b="1" dirty="0">
-              <a:latin typeface="Arial" charset="0"/>
-              <a:cs typeface="Arial" charset="0"/>
-            </a:endParaRPr>
-          </a:p>
-        </p:txBody>
-      </p:sp>
-      <p:sp>
-        <p:nvSpPr>
-          <p:cNvPr id="11" name="Rectangle 10"/>
+          <p:cNvPr id="4" name="Rectangle 3"/>
           <p:cNvSpPr/>
           <p:nvPr/>
         </p:nvSpPr>
         <p:spPr>
           <a:xfrm>
-            <a:off x="0" y="152400"/>
-            <a:ext cx="9144000" cy="1421928"/>
+            <a:off x="0" y="63500"/>
+            <a:ext cx="9144000" cy="1366528"/>
           </a:xfrm>
           <a:prstGeom prst="rect">
             <a:avLst/>
@@ -9694,7 +9001,1394 @@
                 <a:ea typeface="+mj-ea"/>
                 <a:cs typeface="Arial Unicode MS"/>
               </a:rPr>
-              <a:t>Operatorii ANY și SOME</a:t>
+              <a:t>Operatorul ALL  - exemplu</a:t>
+            </a:r>
+          </a:p>
+          <a:p>
+            <a:pPr algn="ctr">
+              <a:spcBef>
+                <a:spcPct val="0"/>
+              </a:spcBef>
+              <a:buNone/>
+              <a:defRPr/>
+            </a:pPr>
+            <a:r>
+              <a:rPr lang="vi-VN" b="1" dirty="0">
+                <a:solidFill>
+                  <a:schemeClr val="tx2">
+                    <a:satMod val="130000"/>
+                  </a:schemeClr>
+                </a:solidFill>
+                <a:effectLst>
+                  <a:outerShdw blurRad="50000" dist="30000" dir="5400000" algn="tl" rotWithShape="0">
+                    <a:srgbClr val="000000">
+                      <a:alpha val="30000"/>
+                    </a:srgbClr>
+                  </a:outerShdw>
+                </a:effectLst>
+                <a:latin typeface="Arial" charset="0"/>
+              </a:rPr>
+              <a:t>Care este preţ</a:t>
+            </a:r>
+            <a:r>
+              <a:rPr lang="ro-RO" b="1" dirty="0">
+                <a:solidFill>
+                  <a:schemeClr val="tx2">
+                    <a:satMod val="130000"/>
+                  </a:schemeClr>
+                </a:solidFill>
+                <a:effectLst>
+                  <a:outerShdw blurRad="50000" dist="30000" dir="5400000" algn="tl" rotWithShape="0">
+                    <a:srgbClr val="000000">
+                      <a:alpha val="30000"/>
+                    </a:srgbClr>
+                  </a:outerShdw>
+                </a:effectLst>
+                <a:latin typeface="Arial" charset="0"/>
+              </a:rPr>
+              <a:t>ul</a:t>
+            </a:r>
+            <a:r>
+              <a:rPr lang="vi-VN" b="1" dirty="0">
+                <a:solidFill>
+                  <a:schemeClr val="tx2">
+                    <a:satMod val="130000"/>
+                  </a:schemeClr>
+                </a:solidFill>
+                <a:effectLst>
+                  <a:outerShdw blurRad="50000" dist="30000" dir="5400000" algn="tl" rotWithShape="0">
+                    <a:srgbClr val="000000">
+                      <a:alpha val="30000"/>
+                    </a:srgbClr>
+                  </a:outerShdw>
+                </a:effectLst>
+                <a:latin typeface="Arial" charset="0"/>
+              </a:rPr>
+              <a:t> unitar</a:t>
+            </a:r>
+            <a:r>
+              <a:rPr lang="ro-RO" b="1" dirty="0">
+                <a:solidFill>
+                  <a:schemeClr val="tx2">
+                    <a:satMod val="130000"/>
+                  </a:schemeClr>
+                </a:solidFill>
+                <a:effectLst>
+                  <a:outerShdw blurRad="50000" dist="30000" dir="5400000" algn="tl" rotWithShape="0">
+                    <a:srgbClr val="000000">
+                      <a:alpha val="30000"/>
+                    </a:srgbClr>
+                  </a:outerShdw>
+                </a:effectLst>
+                <a:latin typeface="Arial" charset="0"/>
+              </a:rPr>
+              <a:t> maxim</a:t>
+            </a:r>
+            <a:r>
+              <a:rPr lang="vi-VN" b="1" dirty="0">
+                <a:solidFill>
+                  <a:schemeClr val="tx2">
+                    <a:satMod val="130000"/>
+                  </a:schemeClr>
+                </a:solidFill>
+                <a:effectLst>
+                  <a:outerShdw blurRad="50000" dist="30000" dir="5400000" algn="tl" rotWithShape="0">
+                    <a:srgbClr val="000000">
+                      <a:alpha val="30000"/>
+                    </a:srgbClr>
+                  </a:outerShdw>
+                </a:effectLst>
+                <a:latin typeface="Arial" charset="0"/>
+              </a:rPr>
+              <a:t> la care a fost vândut un produs</a:t>
+            </a:r>
+            <a:r>
+              <a:rPr lang="ro-RO" b="1" dirty="0">
+                <a:solidFill>
+                  <a:schemeClr val="tx2">
+                    <a:satMod val="130000"/>
+                  </a:schemeClr>
+                </a:solidFill>
+                <a:effectLst>
+                  <a:outerShdw blurRad="50000" dist="30000" dir="5400000" algn="tl" rotWithShape="0">
+                    <a:srgbClr val="000000">
+                      <a:alpha val="30000"/>
+                    </a:srgbClr>
+                  </a:outerShdw>
+                </a:effectLst>
+                <a:latin typeface="Arial" charset="0"/>
+              </a:rPr>
+              <a:t> și în ce </a:t>
+            </a:r>
+            <a:r>
+              <a:rPr lang="vi-VN" b="1" dirty="0">
+                <a:solidFill>
+                  <a:schemeClr val="tx2">
+                    <a:satMod val="130000"/>
+                  </a:schemeClr>
+                </a:solidFill>
+                <a:effectLst>
+                  <a:outerShdw blurRad="50000" dist="30000" dir="5400000" algn="tl" rotWithShape="0">
+                    <a:srgbClr val="000000">
+                      <a:alpha val="30000"/>
+                    </a:srgbClr>
+                  </a:outerShdw>
+                </a:effectLst>
+                <a:latin typeface="Arial" charset="0"/>
+              </a:rPr>
+              <a:t>factur</a:t>
+            </a:r>
+            <a:r>
+              <a:rPr lang="ro-RO" b="1" dirty="0">
+                <a:solidFill>
+                  <a:schemeClr val="tx2">
+                    <a:satMod val="130000"/>
+                  </a:schemeClr>
+                </a:solidFill>
+                <a:effectLst>
+                  <a:outerShdw blurRad="50000" dist="30000" dir="5400000" algn="tl" rotWithShape="0">
+                    <a:srgbClr val="000000">
+                      <a:alpha val="30000"/>
+                    </a:srgbClr>
+                  </a:outerShdw>
+                </a:effectLst>
+                <a:latin typeface="Arial" charset="0"/>
+              </a:rPr>
+              <a:t>i</a:t>
+            </a:r>
+            <a:r>
+              <a:rPr lang="vi-VN" b="1" dirty="0">
+                <a:solidFill>
+                  <a:schemeClr val="tx2">
+                    <a:satMod val="130000"/>
+                  </a:schemeClr>
+                </a:solidFill>
+                <a:effectLst>
+                  <a:outerShdw blurRad="50000" dist="30000" dir="5400000" algn="tl" rotWithShape="0">
+                    <a:srgbClr val="000000">
+                      <a:alpha val="30000"/>
+                    </a:srgbClr>
+                  </a:outerShdw>
+                </a:effectLst>
+                <a:latin typeface="Arial" charset="0"/>
+              </a:rPr>
+              <a:t> </a:t>
+            </a:r>
+            <a:r>
+              <a:rPr lang="ro-RO" b="1" dirty="0">
+                <a:solidFill>
+                  <a:schemeClr val="tx2">
+                    <a:satMod val="130000"/>
+                  </a:schemeClr>
+                </a:solidFill>
+                <a:effectLst>
+                  <a:outerShdw blurRad="50000" dist="30000" dir="5400000" algn="tl" rotWithShape="0">
+                    <a:srgbClr val="000000">
+                      <a:alpha val="30000"/>
+                    </a:srgbClr>
+                  </a:outerShdw>
+                </a:effectLst>
+                <a:latin typeface="Arial" charset="0"/>
+              </a:rPr>
+              <a:t>apare </a:t>
+            </a:r>
+            <a:r>
+              <a:rPr lang="vi-VN" b="1" dirty="0">
+                <a:solidFill>
+                  <a:schemeClr val="tx2">
+                    <a:satMod val="130000"/>
+                  </a:schemeClr>
+                </a:solidFill>
+                <a:effectLst>
+                  <a:outerShdw blurRad="50000" dist="30000" dir="5400000" algn="tl" rotWithShape="0">
+                    <a:srgbClr val="000000">
+                      <a:alpha val="30000"/>
+                    </a:srgbClr>
+                  </a:outerShdw>
+                </a:effectLst>
+                <a:latin typeface="Arial" charset="0"/>
+              </a:rPr>
+              <a:t>preţ</a:t>
+            </a:r>
+            <a:r>
+              <a:rPr lang="ro-RO" b="1" dirty="0">
+                <a:solidFill>
+                  <a:schemeClr val="tx2">
+                    <a:satMod val="130000"/>
+                  </a:schemeClr>
+                </a:solidFill>
+                <a:effectLst>
+                  <a:outerShdw blurRad="50000" dist="30000" dir="5400000" algn="tl" rotWithShape="0">
+                    <a:srgbClr val="000000">
+                      <a:alpha val="30000"/>
+                    </a:srgbClr>
+                  </a:outerShdw>
+                </a:effectLst>
+                <a:latin typeface="Arial" charset="0"/>
+              </a:rPr>
+              <a:t>ul</a:t>
+            </a:r>
+            <a:r>
+              <a:rPr lang="vi-VN" b="1" dirty="0">
+                <a:solidFill>
+                  <a:schemeClr val="tx2">
+                    <a:satMod val="130000"/>
+                  </a:schemeClr>
+                </a:solidFill>
+                <a:effectLst>
+                  <a:outerShdw blurRad="50000" dist="30000" dir="5400000" algn="tl" rotWithShape="0">
+                    <a:srgbClr val="000000">
+                      <a:alpha val="30000"/>
+                    </a:srgbClr>
+                  </a:outerShdw>
+                </a:effectLst>
+                <a:latin typeface="Arial" charset="0"/>
+              </a:rPr>
+              <a:t> maxim ?</a:t>
+            </a:r>
+            <a:endParaRPr lang="en-US" b="1" dirty="0">
+              <a:solidFill>
+                <a:schemeClr val="tx2">
+                  <a:satMod val="130000"/>
+                </a:schemeClr>
+              </a:solidFill>
+              <a:effectLst>
+                <a:outerShdw blurRad="50000" dist="30000" dir="5400000" algn="tl" rotWithShape="0">
+                  <a:srgbClr val="000000">
+                    <a:alpha val="30000"/>
+                  </a:srgbClr>
+                </a:outerShdw>
+              </a:effectLst>
+              <a:latin typeface="Arial" charset="0"/>
+            </a:endParaRPr>
+          </a:p>
+        </p:txBody>
+      </p:sp>
+      <p:pic>
+        <p:nvPicPr>
+          <p:cNvPr id="15361" name="Picture 1"/>
+          <p:cNvPicPr>
+            <a:picLocks noChangeAspect="1" noChangeArrowheads="1"/>
+          </p:cNvPicPr>
+          <p:nvPr/>
+        </p:nvPicPr>
+        <p:blipFill>
+          <a:blip r:embed="rId3" cstate="print"/>
+          <a:srcRect/>
+          <a:stretch>
+            <a:fillRect/>
+          </a:stretch>
+        </p:blipFill>
+        <p:spPr bwMode="auto">
+          <a:xfrm>
+            <a:off x="8004558" y="1582737"/>
+            <a:ext cx="982662" cy="5139817"/>
+          </a:xfrm>
+          <a:prstGeom prst="rect">
+            <a:avLst/>
+          </a:prstGeom>
+          <a:ln>
+            <a:noFill/>
+          </a:ln>
+          <a:effectLst>
+            <a:outerShdw blurRad="292100" dist="139700" dir="2700000" algn="tl" rotWithShape="0">
+              <a:srgbClr val="333333">
+                <a:alpha val="65000"/>
+              </a:srgbClr>
+            </a:outerShdw>
+          </a:effectLst>
+        </p:spPr>
+      </p:pic>
+      <p:sp>
+        <p:nvSpPr>
+          <p:cNvPr id="8" name="Right Brace 7"/>
+          <p:cNvSpPr/>
+          <p:nvPr/>
+        </p:nvSpPr>
+        <p:spPr>
+          <a:xfrm>
+            <a:off x="7535916" y="4204138"/>
+            <a:ext cx="376184" cy="1802962"/>
+          </a:xfrm>
+          <a:prstGeom prst="rightBrace">
+            <a:avLst/>
+          </a:prstGeom>
+        </p:spPr>
+        <p:style>
+          <a:lnRef idx="3">
+            <a:schemeClr val="accent3"/>
+          </a:lnRef>
+          <a:fillRef idx="0">
+            <a:schemeClr val="accent3"/>
+          </a:fillRef>
+          <a:effectRef idx="2">
+            <a:schemeClr val="accent3"/>
+          </a:effectRef>
+          <a:fontRef idx="minor">
+            <a:schemeClr val="tx1"/>
+          </a:fontRef>
+        </p:style>
+        <p:txBody>
+          <a:bodyPr rtlCol="0" anchor="ctr"/>
+          <a:lstStyle/>
+          <a:p>
+            <a:pPr algn="ctr"/>
+            <a:endParaRPr lang="en-US"/>
+          </a:p>
+        </p:txBody>
+      </p:sp>
+      <p:pic>
+        <p:nvPicPr>
+          <p:cNvPr id="15362" name="Picture 2"/>
+          <p:cNvPicPr>
+            <a:picLocks noChangeAspect="1" noChangeArrowheads="1"/>
+          </p:cNvPicPr>
+          <p:nvPr/>
+        </p:nvPicPr>
+        <p:blipFill>
+          <a:blip r:embed="rId4" cstate="print"/>
+          <a:srcRect/>
+          <a:stretch>
+            <a:fillRect/>
+          </a:stretch>
+        </p:blipFill>
+        <p:spPr bwMode="auto">
+          <a:xfrm>
+            <a:off x="-1" y="3487737"/>
+            <a:ext cx="2324101" cy="1291107"/>
+          </a:xfrm>
+          <a:prstGeom prst="rect">
+            <a:avLst/>
+          </a:prstGeom>
+          <a:ln>
+            <a:noFill/>
+          </a:ln>
+          <a:effectLst>
+            <a:outerShdw blurRad="292100" dist="139700" dir="2700000" algn="tl" rotWithShape="0">
+              <a:srgbClr val="333333">
+                <a:alpha val="65000"/>
+              </a:srgbClr>
+            </a:outerShdw>
+          </a:effectLst>
+        </p:spPr>
+      </p:pic>
+      <p:sp>
+        <p:nvSpPr>
+          <p:cNvPr id="7" name="Left Brace 6"/>
+          <p:cNvSpPr/>
+          <p:nvPr/>
+        </p:nvSpPr>
+        <p:spPr>
+          <a:xfrm>
+            <a:off x="2222500" y="1671145"/>
+            <a:ext cx="457638" cy="4855779"/>
+          </a:xfrm>
+          <a:prstGeom prst="leftBrace">
+            <a:avLst/>
+          </a:prstGeom>
+          <a:ln w="38100"/>
+        </p:spPr>
+        <p:style>
+          <a:lnRef idx="1">
+            <a:schemeClr val="accent1"/>
+          </a:lnRef>
+          <a:fillRef idx="0">
+            <a:schemeClr val="accent1"/>
+          </a:fillRef>
+          <a:effectRef idx="0">
+            <a:schemeClr val="accent1"/>
+          </a:effectRef>
+          <a:fontRef idx="minor">
+            <a:schemeClr val="tx1"/>
+          </a:fontRef>
+        </p:style>
+        <p:txBody>
+          <a:bodyPr rtlCol="0" anchor="ctr"/>
+          <a:lstStyle/>
+          <a:p>
+            <a:pPr algn="ctr"/>
+            <a:endParaRPr lang="en-US"/>
+          </a:p>
+        </p:txBody>
+      </p:sp>
+    </p:spTree>
+    <p:extLst>
+      <p:ext uri="{BB962C8B-B14F-4D97-AF65-F5344CB8AC3E}">
+        <p14:creationId xmlns:p14="http://schemas.microsoft.com/office/powerpoint/2010/main" val="1956637054"/>
+      </p:ext>
+    </p:extLst>
+  </p:cSld>
+  <p:clrMapOvr>
+    <a:masterClrMapping/>
+  </p:clrMapOvr>
+  <p:transition>
+    <p:random/>
+  </p:transition>
+</p:sld>
+</file>
+
+<file path=ppt/slides/slide14.xml><?xml version="1.0" encoding="utf-8"?>
+<p:sld xmlns:a="http://schemas.openxmlformats.org/drawingml/2006/main" xmlns:r="http://schemas.openxmlformats.org/officeDocument/2006/relationships" xmlns:p="http://schemas.openxmlformats.org/presentationml/2006/main">
+  <p:cSld>
+    <p:spTree>
+      <p:nvGrpSpPr>
+        <p:cNvPr id="1" name=""/>
+        <p:cNvGrpSpPr/>
+        <p:nvPr/>
+      </p:nvGrpSpPr>
+      <p:grpSpPr>
+        <a:xfrm>
+          <a:off x="0" y="0"/>
+          <a:ext cx="0" cy="0"/>
+          <a:chOff x="0" y="0"/>
+          <a:chExt cx="0" cy="0"/>
+        </a:xfrm>
+      </p:grpSpPr>
+      <p:sp>
+        <p:nvSpPr>
+          <p:cNvPr id="12290" name="Rectangle 2"/>
+          <p:cNvSpPr>
+            <a:spLocks noChangeArrowheads="1"/>
+          </p:cNvSpPr>
+          <p:nvPr/>
+        </p:nvSpPr>
+        <p:spPr bwMode="auto">
+          <a:xfrm>
+            <a:off x="4572000" y="3429000"/>
+            <a:ext cx="9144000" cy="0"/>
+          </a:xfrm>
+          <a:prstGeom prst="rect">
+            <a:avLst/>
+          </a:prstGeom>
+          <a:noFill/>
+          <a:ln w="9525">
+            <a:noFill/>
+            <a:miter lim="800000"/>
+            <a:headEnd/>
+            <a:tailEnd/>
+          </a:ln>
+        </p:spPr>
+        <p:txBody>
+          <a:bodyPr>
+            <a:spAutoFit/>
+          </a:bodyPr>
+          <a:lstStyle/>
+          <a:p>
+            <a:endParaRPr lang="en-US"/>
+          </a:p>
+        </p:txBody>
+      </p:sp>
+      <p:sp>
+        <p:nvSpPr>
+          <p:cNvPr id="12291" name="Rectangle 3"/>
+          <p:cNvSpPr>
+            <a:spLocks noChangeArrowheads="1"/>
+          </p:cNvSpPr>
+          <p:nvPr/>
+        </p:nvSpPr>
+        <p:spPr bwMode="auto">
+          <a:xfrm>
+            <a:off x="4572000" y="3429000"/>
+            <a:ext cx="9144000" cy="0"/>
+          </a:xfrm>
+          <a:prstGeom prst="rect">
+            <a:avLst/>
+          </a:prstGeom>
+          <a:noFill/>
+          <a:ln w="9525">
+            <a:noFill/>
+            <a:miter lim="800000"/>
+            <a:headEnd/>
+            <a:tailEnd/>
+          </a:ln>
+        </p:spPr>
+        <p:txBody>
+          <a:bodyPr>
+            <a:spAutoFit/>
+          </a:bodyPr>
+          <a:lstStyle/>
+          <a:p>
+            <a:endParaRPr lang="en-US"/>
+          </a:p>
+        </p:txBody>
+      </p:sp>
+      <p:sp>
+        <p:nvSpPr>
+          <p:cNvPr id="12292" name="Rectangle 4"/>
+          <p:cNvSpPr>
+            <a:spLocks noChangeArrowheads="1"/>
+          </p:cNvSpPr>
+          <p:nvPr/>
+        </p:nvSpPr>
+        <p:spPr bwMode="auto">
+          <a:xfrm>
+            <a:off x="4572000" y="3429000"/>
+            <a:ext cx="9144000" cy="0"/>
+          </a:xfrm>
+          <a:prstGeom prst="rect">
+            <a:avLst/>
+          </a:prstGeom>
+          <a:noFill/>
+          <a:ln w="9525">
+            <a:noFill/>
+            <a:miter lim="800000"/>
+            <a:headEnd/>
+            <a:tailEnd/>
+          </a:ln>
+        </p:spPr>
+        <p:txBody>
+          <a:bodyPr>
+            <a:spAutoFit/>
+          </a:bodyPr>
+          <a:lstStyle/>
+          <a:p>
+            <a:endParaRPr lang="en-US"/>
+          </a:p>
+        </p:txBody>
+      </p:sp>
+      <p:sp>
+        <p:nvSpPr>
+          <p:cNvPr id="12293" name="Rectangle 5"/>
+          <p:cNvSpPr>
+            <a:spLocks noChangeArrowheads="1"/>
+          </p:cNvSpPr>
+          <p:nvPr/>
+        </p:nvSpPr>
+        <p:spPr bwMode="auto">
+          <a:xfrm>
+            <a:off x="4572000" y="3429000"/>
+            <a:ext cx="9144000" cy="0"/>
+          </a:xfrm>
+          <a:prstGeom prst="rect">
+            <a:avLst/>
+          </a:prstGeom>
+          <a:noFill/>
+          <a:ln w="9525">
+            <a:noFill/>
+            <a:miter lim="800000"/>
+            <a:headEnd/>
+            <a:tailEnd/>
+          </a:ln>
+        </p:spPr>
+        <p:txBody>
+          <a:bodyPr>
+            <a:spAutoFit/>
+          </a:bodyPr>
+          <a:lstStyle/>
+          <a:p>
+            <a:endParaRPr lang="en-US"/>
+          </a:p>
+        </p:txBody>
+      </p:sp>
+      <p:sp>
+        <p:nvSpPr>
+          <p:cNvPr id="12294" name="Rectangle 6"/>
+          <p:cNvSpPr>
+            <a:spLocks noChangeArrowheads="1"/>
+          </p:cNvSpPr>
+          <p:nvPr/>
+        </p:nvSpPr>
+        <p:spPr bwMode="auto">
+          <a:xfrm>
+            <a:off x="4572000" y="3429000"/>
+            <a:ext cx="9144000" cy="0"/>
+          </a:xfrm>
+          <a:prstGeom prst="rect">
+            <a:avLst/>
+          </a:prstGeom>
+          <a:noFill/>
+          <a:ln w="9525">
+            <a:noFill/>
+            <a:miter lim="800000"/>
+            <a:headEnd/>
+            <a:tailEnd/>
+          </a:ln>
+        </p:spPr>
+        <p:txBody>
+          <a:bodyPr>
+            <a:spAutoFit/>
+          </a:bodyPr>
+          <a:lstStyle/>
+          <a:p>
+            <a:endParaRPr lang="en-US"/>
+          </a:p>
+        </p:txBody>
+      </p:sp>
+      <p:sp>
+        <p:nvSpPr>
+          <p:cNvPr id="12295" name="Rectangle 10"/>
+          <p:cNvSpPr>
+            <a:spLocks noChangeArrowheads="1"/>
+          </p:cNvSpPr>
+          <p:nvPr/>
+        </p:nvSpPr>
+        <p:spPr bwMode="auto">
+          <a:xfrm>
+            <a:off x="4572000" y="3429000"/>
+            <a:ext cx="9144000" cy="0"/>
+          </a:xfrm>
+          <a:prstGeom prst="rect">
+            <a:avLst/>
+          </a:prstGeom>
+          <a:noFill/>
+          <a:ln w="9525">
+            <a:noFill/>
+            <a:miter lim="800000"/>
+            <a:headEnd/>
+            <a:tailEnd/>
+          </a:ln>
+        </p:spPr>
+        <p:txBody>
+          <a:bodyPr>
+            <a:spAutoFit/>
+          </a:bodyPr>
+          <a:lstStyle/>
+          <a:p>
+            <a:endParaRPr lang="en-US"/>
+          </a:p>
+        </p:txBody>
+      </p:sp>
+      <p:sp>
+        <p:nvSpPr>
+          <p:cNvPr id="12296" name="Rectangle 11"/>
+          <p:cNvSpPr>
+            <a:spLocks noChangeArrowheads="1"/>
+          </p:cNvSpPr>
+          <p:nvPr/>
+        </p:nvSpPr>
+        <p:spPr bwMode="auto">
+          <a:xfrm>
+            <a:off x="4572000" y="3429000"/>
+            <a:ext cx="9144000" cy="0"/>
+          </a:xfrm>
+          <a:prstGeom prst="rect">
+            <a:avLst/>
+          </a:prstGeom>
+          <a:noFill/>
+          <a:ln w="9525">
+            <a:noFill/>
+            <a:miter lim="800000"/>
+            <a:headEnd/>
+            <a:tailEnd/>
+          </a:ln>
+        </p:spPr>
+        <p:txBody>
+          <a:bodyPr>
+            <a:spAutoFit/>
+          </a:bodyPr>
+          <a:lstStyle/>
+          <a:p>
+            <a:endParaRPr lang="en-US"/>
+          </a:p>
+        </p:txBody>
+      </p:sp>
+      <p:sp>
+        <p:nvSpPr>
+          <p:cNvPr id="11" name="Rectangle 10"/>
+          <p:cNvSpPr/>
+          <p:nvPr/>
+        </p:nvSpPr>
+        <p:spPr>
+          <a:xfrm>
+            <a:off x="0" y="281491"/>
+            <a:ext cx="9144000" cy="590931"/>
+          </a:xfrm>
+          <a:prstGeom prst="rect">
+            <a:avLst/>
+          </a:prstGeom>
+        </p:spPr>
+        <p:txBody>
+          <a:bodyPr wrap="square">
+            <a:spAutoFit/>
+          </a:bodyPr>
+          <a:lstStyle/>
+          <a:p>
+            <a:pPr algn="ctr">
+              <a:spcBef>
+                <a:spcPct val="0"/>
+              </a:spcBef>
+              <a:buNone/>
+              <a:defRPr/>
+            </a:pPr>
+            <a:r>
+              <a:rPr lang="ro-RO" sz="3600" b="1" dirty="0">
+                <a:solidFill>
+                  <a:schemeClr val="tx2">
+                    <a:satMod val="130000"/>
+                  </a:schemeClr>
+                </a:solidFill>
+                <a:effectLst>
+                  <a:outerShdw blurRad="50000" dist="30000" dir="5400000" algn="tl" rotWithShape="0">
+                    <a:srgbClr val="000000">
+                      <a:alpha val="30000"/>
+                    </a:srgbClr>
+                  </a:outerShdw>
+                </a:effectLst>
+                <a:latin typeface="Arial Unicode MS"/>
+                <a:ea typeface="+mj-ea"/>
+                <a:cs typeface="Arial Unicode MS"/>
+              </a:rPr>
+              <a:t>Operatorul ANY</a:t>
+            </a:r>
+          </a:p>
+        </p:txBody>
+      </p:sp>
+      <p:sp>
+        <p:nvSpPr>
+          <p:cNvPr id="3" name="Rectangle 2">
+            <a:extLst>
+              <a:ext uri="{FF2B5EF4-FFF2-40B4-BE49-F238E27FC236}">
+                <a16:creationId xmlns:a16="http://schemas.microsoft.com/office/drawing/2014/main" id="{C1413E61-ADD9-5447-8774-E7D2D681C5D3}"/>
+              </a:ext>
+            </a:extLst>
+          </p:cNvPr>
+          <p:cNvSpPr/>
+          <p:nvPr/>
+        </p:nvSpPr>
+        <p:spPr>
+          <a:xfrm>
+            <a:off x="1086522" y="2995035"/>
+            <a:ext cx="7627172" cy="1902059"/>
+          </a:xfrm>
+          <a:prstGeom prst="rect">
+            <a:avLst/>
+          </a:prstGeom>
+        </p:spPr>
+        <p:txBody>
+          <a:bodyPr wrap="square">
+            <a:spAutoFit/>
+          </a:bodyPr>
+          <a:lstStyle/>
+          <a:p>
+            <a:pPr>
+              <a:buNone/>
+            </a:pPr>
+            <a:r>
+              <a:rPr lang="ro-RO" dirty="0">
+                <a:hlinkClick r:id="rId3"/>
+              </a:rPr>
+              <a:t>http://www.postgresqltutorial.com/postgresql-any/</a:t>
+            </a:r>
+            <a:endParaRPr lang="ro-RO" dirty="0"/>
+          </a:p>
+          <a:p>
+            <a:pPr>
+              <a:buNone/>
+            </a:pPr>
+            <a:endParaRPr lang="ro-RO" dirty="0"/>
+          </a:p>
+          <a:p>
+            <a:pPr>
+              <a:buNone/>
+            </a:pPr>
+            <a:endParaRPr lang="ro-RO" dirty="0"/>
+          </a:p>
+          <a:p>
+            <a:pPr>
+              <a:buNone/>
+            </a:pPr>
+            <a:endParaRPr lang="ro-RO" dirty="0"/>
+          </a:p>
+        </p:txBody>
+      </p:sp>
+    </p:spTree>
+  </p:cSld>
+  <p:clrMapOvr>
+    <a:masterClrMapping/>
+  </p:clrMapOvr>
+  <p:transition>
+    <p:random/>
+  </p:transition>
+</p:sld>
+</file>
+
+<file path=ppt/slides/slide15.xml><?xml version="1.0" encoding="utf-8"?>
+<p:sld xmlns:a="http://schemas.openxmlformats.org/drawingml/2006/main" xmlns:r="http://schemas.openxmlformats.org/officeDocument/2006/relationships" xmlns:p="http://schemas.openxmlformats.org/presentationml/2006/main">
+  <p:cSld>
+    <p:spTree>
+      <p:nvGrpSpPr>
+        <p:cNvPr id="1" name=""/>
+        <p:cNvGrpSpPr/>
+        <p:nvPr/>
+      </p:nvGrpSpPr>
+      <p:grpSpPr>
+        <a:xfrm>
+          <a:off x="0" y="0"/>
+          <a:ext cx="0" cy="0"/>
+          <a:chOff x="0" y="0"/>
+          <a:chExt cx="0" cy="0"/>
+        </a:xfrm>
+      </p:grpSpPr>
+      <p:sp>
+        <p:nvSpPr>
+          <p:cNvPr id="12290" name="Rectangle 2"/>
+          <p:cNvSpPr>
+            <a:spLocks noChangeArrowheads="1"/>
+          </p:cNvSpPr>
+          <p:nvPr/>
+        </p:nvSpPr>
+        <p:spPr bwMode="auto">
+          <a:xfrm>
+            <a:off x="4572000" y="3429000"/>
+            <a:ext cx="9144000" cy="0"/>
+          </a:xfrm>
+          <a:prstGeom prst="rect">
+            <a:avLst/>
+          </a:prstGeom>
+          <a:noFill/>
+          <a:ln w="9525">
+            <a:noFill/>
+            <a:miter lim="800000"/>
+            <a:headEnd/>
+            <a:tailEnd/>
+          </a:ln>
+        </p:spPr>
+        <p:txBody>
+          <a:bodyPr>
+            <a:spAutoFit/>
+          </a:bodyPr>
+          <a:lstStyle/>
+          <a:p>
+            <a:endParaRPr lang="en-US"/>
+          </a:p>
+        </p:txBody>
+      </p:sp>
+      <p:sp>
+        <p:nvSpPr>
+          <p:cNvPr id="12291" name="Rectangle 3"/>
+          <p:cNvSpPr>
+            <a:spLocks noChangeArrowheads="1"/>
+          </p:cNvSpPr>
+          <p:nvPr/>
+        </p:nvSpPr>
+        <p:spPr bwMode="auto">
+          <a:xfrm>
+            <a:off x="4572000" y="3429000"/>
+            <a:ext cx="9144000" cy="0"/>
+          </a:xfrm>
+          <a:prstGeom prst="rect">
+            <a:avLst/>
+          </a:prstGeom>
+          <a:noFill/>
+          <a:ln w="9525">
+            <a:noFill/>
+            <a:miter lim="800000"/>
+            <a:headEnd/>
+            <a:tailEnd/>
+          </a:ln>
+        </p:spPr>
+        <p:txBody>
+          <a:bodyPr>
+            <a:spAutoFit/>
+          </a:bodyPr>
+          <a:lstStyle/>
+          <a:p>
+            <a:endParaRPr lang="en-US"/>
+          </a:p>
+        </p:txBody>
+      </p:sp>
+      <p:sp>
+        <p:nvSpPr>
+          <p:cNvPr id="12292" name="Rectangle 4"/>
+          <p:cNvSpPr>
+            <a:spLocks noChangeArrowheads="1"/>
+          </p:cNvSpPr>
+          <p:nvPr/>
+        </p:nvSpPr>
+        <p:spPr bwMode="auto">
+          <a:xfrm>
+            <a:off x="4572000" y="3429000"/>
+            <a:ext cx="9144000" cy="0"/>
+          </a:xfrm>
+          <a:prstGeom prst="rect">
+            <a:avLst/>
+          </a:prstGeom>
+          <a:noFill/>
+          <a:ln w="9525">
+            <a:noFill/>
+            <a:miter lim="800000"/>
+            <a:headEnd/>
+            <a:tailEnd/>
+          </a:ln>
+        </p:spPr>
+        <p:txBody>
+          <a:bodyPr>
+            <a:spAutoFit/>
+          </a:bodyPr>
+          <a:lstStyle/>
+          <a:p>
+            <a:endParaRPr lang="en-US"/>
+          </a:p>
+        </p:txBody>
+      </p:sp>
+      <p:sp>
+        <p:nvSpPr>
+          <p:cNvPr id="12293" name="Rectangle 5"/>
+          <p:cNvSpPr>
+            <a:spLocks noChangeArrowheads="1"/>
+          </p:cNvSpPr>
+          <p:nvPr/>
+        </p:nvSpPr>
+        <p:spPr bwMode="auto">
+          <a:xfrm>
+            <a:off x="4572000" y="3429000"/>
+            <a:ext cx="9144000" cy="0"/>
+          </a:xfrm>
+          <a:prstGeom prst="rect">
+            <a:avLst/>
+          </a:prstGeom>
+          <a:noFill/>
+          <a:ln w="9525">
+            <a:noFill/>
+            <a:miter lim="800000"/>
+            <a:headEnd/>
+            <a:tailEnd/>
+          </a:ln>
+        </p:spPr>
+        <p:txBody>
+          <a:bodyPr>
+            <a:spAutoFit/>
+          </a:bodyPr>
+          <a:lstStyle/>
+          <a:p>
+            <a:endParaRPr lang="en-US"/>
+          </a:p>
+        </p:txBody>
+      </p:sp>
+      <p:sp>
+        <p:nvSpPr>
+          <p:cNvPr id="12294" name="Rectangle 6"/>
+          <p:cNvSpPr>
+            <a:spLocks noChangeArrowheads="1"/>
+          </p:cNvSpPr>
+          <p:nvPr/>
+        </p:nvSpPr>
+        <p:spPr bwMode="auto">
+          <a:xfrm>
+            <a:off x="4572000" y="3429000"/>
+            <a:ext cx="9144000" cy="0"/>
+          </a:xfrm>
+          <a:prstGeom prst="rect">
+            <a:avLst/>
+          </a:prstGeom>
+          <a:noFill/>
+          <a:ln w="9525">
+            <a:noFill/>
+            <a:miter lim="800000"/>
+            <a:headEnd/>
+            <a:tailEnd/>
+          </a:ln>
+        </p:spPr>
+        <p:txBody>
+          <a:bodyPr>
+            <a:spAutoFit/>
+          </a:bodyPr>
+          <a:lstStyle/>
+          <a:p>
+            <a:endParaRPr lang="en-US"/>
+          </a:p>
+        </p:txBody>
+      </p:sp>
+      <p:sp>
+        <p:nvSpPr>
+          <p:cNvPr id="12295" name="Rectangle 10"/>
+          <p:cNvSpPr>
+            <a:spLocks noChangeArrowheads="1"/>
+          </p:cNvSpPr>
+          <p:nvPr/>
+        </p:nvSpPr>
+        <p:spPr bwMode="auto">
+          <a:xfrm>
+            <a:off x="4572000" y="3429000"/>
+            <a:ext cx="9144000" cy="0"/>
+          </a:xfrm>
+          <a:prstGeom prst="rect">
+            <a:avLst/>
+          </a:prstGeom>
+          <a:noFill/>
+          <a:ln w="9525">
+            <a:noFill/>
+            <a:miter lim="800000"/>
+            <a:headEnd/>
+            <a:tailEnd/>
+          </a:ln>
+        </p:spPr>
+        <p:txBody>
+          <a:bodyPr>
+            <a:spAutoFit/>
+          </a:bodyPr>
+          <a:lstStyle/>
+          <a:p>
+            <a:endParaRPr lang="en-US"/>
+          </a:p>
+        </p:txBody>
+      </p:sp>
+      <p:sp>
+        <p:nvSpPr>
+          <p:cNvPr id="12296" name="Rectangle 11"/>
+          <p:cNvSpPr>
+            <a:spLocks noChangeArrowheads="1"/>
+          </p:cNvSpPr>
+          <p:nvPr/>
+        </p:nvSpPr>
+        <p:spPr bwMode="auto">
+          <a:xfrm>
+            <a:off x="4572000" y="3429000"/>
+            <a:ext cx="9144000" cy="0"/>
+          </a:xfrm>
+          <a:prstGeom prst="rect">
+            <a:avLst/>
+          </a:prstGeom>
+          <a:noFill/>
+          <a:ln w="9525">
+            <a:noFill/>
+            <a:miter lim="800000"/>
+            <a:headEnd/>
+            <a:tailEnd/>
+          </a:ln>
+        </p:spPr>
+        <p:txBody>
+          <a:bodyPr>
+            <a:spAutoFit/>
+          </a:bodyPr>
+          <a:lstStyle/>
+          <a:p>
+            <a:endParaRPr lang="en-US"/>
+          </a:p>
+        </p:txBody>
+      </p:sp>
+      <p:sp>
+        <p:nvSpPr>
+          <p:cNvPr id="12298" name="Rectangle 14"/>
+          <p:cNvSpPr>
+            <a:spLocks noChangeArrowheads="1"/>
+          </p:cNvSpPr>
+          <p:nvPr/>
+        </p:nvSpPr>
+        <p:spPr bwMode="auto">
+          <a:xfrm>
+            <a:off x="381000" y="1803400"/>
+            <a:ext cx="7531100" cy="4622800"/>
+          </a:xfrm>
+          <a:prstGeom prst="rect">
+            <a:avLst/>
+          </a:prstGeom>
+          <a:noFill/>
+          <a:ln w="9525">
+            <a:noFill/>
+            <a:miter lim="800000"/>
+            <a:headEnd/>
+            <a:tailEnd/>
+          </a:ln>
+        </p:spPr>
+        <p:txBody>
+          <a:bodyPr/>
+          <a:lstStyle/>
+          <a:p>
+            <a:pPr marL="342900" indent="-342900" algn="l">
+              <a:lnSpc>
+                <a:spcPct val="100000"/>
+              </a:lnSpc>
+              <a:buFontTx/>
+              <a:buNone/>
+            </a:pPr>
+            <a:r>
+              <a:rPr lang="ro-RO" b="1" dirty="0">
+                <a:latin typeface="Arial" charset="0"/>
+                <a:cs typeface="Arial" charset="0"/>
+              </a:rPr>
+              <a:t>SELECT DISTINCT </a:t>
+            </a:r>
+            <a:r>
+              <a:rPr lang="ro-RO" b="1" dirty="0" err="1">
+                <a:latin typeface="Arial" charset="0"/>
+                <a:cs typeface="Arial" charset="0"/>
+              </a:rPr>
+              <a:t>DenPr</a:t>
+            </a:r>
+            <a:r>
+              <a:rPr lang="ro-RO" b="1" dirty="0">
+                <a:latin typeface="Arial" charset="0"/>
+                <a:cs typeface="Arial" charset="0"/>
+              </a:rPr>
+              <a:t>, </a:t>
+            </a:r>
+            <a:r>
+              <a:rPr lang="ro-RO" b="1" dirty="0" err="1">
+                <a:latin typeface="Arial" charset="0"/>
+                <a:cs typeface="Arial" charset="0"/>
+              </a:rPr>
+              <a:t>PretUnit</a:t>
+            </a:r>
+            <a:r>
+              <a:rPr lang="ro-RO" b="1" dirty="0">
+                <a:latin typeface="Arial" charset="0"/>
+                <a:cs typeface="Arial" charset="0"/>
+              </a:rPr>
+              <a:t> </a:t>
+            </a:r>
+          </a:p>
+          <a:p>
+            <a:pPr marL="342900" indent="-342900" algn="l">
+              <a:lnSpc>
+                <a:spcPct val="100000"/>
+              </a:lnSpc>
+              <a:buFontTx/>
+              <a:buNone/>
+            </a:pPr>
+            <a:r>
+              <a:rPr lang="ro-RO" b="1" dirty="0">
+                <a:latin typeface="Arial" charset="0"/>
+                <a:cs typeface="Arial" charset="0"/>
+              </a:rPr>
+              <a:t>FROM produse</a:t>
+            </a:r>
+          </a:p>
+          <a:p>
+            <a:pPr marL="342900" indent="-342900" algn="l">
+              <a:lnSpc>
+                <a:spcPct val="100000"/>
+              </a:lnSpc>
+              <a:buFontTx/>
+              <a:buNone/>
+            </a:pPr>
+            <a:r>
+              <a:rPr lang="ro-RO" b="1" dirty="0">
+                <a:latin typeface="Arial" charset="0"/>
+                <a:cs typeface="Arial" charset="0"/>
+              </a:rPr>
+              <a:t>		NATURAL JOIN </a:t>
+            </a:r>
+            <a:r>
+              <a:rPr lang="ro-RO" b="1" dirty="0" err="1">
+                <a:latin typeface="Arial" charset="0"/>
+                <a:cs typeface="Arial" charset="0"/>
+              </a:rPr>
+              <a:t>liniifact</a:t>
+            </a:r>
+            <a:endParaRPr lang="ro-RO" b="1" dirty="0">
+              <a:latin typeface="Arial" charset="0"/>
+              <a:cs typeface="Arial" charset="0"/>
+            </a:endParaRPr>
+          </a:p>
+          <a:p>
+            <a:pPr marL="342900" indent="-342900" algn="l">
+              <a:lnSpc>
+                <a:spcPct val="100000"/>
+              </a:lnSpc>
+              <a:buFontTx/>
+              <a:buNone/>
+            </a:pPr>
+            <a:r>
+              <a:rPr lang="ro-RO" b="1" dirty="0">
+                <a:latin typeface="Arial" charset="0"/>
+                <a:cs typeface="Arial" charset="0"/>
+              </a:rPr>
+              <a:t>WHERE </a:t>
+            </a:r>
+            <a:r>
+              <a:rPr lang="ro-RO" b="1" dirty="0" err="1">
+                <a:latin typeface="Arial" charset="0"/>
+                <a:cs typeface="Arial" charset="0"/>
+              </a:rPr>
+              <a:t>PretUnit</a:t>
+            </a:r>
+            <a:r>
+              <a:rPr lang="ro-RO" b="1" dirty="0">
+                <a:latin typeface="Arial" charset="0"/>
+                <a:cs typeface="Arial" charset="0"/>
+              </a:rPr>
+              <a:t> &gt; ANY</a:t>
+            </a:r>
+          </a:p>
+          <a:p>
+            <a:pPr marL="342900" indent="-342900" algn="l">
+              <a:lnSpc>
+                <a:spcPct val="100000"/>
+              </a:lnSpc>
+              <a:buFontTx/>
+              <a:buNone/>
+            </a:pPr>
+            <a:r>
+              <a:rPr lang="ro-RO" b="1" dirty="0">
+                <a:latin typeface="Arial" charset="0"/>
+                <a:cs typeface="Arial" charset="0"/>
+              </a:rPr>
+              <a:t>		  ( SELECT DISTINCT </a:t>
+            </a:r>
+            <a:r>
+              <a:rPr lang="ro-RO" b="1" dirty="0" err="1">
+                <a:latin typeface="Arial" charset="0"/>
+                <a:cs typeface="Arial" charset="0"/>
+              </a:rPr>
+              <a:t>PretUnit</a:t>
+            </a:r>
+            <a:r>
+              <a:rPr lang="ro-RO" b="1" dirty="0">
+                <a:latin typeface="Arial" charset="0"/>
+                <a:cs typeface="Arial" charset="0"/>
+              </a:rPr>
+              <a:t> </a:t>
+            </a:r>
+          </a:p>
+          <a:p>
+            <a:pPr marL="342900" indent="-342900" algn="l">
+              <a:lnSpc>
+                <a:spcPct val="100000"/>
+              </a:lnSpc>
+              <a:buFontTx/>
+              <a:buNone/>
+            </a:pPr>
+            <a:r>
+              <a:rPr lang="ro-RO" b="1" dirty="0">
+                <a:latin typeface="Arial" charset="0"/>
+                <a:cs typeface="Arial" charset="0"/>
+              </a:rPr>
+              <a:t>		     FROM produse</a:t>
+            </a:r>
+          </a:p>
+          <a:p>
+            <a:pPr marL="342900" indent="-342900" algn="l">
+              <a:lnSpc>
+                <a:spcPct val="100000"/>
+              </a:lnSpc>
+              <a:buFontTx/>
+              <a:buNone/>
+            </a:pPr>
+            <a:r>
+              <a:rPr lang="ro-RO" b="1" dirty="0">
+                <a:latin typeface="Arial" charset="0"/>
+                <a:cs typeface="Arial" charset="0"/>
+              </a:rPr>
+              <a:t>			NATURAL JOIN</a:t>
+            </a:r>
+          </a:p>
+          <a:p>
+            <a:pPr marL="342900" indent="-342900" algn="l">
+              <a:lnSpc>
+                <a:spcPct val="100000"/>
+              </a:lnSpc>
+              <a:buFontTx/>
+              <a:buNone/>
+            </a:pPr>
+            <a:r>
+              <a:rPr lang="ro-RO" b="1" dirty="0">
+                <a:latin typeface="Arial" charset="0"/>
+                <a:cs typeface="Arial" charset="0"/>
+              </a:rPr>
+              <a:t>				</a:t>
+            </a:r>
+            <a:r>
+              <a:rPr lang="ro-RO" b="1" dirty="0" err="1">
+                <a:latin typeface="Arial" charset="0"/>
+                <a:cs typeface="Arial" charset="0"/>
+              </a:rPr>
+              <a:t>liniifact</a:t>
+            </a:r>
+            <a:endParaRPr lang="ro-RO" b="1" dirty="0">
+              <a:latin typeface="Arial" charset="0"/>
+              <a:cs typeface="Arial" charset="0"/>
+            </a:endParaRPr>
+          </a:p>
+          <a:p>
+            <a:pPr marL="342900" indent="-342900" algn="l">
+              <a:lnSpc>
+                <a:spcPct val="100000"/>
+              </a:lnSpc>
+              <a:buFontTx/>
+              <a:buNone/>
+            </a:pPr>
+            <a:r>
+              <a:rPr lang="ro-RO" b="1" dirty="0">
+                <a:latin typeface="Arial" charset="0"/>
+                <a:cs typeface="Arial" charset="0"/>
+              </a:rPr>
+              <a:t>		     WHERE </a:t>
+            </a:r>
+            <a:r>
+              <a:rPr lang="ro-RO" b="1" dirty="0" err="1">
+                <a:latin typeface="Arial" charset="0"/>
+                <a:cs typeface="Arial" charset="0"/>
+              </a:rPr>
+              <a:t>DenPr</a:t>
+            </a:r>
+            <a:r>
+              <a:rPr lang="ro-RO" b="1" dirty="0">
+                <a:latin typeface="Arial" charset="0"/>
+                <a:cs typeface="Arial" charset="0"/>
+              </a:rPr>
+              <a:t> = 'Produs 1'   )</a:t>
+            </a:r>
+          </a:p>
+          <a:p>
+            <a:pPr marL="342900" indent="-342900" algn="l">
+              <a:lnSpc>
+                <a:spcPct val="100000"/>
+              </a:lnSpc>
+              <a:buFontTx/>
+              <a:buNone/>
+            </a:pPr>
+            <a:r>
+              <a:rPr lang="ro-RO" b="1" dirty="0">
+                <a:latin typeface="Arial" charset="0"/>
+                <a:cs typeface="Arial" charset="0"/>
+              </a:rPr>
+              <a:t>ORDER BY 1</a:t>
+            </a:r>
+            <a:endParaRPr lang="en-US" b="1" dirty="0">
+              <a:latin typeface="Arial" charset="0"/>
+              <a:cs typeface="Arial" charset="0"/>
+            </a:endParaRPr>
+          </a:p>
+        </p:txBody>
+      </p:sp>
+      <p:sp>
+        <p:nvSpPr>
+          <p:cNvPr id="11" name="Rectangle 10"/>
+          <p:cNvSpPr/>
+          <p:nvPr/>
+        </p:nvSpPr>
+        <p:spPr>
+          <a:xfrm>
+            <a:off x="0" y="152400"/>
+            <a:ext cx="9144000" cy="1366528"/>
+          </a:xfrm>
+          <a:prstGeom prst="rect">
+            <a:avLst/>
+          </a:prstGeom>
+        </p:spPr>
+        <p:txBody>
+          <a:bodyPr wrap="square">
+            <a:spAutoFit/>
+          </a:bodyPr>
+          <a:lstStyle/>
+          <a:p>
+            <a:pPr algn="ctr">
+              <a:spcBef>
+                <a:spcPct val="0"/>
+              </a:spcBef>
+              <a:buNone/>
+              <a:defRPr/>
+            </a:pPr>
+            <a:r>
+              <a:rPr lang="ro-RO" sz="3600" b="1" dirty="0">
+                <a:solidFill>
+                  <a:schemeClr val="tx2">
+                    <a:satMod val="130000"/>
+                  </a:schemeClr>
+                </a:solidFill>
+                <a:effectLst>
+                  <a:outerShdw blurRad="50000" dist="30000" dir="5400000" algn="tl" rotWithShape="0">
+                    <a:srgbClr val="000000">
+                      <a:alpha val="30000"/>
+                    </a:srgbClr>
+                  </a:outerShdw>
+                </a:effectLst>
+                <a:latin typeface="Arial Unicode MS"/>
+                <a:ea typeface="+mj-ea"/>
+                <a:cs typeface="Arial Unicode MS"/>
+              </a:rPr>
+              <a:t>Operatorul ANY - exemplu</a:t>
             </a:r>
           </a:p>
           <a:p>
@@ -9889,6 +10583,11 @@
         </p:txBody>
       </p:sp>
     </p:spTree>
+    <p:extLst>
+      <p:ext uri="{BB962C8B-B14F-4D97-AF65-F5344CB8AC3E}">
+        <p14:creationId xmlns:p14="http://schemas.microsoft.com/office/powerpoint/2010/main" val="908605692"/>
+      </p:ext>
+    </p:extLst>
   </p:cSld>
   <p:clrMapOvr>
     <a:masterClrMapping/>
@@ -9899,7 +10598,7 @@
 </p:sld>
 </file>
 
-<file path=ppt/slides/slide14.xml><?xml version="1.0" encoding="utf-8"?>
+<file path=ppt/slides/slide16.xml><?xml version="1.0" encoding="utf-8"?>
 <p:sld xmlns:a="http://schemas.openxmlformats.org/drawingml/2006/main" xmlns:r="http://schemas.openxmlformats.org/officeDocument/2006/relationships" xmlns:p="http://schemas.openxmlformats.org/presentationml/2006/main">
   <p:cSld>
     <p:spTree>
@@ -10766,7 +11465,7 @@
 </p:sld>
 </file>
 
-<file path=ppt/slides/slide15.xml><?xml version="1.0" encoding="utf-8"?>
+<file path=ppt/slides/slide17.xml><?xml version="1.0" encoding="utf-8"?>
 <p:sld xmlns:a="http://schemas.openxmlformats.org/drawingml/2006/main" xmlns:r="http://schemas.openxmlformats.org/officeDocument/2006/relationships" xmlns:p="http://schemas.openxmlformats.org/presentationml/2006/main">
   <p:cSld>
     <p:spTree>
@@ -11285,7 +11984,7 @@
 </p:sld>
 </file>
 
-<file path=ppt/slides/slide16.xml><?xml version="1.0" encoding="utf-8"?>
+<file path=ppt/slides/slide18.xml><?xml version="1.0" encoding="utf-8"?>
 <p:sld xmlns:a="http://schemas.openxmlformats.org/drawingml/2006/main" xmlns:r="http://schemas.openxmlformats.org/officeDocument/2006/relationships" xmlns:p="http://schemas.openxmlformats.org/presentationml/2006/main">
   <p:cSld>
     <p:spTree>
@@ -11794,7 +12493,7 @@
 </p:sld>
 </file>
 
-<file path=ppt/slides/slide17.xml><?xml version="1.0" encoding="utf-8"?>
+<file path=ppt/slides/slide19.xml><?xml version="1.0" encoding="utf-8"?>
 <p:sld xmlns:a="http://schemas.openxmlformats.org/drawingml/2006/main" xmlns:r="http://schemas.openxmlformats.org/officeDocument/2006/relationships" xmlns:p="http://schemas.openxmlformats.org/presentationml/2006/main">
   <p:cSld>
     <p:spTree>
@@ -12442,1714 +13141,6 @@
           </a:fillRef>
           <a:effectRef idx="2">
             <a:schemeClr val="accent5"/>
-          </a:effectRef>
-          <a:fontRef idx="minor">
-            <a:schemeClr val="tx1"/>
-          </a:fontRef>
-        </p:style>
-      </p:cxnSp>
-    </p:spTree>
-  </p:cSld>
-  <p:clrMapOvr>
-    <a:masterClrMapping/>
-  </p:clrMapOvr>
-  <p:transition>
-    <p:random/>
-  </p:transition>
-</p:sld>
-</file>
-
-<file path=ppt/slides/slide18.xml><?xml version="1.0" encoding="utf-8"?>
-<p:sld xmlns:a="http://schemas.openxmlformats.org/drawingml/2006/main" xmlns:r="http://schemas.openxmlformats.org/officeDocument/2006/relationships" xmlns:p="http://schemas.openxmlformats.org/presentationml/2006/main">
-  <p:cSld>
-    <p:spTree>
-      <p:nvGrpSpPr>
-        <p:cNvPr id="1" name=""/>
-        <p:cNvGrpSpPr/>
-        <p:nvPr/>
-      </p:nvGrpSpPr>
-      <p:grpSpPr>
-        <a:xfrm>
-          <a:off x="0" y="0"/>
-          <a:ext cx="0" cy="0"/>
-          <a:chOff x="0" y="0"/>
-          <a:chExt cx="0" cy="0"/>
-        </a:xfrm>
-      </p:grpSpPr>
-      <p:sp>
-        <p:nvSpPr>
-          <p:cNvPr id="2" name="Title 1"/>
-          <p:cNvSpPr>
-            <a:spLocks noGrp="1"/>
-          </p:cNvSpPr>
-          <p:nvPr>
-            <p:ph type="title"/>
-          </p:nvPr>
-        </p:nvSpPr>
-        <p:spPr>
-          <a:xfrm>
-            <a:off x="1066800" y="173038"/>
-            <a:ext cx="7866888" cy="1143000"/>
-          </a:xfrm>
-        </p:spPr>
-        <p:txBody>
-          <a:bodyPr>
-            <a:normAutofit/>
-          </a:bodyPr>
-          <a:lstStyle/>
-          <a:p>
-            <a:pPr algn="ctr" fontAlgn="base">
-              <a:lnSpc>
-                <a:spcPct val="90000"/>
-              </a:lnSpc>
-              <a:spcAft>
-                <a:spcPct val="0"/>
-              </a:spcAft>
-              <a:defRPr/>
-            </a:pPr>
-            <a:r>
-              <a:rPr lang="ro-RO" b="1" dirty="0"/>
-              <a:t>Diviziune relaţională</a:t>
-            </a:r>
-            <a:endParaRPr lang="en-US" b="1" dirty="0"/>
-          </a:p>
-        </p:txBody>
-      </p:sp>
-      <p:sp>
-        <p:nvSpPr>
-          <p:cNvPr id="3" name="Content Placeholder 2"/>
-          <p:cNvSpPr>
-            <a:spLocks noGrp="1"/>
-          </p:cNvSpPr>
-          <p:nvPr>
-            <p:ph idx="1"/>
-          </p:nvPr>
-        </p:nvSpPr>
-        <p:spPr>
-          <a:xfrm>
-            <a:off x="558800" y="1397000"/>
-            <a:ext cx="8539988" cy="5562600"/>
-          </a:xfrm>
-        </p:spPr>
-        <p:txBody>
-          <a:bodyPr>
-            <a:normAutofit lnSpcReduction="10000"/>
-          </a:bodyPr>
-          <a:lstStyle/>
-          <a:p>
-            <a:pPr>
-              <a:lnSpc>
-                <a:spcPct val="110000"/>
-              </a:lnSpc>
-            </a:pPr>
-            <a:r>
-              <a:rPr lang="ro-RO" dirty="0"/>
-              <a:t>Este cel mai dificil (de înțeles și de transformat în SQL) operator al algebrei relaționale</a:t>
-            </a:r>
-          </a:p>
-          <a:p>
-            <a:pPr>
-              <a:lnSpc>
-                <a:spcPct val="110000"/>
-              </a:lnSpc>
-            </a:pPr>
-            <a:r>
-              <a:rPr lang="ro-RO" dirty="0"/>
-              <a:t>Nu are un corespondent/clauză anume în SQL</a:t>
-            </a:r>
-          </a:p>
-          <a:p>
-            <a:pPr>
-              <a:lnSpc>
-                <a:spcPct val="110000"/>
-              </a:lnSpc>
-            </a:pPr>
-            <a:r>
-              <a:rPr lang="ro-RO" dirty="0"/>
-              <a:t>Este util în probleme de genul</a:t>
-            </a:r>
-            <a:r>
-              <a:rPr lang="en-US" dirty="0"/>
-              <a:t>:</a:t>
-            </a:r>
-          </a:p>
-          <a:p>
-            <a:pPr lvl="1">
-              <a:lnSpc>
-                <a:spcPct val="110000"/>
-              </a:lnSpc>
-            </a:pPr>
-            <a:r>
-              <a:rPr lang="en-US" dirty="0"/>
-              <a:t>Care </a:t>
-            </a:r>
-            <a:r>
-              <a:rPr lang="en-US" dirty="0" err="1"/>
-              <a:t>sunt</a:t>
-            </a:r>
-            <a:r>
-              <a:rPr lang="en-US" dirty="0"/>
-              <a:t> </a:t>
-            </a:r>
-            <a:r>
-              <a:rPr lang="en-US" dirty="0" err="1"/>
-              <a:t>studen</a:t>
-            </a:r>
-            <a:r>
-              <a:rPr lang="ro-RO" dirty="0"/>
-              <a:t>ții care au promovat </a:t>
-            </a:r>
-            <a:r>
-              <a:rPr lang="ro-RO" b="1" dirty="0"/>
-              <a:t>toate</a:t>
-            </a:r>
-            <a:r>
-              <a:rPr lang="ro-RO" dirty="0"/>
-              <a:t> examenele din anul 2</a:t>
-            </a:r>
-          </a:p>
-          <a:p>
-            <a:pPr lvl="1">
-              <a:lnSpc>
-                <a:spcPct val="110000"/>
-              </a:lnSpc>
-            </a:pPr>
-            <a:r>
-              <a:rPr lang="ro-RO"/>
-              <a:t>Care sunt clienții care au cumpărat, în timp, </a:t>
-            </a:r>
-            <a:r>
-              <a:rPr lang="ro-RO" b="1"/>
-              <a:t>toate</a:t>
-            </a:r>
-            <a:r>
-              <a:rPr lang="ro-RO"/>
-              <a:t> produsele firmei noastre</a:t>
-            </a:r>
-          </a:p>
-          <a:p>
-            <a:pPr lvl="1">
-              <a:lnSpc>
-                <a:spcPct val="110000"/>
-              </a:lnSpc>
-            </a:pPr>
-            <a:r>
-              <a:rPr lang="ro-RO" dirty="0"/>
-              <a:t>Care sunt membrii unei formații rock care au participat la realizarea </a:t>
-            </a:r>
-            <a:r>
-              <a:rPr lang="ro-RO" b="1" dirty="0"/>
-              <a:t>tuturor</a:t>
-            </a:r>
-            <a:r>
-              <a:rPr lang="ro-RO" dirty="0"/>
-              <a:t> discurilor formației</a:t>
-            </a:r>
-          </a:p>
-          <a:p>
-            <a:pPr lvl="1">
-              <a:lnSpc>
-                <a:spcPct val="110000"/>
-              </a:lnSpc>
-            </a:pPr>
-            <a:r>
-              <a:rPr lang="ro-RO"/>
-              <a:t>Care sunt clienții care au cumpărat, în timp, </a:t>
-            </a:r>
-            <a:r>
-              <a:rPr lang="ro-RO" b="1"/>
-              <a:t>măcar toate produsele cumpărate </a:t>
-            </a:r>
-            <a:r>
-              <a:rPr lang="ro-RO"/>
-              <a:t>de clientul "S.C. Celulita S.A."</a:t>
-            </a:r>
-          </a:p>
-          <a:p>
-            <a:pPr lvl="1">
-              <a:lnSpc>
-                <a:spcPct val="110000"/>
-              </a:lnSpc>
-            </a:pPr>
-            <a:endParaRPr lang="en-US" dirty="0"/>
-          </a:p>
-          <a:p>
-            <a:endParaRPr lang="ro-RO" dirty="0"/>
-          </a:p>
-          <a:p>
-            <a:endParaRPr lang="en-US" dirty="0"/>
-          </a:p>
-        </p:txBody>
-      </p:sp>
-    </p:spTree>
-  </p:cSld>
-  <p:clrMapOvr>
-    <a:masterClrMapping/>
-  </p:clrMapOvr>
-  <p:transition>
-    <p:random/>
-  </p:transition>
-</p:sld>
-</file>
-
-<file path=ppt/slides/slide19.xml><?xml version="1.0" encoding="utf-8"?>
-<p:sld xmlns:a="http://schemas.openxmlformats.org/drawingml/2006/main" xmlns:r="http://schemas.openxmlformats.org/officeDocument/2006/relationships" xmlns:p="http://schemas.openxmlformats.org/presentationml/2006/main">
-  <p:cSld>
-    <p:spTree>
-      <p:nvGrpSpPr>
-        <p:cNvPr id="1" name=""/>
-        <p:cNvGrpSpPr/>
-        <p:nvPr/>
-      </p:nvGrpSpPr>
-      <p:grpSpPr>
-        <a:xfrm>
-          <a:off x="0" y="0"/>
-          <a:ext cx="0" cy="0"/>
-          <a:chOff x="0" y="0"/>
-          <a:chExt cx="0" cy="0"/>
-        </a:xfrm>
-      </p:grpSpPr>
-      <p:sp>
-        <p:nvSpPr>
-          <p:cNvPr id="31746" name="Rectangle 2"/>
-          <p:cNvSpPr>
-            <a:spLocks noGrp="1" noChangeArrowheads="1"/>
-          </p:cNvSpPr>
-          <p:nvPr>
-            <p:ph type="title"/>
-          </p:nvPr>
-        </p:nvSpPr>
-        <p:spPr>
-          <a:xfrm>
-            <a:off x="203200" y="0"/>
-            <a:ext cx="8788400" cy="1303338"/>
-          </a:xfrm>
-        </p:spPr>
-        <p:txBody>
-          <a:bodyPr anchor="ctr">
-            <a:normAutofit/>
-          </a:bodyPr>
-          <a:lstStyle/>
-          <a:p>
-            <a:pPr algn="ctr" fontAlgn="base">
-              <a:lnSpc>
-                <a:spcPct val="90000"/>
-              </a:lnSpc>
-              <a:spcAft>
-                <a:spcPct val="0"/>
-              </a:spcAft>
-            </a:pPr>
-            <a:r>
-              <a:rPr lang="ro-RO" dirty="0"/>
-              <a:t>Schematizarea diviziunii relaţionale</a:t>
-            </a:r>
-            <a:endParaRPr lang="en-US" dirty="0"/>
-          </a:p>
-        </p:txBody>
-      </p:sp>
-      <p:sp>
-        <p:nvSpPr>
-          <p:cNvPr id="31747" name="Rectangle 6"/>
-          <p:cNvSpPr>
-            <a:spLocks noChangeArrowheads="1"/>
-          </p:cNvSpPr>
-          <p:nvPr/>
-        </p:nvSpPr>
-        <p:spPr bwMode="auto">
-          <a:xfrm>
-            <a:off x="2754313" y="1857375"/>
-            <a:ext cx="9144000" cy="0"/>
-          </a:xfrm>
-          <a:prstGeom prst="rect">
-            <a:avLst/>
-          </a:prstGeom>
-          <a:noFill/>
-          <a:ln w="9525">
-            <a:noFill/>
-            <a:miter lim="800000"/>
-            <a:headEnd/>
-            <a:tailEnd/>
-          </a:ln>
-        </p:spPr>
-        <p:txBody>
-          <a:bodyPr>
-            <a:spAutoFit/>
-          </a:bodyPr>
-          <a:lstStyle/>
-          <a:p>
-            <a:endParaRPr lang="en-US"/>
-          </a:p>
-        </p:txBody>
-      </p:sp>
-      <p:pic>
-        <p:nvPicPr>
-          <p:cNvPr id="31748" name="Picture 5" descr="fig2_26"/>
-          <p:cNvPicPr>
-            <a:picLocks noChangeAspect="1" noChangeArrowheads="1"/>
-          </p:cNvPicPr>
-          <p:nvPr/>
-        </p:nvPicPr>
-        <p:blipFill>
-          <a:blip r:embed="rId2" cstate="print"/>
-          <a:srcRect/>
-          <a:stretch>
-            <a:fillRect/>
-          </a:stretch>
-        </p:blipFill>
-        <p:spPr bwMode="auto">
-          <a:xfrm>
-            <a:off x="2476500" y="1104899"/>
-            <a:ext cx="5257800" cy="3916645"/>
-          </a:xfrm>
-          <a:prstGeom prst="rect">
-            <a:avLst/>
-          </a:prstGeom>
-          <a:noFill/>
-          <a:ln w="9525">
-            <a:noFill/>
-            <a:miter lim="800000"/>
-            <a:headEnd/>
-            <a:tailEnd/>
-          </a:ln>
-        </p:spPr>
-      </p:pic>
-      <p:sp>
-        <p:nvSpPr>
-          <p:cNvPr id="5" name="Content Placeholder 2"/>
-          <p:cNvSpPr>
-            <a:spLocks noGrp="1"/>
-          </p:cNvSpPr>
-          <p:nvPr>
-            <p:ph idx="1"/>
-          </p:nvPr>
-        </p:nvSpPr>
-        <p:spPr>
-          <a:xfrm>
-            <a:off x="254000" y="5321300"/>
-            <a:ext cx="8826500" cy="1511300"/>
-          </a:xfrm>
-        </p:spPr>
-        <p:txBody>
-          <a:bodyPr>
-            <a:normAutofit/>
-          </a:bodyPr>
-          <a:lstStyle/>
-          <a:p>
-            <a:pPr>
-              <a:lnSpc>
-                <a:spcPct val="110000"/>
-              </a:lnSpc>
-              <a:buNone/>
-            </a:pPr>
-            <a:r>
-              <a:rPr lang="ro-RO" b="1"/>
-              <a:t>R3</a:t>
-            </a:r>
-            <a:r>
-              <a:rPr lang="ro-RO"/>
-              <a:t> conține valorile atributului X care apar în </a:t>
-            </a:r>
-            <a:r>
-              <a:rPr lang="ro-RO" b="1"/>
-              <a:t>R1</a:t>
-            </a:r>
-            <a:r>
-              <a:rPr lang="ro-RO"/>
-              <a:t> în combinațiile cu </a:t>
-            </a:r>
-            <a:r>
-              <a:rPr lang="ro-RO" b="1"/>
-              <a:t>toate</a:t>
-            </a:r>
-            <a:r>
-              <a:rPr lang="ro-RO"/>
-              <a:t> valorile atributului Y din tabela </a:t>
-            </a:r>
-            <a:r>
-              <a:rPr lang="ro-RO" b="1"/>
-              <a:t>R2</a:t>
-            </a:r>
-          </a:p>
-          <a:p>
-            <a:pPr>
-              <a:buNone/>
-            </a:pPr>
-            <a:endParaRPr lang="ro-RO"/>
-          </a:p>
-          <a:p>
-            <a:endParaRPr lang="en-US"/>
-          </a:p>
-        </p:txBody>
-      </p:sp>
-      <p:sp>
-        <p:nvSpPr>
-          <p:cNvPr id="6" name="TextBox 5"/>
-          <p:cNvSpPr txBox="1"/>
-          <p:nvPr/>
-        </p:nvSpPr>
-        <p:spPr>
-          <a:xfrm>
-            <a:off x="1203104" y="1625600"/>
-            <a:ext cx="558166" cy="480131"/>
-          </a:xfrm>
-          <a:prstGeom prst="rect">
-            <a:avLst/>
-          </a:prstGeom>
-          <a:noFill/>
-        </p:spPr>
-        <p:txBody>
-          <a:bodyPr wrap="none" rtlCol="0">
-            <a:spAutoFit/>
-          </a:bodyPr>
-          <a:lstStyle/>
-          <a:p>
-            <a:pPr>
-              <a:buNone/>
-            </a:pPr>
-            <a:r>
-              <a:rPr lang="ro-RO">
-                <a:latin typeface="Tahoma" pitchFamily="34" charset="0"/>
-                <a:ea typeface="Tahoma" pitchFamily="34" charset="0"/>
-                <a:cs typeface="Tahoma" pitchFamily="34" charset="0"/>
-              </a:rPr>
-              <a:t>x1</a:t>
-            </a:r>
-            <a:endParaRPr lang="en-US">
-              <a:latin typeface="Tahoma" pitchFamily="34" charset="0"/>
-              <a:ea typeface="Tahoma" pitchFamily="34" charset="0"/>
-              <a:cs typeface="Tahoma" pitchFamily="34" charset="0"/>
-            </a:endParaRPr>
-          </a:p>
-        </p:txBody>
-      </p:sp>
-      <p:cxnSp>
-        <p:nvCxnSpPr>
-          <p:cNvPr id="8" name="Straight Arrow Connector 7"/>
-          <p:cNvCxnSpPr>
-            <a:stCxn id="6" idx="3"/>
-          </p:cNvCxnSpPr>
-          <p:nvPr/>
-        </p:nvCxnSpPr>
-        <p:spPr>
-          <a:xfrm flipV="1">
-            <a:off x="1761270" y="1651000"/>
-            <a:ext cx="905730" cy="214666"/>
-          </a:xfrm>
-          <a:prstGeom prst="straightConnector1">
-            <a:avLst/>
-          </a:prstGeom>
-          <a:ln>
-            <a:tailEnd type="arrow"/>
-          </a:ln>
-        </p:spPr>
-        <p:style>
-          <a:lnRef idx="1">
-            <a:schemeClr val="accent1"/>
-          </a:lnRef>
-          <a:fillRef idx="0">
-            <a:schemeClr val="accent1"/>
-          </a:fillRef>
-          <a:effectRef idx="0">
-            <a:schemeClr val="accent1"/>
-          </a:effectRef>
-          <a:fontRef idx="minor">
-            <a:schemeClr val="tx1"/>
-          </a:fontRef>
-        </p:style>
-      </p:cxnSp>
-      <p:cxnSp>
-        <p:nvCxnSpPr>
-          <p:cNvPr id="10" name="Straight Arrow Connector 9"/>
-          <p:cNvCxnSpPr>
-            <a:stCxn id="6" idx="3"/>
-          </p:cNvCxnSpPr>
-          <p:nvPr/>
-        </p:nvCxnSpPr>
-        <p:spPr>
-          <a:xfrm>
-            <a:off x="1761270" y="1865666"/>
-            <a:ext cx="931130" cy="369534"/>
-          </a:xfrm>
-          <a:prstGeom prst="straightConnector1">
-            <a:avLst/>
-          </a:prstGeom>
-          <a:ln>
-            <a:tailEnd type="arrow"/>
-          </a:ln>
-        </p:spPr>
-        <p:style>
-          <a:lnRef idx="1">
-            <a:schemeClr val="accent1"/>
-          </a:lnRef>
-          <a:fillRef idx="0">
-            <a:schemeClr val="accent1"/>
-          </a:fillRef>
-          <a:effectRef idx="0">
-            <a:schemeClr val="accent1"/>
-          </a:effectRef>
-          <a:fontRef idx="minor">
-            <a:schemeClr val="tx1"/>
-          </a:fontRef>
-        </p:style>
-      </p:cxnSp>
-      <p:cxnSp>
-        <p:nvCxnSpPr>
-          <p:cNvPr id="13" name="Straight Arrow Connector 12"/>
-          <p:cNvCxnSpPr>
-            <a:stCxn id="6" idx="3"/>
-          </p:cNvCxnSpPr>
-          <p:nvPr/>
-        </p:nvCxnSpPr>
-        <p:spPr>
-          <a:xfrm>
-            <a:off x="1761270" y="1865666"/>
-            <a:ext cx="905730" cy="1017234"/>
-          </a:xfrm>
-          <a:prstGeom prst="straightConnector1">
-            <a:avLst/>
-          </a:prstGeom>
-          <a:ln>
-            <a:tailEnd type="arrow"/>
-          </a:ln>
-        </p:spPr>
-        <p:style>
-          <a:lnRef idx="1">
-            <a:schemeClr val="accent1"/>
-          </a:lnRef>
-          <a:fillRef idx="0">
-            <a:schemeClr val="accent1"/>
-          </a:fillRef>
-          <a:effectRef idx="0">
-            <a:schemeClr val="accent1"/>
-          </a:effectRef>
-          <a:fontRef idx="minor">
-            <a:schemeClr val="tx1"/>
-          </a:fontRef>
-        </p:style>
-      </p:cxnSp>
-      <p:cxnSp>
-        <p:nvCxnSpPr>
-          <p:cNvPr id="15" name="Straight Arrow Connector 14"/>
-          <p:cNvCxnSpPr>
-            <a:stCxn id="6" idx="3"/>
-          </p:cNvCxnSpPr>
-          <p:nvPr/>
-        </p:nvCxnSpPr>
-        <p:spPr>
-          <a:xfrm>
-            <a:off x="1761270" y="1865666"/>
-            <a:ext cx="956530" cy="1664934"/>
-          </a:xfrm>
-          <a:prstGeom prst="straightConnector1">
-            <a:avLst/>
-          </a:prstGeom>
-          <a:ln>
-            <a:tailEnd type="arrow"/>
-          </a:ln>
-        </p:spPr>
-        <p:style>
-          <a:lnRef idx="1">
-            <a:schemeClr val="accent1"/>
-          </a:lnRef>
-          <a:fillRef idx="0">
-            <a:schemeClr val="accent1"/>
-          </a:fillRef>
-          <a:effectRef idx="0">
-            <a:schemeClr val="accent1"/>
-          </a:effectRef>
-          <a:fontRef idx="minor">
-            <a:schemeClr val="tx1"/>
-          </a:fontRef>
-        </p:style>
-      </p:cxnSp>
-      <p:cxnSp>
-        <p:nvCxnSpPr>
-          <p:cNvPr id="17" name="Straight Arrow Connector 16"/>
-          <p:cNvCxnSpPr>
-            <a:stCxn id="6" idx="3"/>
-          </p:cNvCxnSpPr>
-          <p:nvPr/>
-        </p:nvCxnSpPr>
-        <p:spPr>
-          <a:xfrm>
-            <a:off x="1761270" y="1865666"/>
-            <a:ext cx="943830" cy="2287234"/>
-          </a:xfrm>
-          <a:prstGeom prst="straightConnector1">
-            <a:avLst/>
-          </a:prstGeom>
-          <a:ln>
-            <a:tailEnd type="arrow"/>
-          </a:ln>
-        </p:spPr>
-        <p:style>
-          <a:lnRef idx="1">
-            <a:schemeClr val="accent1"/>
-          </a:lnRef>
-          <a:fillRef idx="0">
-            <a:schemeClr val="accent1"/>
-          </a:fillRef>
-          <a:effectRef idx="0">
-            <a:schemeClr val="accent1"/>
-          </a:effectRef>
-          <a:fontRef idx="minor">
-            <a:schemeClr val="tx1"/>
-          </a:fontRef>
-        </p:style>
-      </p:cxnSp>
-      <p:cxnSp>
-        <p:nvCxnSpPr>
-          <p:cNvPr id="19" name="Straight Arrow Connector 18"/>
-          <p:cNvCxnSpPr/>
-          <p:nvPr/>
-        </p:nvCxnSpPr>
-        <p:spPr>
-          <a:xfrm rot="16200000" flipV="1">
-            <a:off x="3835400" y="1663700"/>
-            <a:ext cx="1193800" cy="1193800"/>
-          </a:xfrm>
-          <a:prstGeom prst="straightConnector1">
-            <a:avLst/>
-          </a:prstGeom>
-          <a:ln>
-            <a:tailEnd type="arrow"/>
-          </a:ln>
-        </p:spPr>
-        <p:style>
-          <a:lnRef idx="1">
-            <a:schemeClr val="accent1"/>
-          </a:lnRef>
-          <a:fillRef idx="0">
-            <a:schemeClr val="accent1"/>
-          </a:fillRef>
-          <a:effectRef idx="0">
-            <a:schemeClr val="accent1"/>
-          </a:effectRef>
-          <a:fontRef idx="minor">
-            <a:schemeClr val="tx1"/>
-          </a:fontRef>
-        </p:style>
-      </p:cxnSp>
-      <p:cxnSp>
-        <p:nvCxnSpPr>
-          <p:cNvPr id="21" name="Straight Arrow Connector 20"/>
-          <p:cNvCxnSpPr/>
-          <p:nvPr/>
-        </p:nvCxnSpPr>
-        <p:spPr>
-          <a:xfrm rot="10800000">
-            <a:off x="3848100" y="2260600"/>
-            <a:ext cx="1206500" cy="825500"/>
-          </a:xfrm>
-          <a:prstGeom prst="straightConnector1">
-            <a:avLst/>
-          </a:prstGeom>
-          <a:ln>
-            <a:tailEnd type="arrow"/>
-          </a:ln>
-        </p:spPr>
-        <p:style>
-          <a:lnRef idx="1">
-            <a:schemeClr val="accent1"/>
-          </a:lnRef>
-          <a:fillRef idx="0">
-            <a:schemeClr val="accent1"/>
-          </a:fillRef>
-          <a:effectRef idx="0">
-            <a:schemeClr val="accent1"/>
-          </a:effectRef>
-          <a:fontRef idx="minor">
-            <a:schemeClr val="tx1"/>
-          </a:fontRef>
-        </p:style>
-      </p:cxnSp>
-      <p:cxnSp>
-        <p:nvCxnSpPr>
-          <p:cNvPr id="23" name="Straight Arrow Connector 22"/>
-          <p:cNvCxnSpPr/>
-          <p:nvPr/>
-        </p:nvCxnSpPr>
-        <p:spPr>
-          <a:xfrm rot="10800000">
-            <a:off x="3835400" y="2908300"/>
-            <a:ext cx="1219200" cy="419100"/>
-          </a:xfrm>
-          <a:prstGeom prst="straightConnector1">
-            <a:avLst/>
-          </a:prstGeom>
-          <a:ln>
-            <a:tailEnd type="arrow"/>
-          </a:ln>
-        </p:spPr>
-        <p:style>
-          <a:lnRef idx="1">
-            <a:schemeClr val="accent1"/>
-          </a:lnRef>
-          <a:fillRef idx="0">
-            <a:schemeClr val="accent1"/>
-          </a:fillRef>
-          <a:effectRef idx="0">
-            <a:schemeClr val="accent1"/>
-          </a:effectRef>
-          <a:fontRef idx="minor">
-            <a:schemeClr val="tx1"/>
-          </a:fontRef>
-        </p:style>
-      </p:cxnSp>
-      <p:cxnSp>
-        <p:nvCxnSpPr>
-          <p:cNvPr id="25" name="Straight Arrow Connector 24"/>
-          <p:cNvCxnSpPr/>
-          <p:nvPr/>
-        </p:nvCxnSpPr>
-        <p:spPr>
-          <a:xfrm rot="10800000" flipV="1">
-            <a:off x="3848100" y="3479800"/>
-            <a:ext cx="1168400" cy="50800"/>
-          </a:xfrm>
-          <a:prstGeom prst="straightConnector1">
-            <a:avLst/>
-          </a:prstGeom>
-          <a:ln>
-            <a:tailEnd type="arrow"/>
-          </a:ln>
-        </p:spPr>
-        <p:style>
-          <a:lnRef idx="1">
-            <a:schemeClr val="accent1"/>
-          </a:lnRef>
-          <a:fillRef idx="0">
-            <a:schemeClr val="accent1"/>
-          </a:fillRef>
-          <a:effectRef idx="0">
-            <a:schemeClr val="accent1"/>
-          </a:effectRef>
-          <a:fontRef idx="minor">
-            <a:schemeClr val="tx1"/>
-          </a:fontRef>
-        </p:style>
-      </p:cxnSp>
-      <p:cxnSp>
-        <p:nvCxnSpPr>
-          <p:cNvPr id="27" name="Straight Arrow Connector 26"/>
-          <p:cNvCxnSpPr/>
-          <p:nvPr/>
-        </p:nvCxnSpPr>
-        <p:spPr>
-          <a:xfrm rot="10800000" flipV="1">
-            <a:off x="3810000" y="3708400"/>
-            <a:ext cx="1181100" cy="431800"/>
-          </a:xfrm>
-          <a:prstGeom prst="straightConnector1">
-            <a:avLst/>
-          </a:prstGeom>
-          <a:ln>
-            <a:tailEnd type="arrow"/>
-          </a:ln>
-        </p:spPr>
-        <p:style>
-          <a:lnRef idx="1">
-            <a:schemeClr val="accent1"/>
-          </a:lnRef>
-          <a:fillRef idx="0">
-            <a:schemeClr val="accent1"/>
-          </a:fillRef>
-          <a:effectRef idx="0">
-            <a:schemeClr val="accent1"/>
-          </a:effectRef>
-          <a:fontRef idx="minor">
-            <a:schemeClr val="tx1"/>
-          </a:fontRef>
-        </p:style>
-      </p:cxnSp>
-      <p:sp>
-        <p:nvSpPr>
-          <p:cNvPr id="28" name="TextBox 27"/>
-          <p:cNvSpPr txBox="1"/>
-          <p:nvPr/>
-        </p:nvSpPr>
-        <p:spPr>
-          <a:xfrm>
-            <a:off x="1203104" y="2336800"/>
-            <a:ext cx="558166" cy="480131"/>
-          </a:xfrm>
-          <a:prstGeom prst="rect">
-            <a:avLst/>
-          </a:prstGeom>
-          <a:noFill/>
-        </p:spPr>
-        <p:txBody>
-          <a:bodyPr wrap="none" rtlCol="0">
-            <a:spAutoFit/>
-          </a:bodyPr>
-          <a:lstStyle/>
-          <a:p>
-            <a:pPr>
-              <a:buNone/>
-            </a:pPr>
-            <a:r>
-              <a:rPr lang="ro-RO">
-                <a:latin typeface="Tahoma" pitchFamily="34" charset="0"/>
-                <a:ea typeface="Tahoma" pitchFamily="34" charset="0"/>
-                <a:cs typeface="Tahoma" pitchFamily="34" charset="0"/>
-              </a:rPr>
-              <a:t>x2</a:t>
-            </a:r>
-            <a:endParaRPr lang="en-US">
-              <a:latin typeface="Tahoma" pitchFamily="34" charset="0"/>
-              <a:ea typeface="Tahoma" pitchFamily="34" charset="0"/>
-              <a:cs typeface="Tahoma" pitchFamily="34" charset="0"/>
-            </a:endParaRPr>
-          </a:p>
-        </p:txBody>
-      </p:sp>
-      <p:cxnSp>
-        <p:nvCxnSpPr>
-          <p:cNvPr id="30" name="Straight Arrow Connector 29"/>
-          <p:cNvCxnSpPr>
-            <a:stCxn id="28" idx="3"/>
-          </p:cNvCxnSpPr>
-          <p:nvPr/>
-        </p:nvCxnSpPr>
-        <p:spPr>
-          <a:xfrm flipV="1">
-            <a:off x="1761270" y="1879600"/>
-            <a:ext cx="804130" cy="697266"/>
-          </a:xfrm>
-          <a:prstGeom prst="straightConnector1">
-            <a:avLst/>
-          </a:prstGeom>
-          <a:ln>
-            <a:tailEnd type="arrow"/>
-          </a:ln>
-        </p:spPr>
-        <p:style>
-          <a:lnRef idx="1">
-            <a:schemeClr val="accent2"/>
-          </a:lnRef>
-          <a:fillRef idx="0">
-            <a:schemeClr val="accent2"/>
-          </a:fillRef>
-          <a:effectRef idx="0">
-            <a:schemeClr val="accent2"/>
-          </a:effectRef>
-          <a:fontRef idx="minor">
-            <a:schemeClr val="tx1"/>
-          </a:fontRef>
-        </p:style>
-      </p:cxnSp>
-      <p:cxnSp>
-        <p:nvCxnSpPr>
-          <p:cNvPr id="31" name="Straight Arrow Connector 30"/>
-          <p:cNvCxnSpPr>
-            <a:stCxn id="28" idx="3"/>
-          </p:cNvCxnSpPr>
-          <p:nvPr/>
-        </p:nvCxnSpPr>
-        <p:spPr>
-          <a:xfrm>
-            <a:off x="1761270" y="2576866"/>
-            <a:ext cx="918430" cy="1791934"/>
-          </a:xfrm>
-          <a:prstGeom prst="straightConnector1">
-            <a:avLst/>
-          </a:prstGeom>
-          <a:ln>
-            <a:tailEnd type="arrow"/>
-          </a:ln>
-        </p:spPr>
-        <p:style>
-          <a:lnRef idx="1">
-            <a:schemeClr val="accent2"/>
-          </a:lnRef>
-          <a:fillRef idx="0">
-            <a:schemeClr val="accent2"/>
-          </a:fillRef>
-          <a:effectRef idx="0">
-            <a:schemeClr val="accent2"/>
-          </a:effectRef>
-          <a:fontRef idx="minor">
-            <a:schemeClr val="tx1"/>
-          </a:fontRef>
-        </p:style>
-      </p:cxnSp>
-      <p:cxnSp>
-        <p:nvCxnSpPr>
-          <p:cNvPr id="34" name="Straight Arrow Connector 33"/>
-          <p:cNvCxnSpPr/>
-          <p:nvPr/>
-        </p:nvCxnSpPr>
-        <p:spPr>
-          <a:xfrm rot="10800000">
-            <a:off x="3835400" y="1841500"/>
-            <a:ext cx="1193800" cy="1028700"/>
-          </a:xfrm>
-          <a:prstGeom prst="straightConnector1">
-            <a:avLst/>
-          </a:prstGeom>
-          <a:ln>
-            <a:tailEnd type="arrow"/>
-          </a:ln>
-        </p:spPr>
-        <p:style>
-          <a:lnRef idx="1">
-            <a:schemeClr val="accent2"/>
-          </a:lnRef>
-          <a:fillRef idx="0">
-            <a:schemeClr val="accent2"/>
-          </a:fillRef>
-          <a:effectRef idx="0">
-            <a:schemeClr val="accent2"/>
-          </a:effectRef>
-          <a:fontRef idx="minor">
-            <a:schemeClr val="tx1"/>
-          </a:fontRef>
-        </p:style>
-      </p:cxnSp>
-      <p:cxnSp>
-        <p:nvCxnSpPr>
-          <p:cNvPr id="37" name="Straight Arrow Connector 36"/>
-          <p:cNvCxnSpPr/>
-          <p:nvPr/>
-        </p:nvCxnSpPr>
-        <p:spPr>
-          <a:xfrm rot="10800000" flipV="1">
-            <a:off x="3835400" y="3733800"/>
-            <a:ext cx="1143000" cy="622300"/>
-          </a:xfrm>
-          <a:prstGeom prst="straightConnector1">
-            <a:avLst/>
-          </a:prstGeom>
-          <a:ln>
-            <a:tailEnd type="arrow"/>
-          </a:ln>
-        </p:spPr>
-        <p:style>
-          <a:lnRef idx="1">
-            <a:schemeClr val="accent2"/>
-          </a:lnRef>
-          <a:fillRef idx="0">
-            <a:schemeClr val="accent2"/>
-          </a:fillRef>
-          <a:effectRef idx="0">
-            <a:schemeClr val="accent2"/>
-          </a:effectRef>
-          <a:fontRef idx="minor">
-            <a:schemeClr val="tx1"/>
-          </a:fontRef>
-        </p:style>
-      </p:cxnSp>
-      <p:sp>
-        <p:nvSpPr>
-          <p:cNvPr id="39" name="TextBox 38"/>
-          <p:cNvSpPr txBox="1"/>
-          <p:nvPr/>
-        </p:nvSpPr>
-        <p:spPr>
-          <a:xfrm>
-            <a:off x="1203104" y="2882900"/>
-            <a:ext cx="558166" cy="480131"/>
-          </a:xfrm>
-          <a:prstGeom prst="rect">
-            <a:avLst/>
-          </a:prstGeom>
-          <a:noFill/>
-        </p:spPr>
-        <p:txBody>
-          <a:bodyPr wrap="none" rtlCol="0">
-            <a:spAutoFit/>
-          </a:bodyPr>
-          <a:lstStyle/>
-          <a:p>
-            <a:pPr>
-              <a:buNone/>
-            </a:pPr>
-            <a:r>
-              <a:rPr lang="ro-RO">
-                <a:latin typeface="Tahoma" pitchFamily="34" charset="0"/>
-                <a:ea typeface="Tahoma" pitchFamily="34" charset="0"/>
-                <a:cs typeface="Tahoma" pitchFamily="34" charset="0"/>
-              </a:rPr>
-              <a:t>x3</a:t>
-            </a:r>
-            <a:endParaRPr lang="en-US">
-              <a:latin typeface="Tahoma" pitchFamily="34" charset="0"/>
-              <a:ea typeface="Tahoma" pitchFamily="34" charset="0"/>
-              <a:cs typeface="Tahoma" pitchFamily="34" charset="0"/>
-            </a:endParaRPr>
-          </a:p>
-        </p:txBody>
-      </p:sp>
-      <p:cxnSp>
-        <p:nvCxnSpPr>
-          <p:cNvPr id="40" name="Straight Arrow Connector 39"/>
-          <p:cNvCxnSpPr/>
-          <p:nvPr/>
-        </p:nvCxnSpPr>
-        <p:spPr>
-          <a:xfrm rot="5400000" flipH="1" flipV="1">
-            <a:off x="1668652" y="2061118"/>
-            <a:ext cx="1027466" cy="1020030"/>
-          </a:xfrm>
-          <a:prstGeom prst="straightConnector1">
-            <a:avLst/>
-          </a:prstGeom>
-          <a:ln>
-            <a:tailEnd type="arrow"/>
-          </a:ln>
-        </p:spPr>
-        <p:style>
-          <a:lnRef idx="1">
-            <a:schemeClr val="accent3"/>
-          </a:lnRef>
-          <a:fillRef idx="0">
-            <a:schemeClr val="accent3"/>
-          </a:fillRef>
-          <a:effectRef idx="0">
-            <a:schemeClr val="accent3"/>
-          </a:effectRef>
-          <a:fontRef idx="minor">
-            <a:schemeClr val="tx1"/>
-          </a:fontRef>
-        </p:style>
-      </p:cxnSp>
-      <p:cxnSp>
-        <p:nvCxnSpPr>
-          <p:cNvPr id="42" name="Straight Arrow Connector 41"/>
-          <p:cNvCxnSpPr/>
-          <p:nvPr/>
-        </p:nvCxnSpPr>
-        <p:spPr>
-          <a:xfrm flipV="1">
-            <a:off x="1672370" y="2476500"/>
-            <a:ext cx="1007330" cy="646466"/>
-          </a:xfrm>
-          <a:prstGeom prst="straightConnector1">
-            <a:avLst/>
-          </a:prstGeom>
-          <a:ln>
-            <a:tailEnd type="arrow"/>
-          </a:ln>
-        </p:spPr>
-        <p:style>
-          <a:lnRef idx="1">
-            <a:schemeClr val="accent3"/>
-          </a:lnRef>
-          <a:fillRef idx="0">
-            <a:schemeClr val="accent3"/>
-          </a:fillRef>
-          <a:effectRef idx="0">
-            <a:schemeClr val="accent3"/>
-          </a:effectRef>
-          <a:fontRef idx="minor">
-            <a:schemeClr val="tx1"/>
-          </a:fontRef>
-        </p:style>
-      </p:cxnSp>
-      <p:cxnSp>
-        <p:nvCxnSpPr>
-          <p:cNvPr id="45" name="Straight Arrow Connector 44"/>
-          <p:cNvCxnSpPr/>
-          <p:nvPr/>
-        </p:nvCxnSpPr>
-        <p:spPr>
-          <a:xfrm>
-            <a:off x="1697770" y="3122966"/>
-            <a:ext cx="981930" cy="1234"/>
-          </a:xfrm>
-          <a:prstGeom prst="straightConnector1">
-            <a:avLst/>
-          </a:prstGeom>
-          <a:ln>
-            <a:tailEnd type="arrow"/>
-          </a:ln>
-        </p:spPr>
-        <p:style>
-          <a:lnRef idx="1">
-            <a:schemeClr val="accent3"/>
-          </a:lnRef>
-          <a:fillRef idx="0">
-            <a:schemeClr val="accent3"/>
-          </a:fillRef>
-          <a:effectRef idx="0">
-            <a:schemeClr val="accent3"/>
-          </a:effectRef>
-          <a:fontRef idx="minor">
-            <a:schemeClr val="tx1"/>
-          </a:fontRef>
-        </p:style>
-      </p:cxnSp>
-      <p:cxnSp>
-        <p:nvCxnSpPr>
-          <p:cNvPr id="54" name="Straight Arrow Connector 53"/>
-          <p:cNvCxnSpPr/>
-          <p:nvPr/>
-        </p:nvCxnSpPr>
-        <p:spPr>
-          <a:xfrm>
-            <a:off x="1672370" y="3148366"/>
-            <a:ext cx="1007330" cy="572734"/>
-          </a:xfrm>
-          <a:prstGeom prst="straightConnector1">
-            <a:avLst/>
-          </a:prstGeom>
-          <a:ln>
-            <a:tailEnd type="arrow"/>
-          </a:ln>
-        </p:spPr>
-        <p:style>
-          <a:lnRef idx="1">
-            <a:schemeClr val="accent3"/>
-          </a:lnRef>
-          <a:fillRef idx="0">
-            <a:schemeClr val="accent3"/>
-          </a:fillRef>
-          <a:effectRef idx="0">
-            <a:schemeClr val="accent3"/>
-          </a:effectRef>
-          <a:fontRef idx="minor">
-            <a:schemeClr val="tx1"/>
-          </a:fontRef>
-        </p:style>
-      </p:cxnSp>
-      <p:cxnSp>
-        <p:nvCxnSpPr>
-          <p:cNvPr id="58" name="Straight Arrow Connector 57"/>
-          <p:cNvCxnSpPr/>
-          <p:nvPr/>
-        </p:nvCxnSpPr>
-        <p:spPr>
-          <a:xfrm rot="16200000" flipH="1">
-            <a:off x="1483268" y="3350168"/>
-            <a:ext cx="1372834" cy="1020030"/>
-          </a:xfrm>
-          <a:prstGeom prst="straightConnector1">
-            <a:avLst/>
-          </a:prstGeom>
-          <a:ln>
-            <a:tailEnd type="arrow"/>
-          </a:ln>
-        </p:spPr>
-        <p:style>
-          <a:lnRef idx="1">
-            <a:schemeClr val="accent3"/>
-          </a:lnRef>
-          <a:fillRef idx="0">
-            <a:schemeClr val="accent3"/>
-          </a:fillRef>
-          <a:effectRef idx="0">
-            <a:schemeClr val="accent3"/>
-          </a:effectRef>
-          <a:fontRef idx="minor">
-            <a:schemeClr val="tx1"/>
-          </a:fontRef>
-        </p:style>
-      </p:cxnSp>
-      <p:sp>
-        <p:nvSpPr>
-          <p:cNvPr id="61" name="TextBox 60"/>
-          <p:cNvSpPr txBox="1"/>
-          <p:nvPr/>
-        </p:nvSpPr>
-        <p:spPr>
-          <a:xfrm>
-            <a:off x="1228504" y="3517900"/>
-            <a:ext cx="558166" cy="480131"/>
-          </a:xfrm>
-          <a:prstGeom prst="rect">
-            <a:avLst/>
-          </a:prstGeom>
-          <a:noFill/>
-        </p:spPr>
-        <p:txBody>
-          <a:bodyPr wrap="none" rtlCol="0">
-            <a:spAutoFit/>
-          </a:bodyPr>
-          <a:lstStyle/>
-          <a:p>
-            <a:pPr>
-              <a:buNone/>
-            </a:pPr>
-            <a:r>
-              <a:rPr lang="ro-RO">
-                <a:latin typeface="Tahoma" pitchFamily="34" charset="0"/>
-                <a:ea typeface="Tahoma" pitchFamily="34" charset="0"/>
-                <a:cs typeface="Tahoma" pitchFamily="34" charset="0"/>
-              </a:rPr>
-              <a:t>x4</a:t>
-            </a:r>
-            <a:endParaRPr lang="en-US">
-              <a:latin typeface="Tahoma" pitchFamily="34" charset="0"/>
-              <a:ea typeface="Tahoma" pitchFamily="34" charset="0"/>
-              <a:cs typeface="Tahoma" pitchFamily="34" charset="0"/>
-            </a:endParaRPr>
-          </a:p>
-        </p:txBody>
-      </p:sp>
-      <p:cxnSp>
-        <p:nvCxnSpPr>
-          <p:cNvPr id="63" name="Straight Arrow Connector 62"/>
-          <p:cNvCxnSpPr/>
-          <p:nvPr/>
-        </p:nvCxnSpPr>
-        <p:spPr>
-          <a:xfrm rot="5400000" flipH="1" flipV="1">
-            <a:off x="1662302" y="2715168"/>
-            <a:ext cx="1040166" cy="969230"/>
-          </a:xfrm>
-          <a:prstGeom prst="straightConnector1">
-            <a:avLst/>
-          </a:prstGeom>
-          <a:ln>
-            <a:tailEnd type="arrow"/>
-          </a:ln>
-        </p:spPr>
-        <p:style>
-          <a:lnRef idx="1">
-            <a:schemeClr val="dk1"/>
-          </a:lnRef>
-          <a:fillRef idx="0">
-            <a:schemeClr val="dk1"/>
-          </a:fillRef>
-          <a:effectRef idx="0">
-            <a:schemeClr val="dk1"/>
-          </a:effectRef>
-          <a:fontRef idx="minor">
-            <a:schemeClr val="tx1"/>
-          </a:fontRef>
-        </p:style>
-      </p:cxnSp>
-      <p:cxnSp>
-        <p:nvCxnSpPr>
-          <p:cNvPr id="66" name="Straight Arrow Connector 65"/>
-          <p:cNvCxnSpPr/>
-          <p:nvPr/>
-        </p:nvCxnSpPr>
-        <p:spPr>
-          <a:xfrm>
-            <a:off x="1723170" y="3757966"/>
-            <a:ext cx="981930" cy="166334"/>
-          </a:xfrm>
-          <a:prstGeom prst="straightConnector1">
-            <a:avLst/>
-          </a:prstGeom>
-          <a:ln>
-            <a:tailEnd type="arrow"/>
-          </a:ln>
-        </p:spPr>
-        <p:style>
-          <a:lnRef idx="1">
-            <a:schemeClr val="dk1"/>
-          </a:lnRef>
-          <a:fillRef idx="0">
-            <a:schemeClr val="dk1"/>
-          </a:fillRef>
-          <a:effectRef idx="0">
-            <a:schemeClr val="dk1"/>
-          </a:effectRef>
-          <a:fontRef idx="minor">
-            <a:schemeClr val="tx1"/>
-          </a:fontRef>
-        </p:style>
-      </p:cxnSp>
-      <p:sp>
-        <p:nvSpPr>
-          <p:cNvPr id="72" name="TextBox 71"/>
-          <p:cNvSpPr txBox="1"/>
-          <p:nvPr/>
-        </p:nvSpPr>
-        <p:spPr>
-          <a:xfrm>
-            <a:off x="1215804" y="4114800"/>
-            <a:ext cx="558166" cy="480131"/>
-          </a:xfrm>
-          <a:prstGeom prst="rect">
-            <a:avLst/>
-          </a:prstGeom>
-          <a:noFill/>
-        </p:spPr>
-        <p:txBody>
-          <a:bodyPr wrap="none" rtlCol="0">
-            <a:spAutoFit/>
-          </a:bodyPr>
-          <a:lstStyle/>
-          <a:p>
-            <a:pPr>
-              <a:buNone/>
-            </a:pPr>
-            <a:r>
-              <a:rPr lang="ro-RO">
-                <a:latin typeface="Tahoma" pitchFamily="34" charset="0"/>
-                <a:ea typeface="Tahoma" pitchFamily="34" charset="0"/>
-                <a:cs typeface="Tahoma" pitchFamily="34" charset="0"/>
-              </a:rPr>
-              <a:t>x5</a:t>
-            </a:r>
-            <a:endParaRPr lang="en-US">
-              <a:latin typeface="Tahoma" pitchFamily="34" charset="0"/>
-              <a:ea typeface="Tahoma" pitchFamily="34" charset="0"/>
-              <a:cs typeface="Tahoma" pitchFamily="34" charset="0"/>
-            </a:endParaRPr>
-          </a:p>
-        </p:txBody>
-      </p:sp>
-      <p:cxnSp>
-        <p:nvCxnSpPr>
-          <p:cNvPr id="74" name="Straight Arrow Connector 73"/>
-          <p:cNvCxnSpPr/>
-          <p:nvPr/>
-        </p:nvCxnSpPr>
-        <p:spPr>
-          <a:xfrm rot="5400000" flipH="1" flipV="1">
-            <a:off x="1695450" y="3308350"/>
-            <a:ext cx="1041400" cy="1028700"/>
-          </a:xfrm>
-          <a:prstGeom prst="straightConnector1">
-            <a:avLst/>
-          </a:prstGeom>
-          <a:ln>
-            <a:tailEnd type="arrow"/>
-          </a:ln>
-        </p:spPr>
-        <p:style>
-          <a:lnRef idx="1">
-            <a:schemeClr val="accent4"/>
-          </a:lnRef>
-          <a:fillRef idx="0">
-            <a:schemeClr val="accent4"/>
-          </a:fillRef>
-          <a:effectRef idx="0">
-            <a:schemeClr val="accent4"/>
-          </a:effectRef>
-          <a:fontRef idx="minor">
-            <a:schemeClr val="tx1"/>
-          </a:fontRef>
-        </p:style>
-      </p:cxnSp>
-      <p:cxnSp>
-        <p:nvCxnSpPr>
-          <p:cNvPr id="75" name="Straight Arrow Connector 74"/>
-          <p:cNvCxnSpPr/>
-          <p:nvPr/>
-        </p:nvCxnSpPr>
-        <p:spPr>
-          <a:xfrm>
-            <a:off x="1697770" y="4392966"/>
-            <a:ext cx="943830" cy="356834"/>
-          </a:xfrm>
-          <a:prstGeom prst="straightConnector1">
-            <a:avLst/>
-          </a:prstGeom>
-          <a:ln>
-            <a:tailEnd type="arrow"/>
-          </a:ln>
-        </p:spPr>
-        <p:style>
-          <a:lnRef idx="1">
-            <a:schemeClr val="accent4"/>
-          </a:lnRef>
-          <a:fillRef idx="0">
-            <a:schemeClr val="accent4"/>
-          </a:fillRef>
-          <a:effectRef idx="0">
-            <a:schemeClr val="accent4"/>
-          </a:effectRef>
-          <a:fontRef idx="minor">
-            <a:schemeClr val="tx1"/>
-          </a:fontRef>
-        </p:style>
-      </p:cxnSp>
-      <p:cxnSp>
-        <p:nvCxnSpPr>
-          <p:cNvPr id="82" name="Straight Arrow Connector 81"/>
-          <p:cNvCxnSpPr/>
-          <p:nvPr/>
-        </p:nvCxnSpPr>
-        <p:spPr>
-          <a:xfrm rot="10800000">
-            <a:off x="3835400" y="2057400"/>
-            <a:ext cx="1206500" cy="838200"/>
-          </a:xfrm>
-          <a:prstGeom prst="straightConnector1">
-            <a:avLst/>
-          </a:prstGeom>
-          <a:ln>
-            <a:tailEnd type="arrow"/>
-          </a:ln>
-        </p:spPr>
-        <p:style>
-          <a:lnRef idx="1">
-            <a:schemeClr val="accent3"/>
-          </a:lnRef>
-          <a:fillRef idx="0">
-            <a:schemeClr val="accent3"/>
-          </a:fillRef>
-          <a:effectRef idx="0">
-            <a:schemeClr val="accent3"/>
-          </a:effectRef>
-          <a:fontRef idx="minor">
-            <a:schemeClr val="tx1"/>
-          </a:fontRef>
-        </p:style>
-      </p:cxnSp>
-      <p:cxnSp>
-        <p:nvCxnSpPr>
-          <p:cNvPr id="85" name="Straight Arrow Connector 84"/>
-          <p:cNvCxnSpPr/>
-          <p:nvPr/>
-        </p:nvCxnSpPr>
-        <p:spPr>
-          <a:xfrm rot="10800000">
-            <a:off x="3835400" y="2501900"/>
-            <a:ext cx="1219200" cy="635000"/>
-          </a:xfrm>
-          <a:prstGeom prst="straightConnector1">
-            <a:avLst/>
-          </a:prstGeom>
-          <a:ln>
-            <a:tailEnd type="arrow"/>
-          </a:ln>
-        </p:spPr>
-        <p:style>
-          <a:lnRef idx="1">
-            <a:schemeClr val="accent3"/>
-          </a:lnRef>
-          <a:fillRef idx="0">
-            <a:schemeClr val="accent3"/>
-          </a:fillRef>
-          <a:effectRef idx="0">
-            <a:schemeClr val="accent3"/>
-          </a:effectRef>
-          <a:fontRef idx="minor">
-            <a:schemeClr val="tx1"/>
-          </a:fontRef>
-        </p:style>
-      </p:cxnSp>
-      <p:cxnSp>
-        <p:nvCxnSpPr>
-          <p:cNvPr id="87" name="Straight Arrow Connector 86"/>
-          <p:cNvCxnSpPr/>
-          <p:nvPr/>
-        </p:nvCxnSpPr>
-        <p:spPr>
-          <a:xfrm rot="10800000">
-            <a:off x="3835400" y="3111500"/>
-            <a:ext cx="1193800" cy="228600"/>
-          </a:xfrm>
-          <a:prstGeom prst="straightConnector1">
-            <a:avLst/>
-          </a:prstGeom>
-          <a:ln>
-            <a:tailEnd type="arrow"/>
-          </a:ln>
-        </p:spPr>
-        <p:style>
-          <a:lnRef idx="1">
-            <a:schemeClr val="accent3"/>
-          </a:lnRef>
-          <a:fillRef idx="0">
-            <a:schemeClr val="accent3"/>
-          </a:fillRef>
-          <a:effectRef idx="0">
-            <a:schemeClr val="accent3"/>
-          </a:effectRef>
-          <a:fontRef idx="minor">
-            <a:schemeClr val="tx1"/>
-          </a:fontRef>
-        </p:style>
-      </p:cxnSp>
-      <p:cxnSp>
-        <p:nvCxnSpPr>
-          <p:cNvPr id="89" name="Straight Arrow Connector 88"/>
-          <p:cNvCxnSpPr/>
-          <p:nvPr/>
-        </p:nvCxnSpPr>
-        <p:spPr>
-          <a:xfrm rot="10800000" flipV="1">
-            <a:off x="3822700" y="3746500"/>
-            <a:ext cx="1181100" cy="812800"/>
-          </a:xfrm>
-          <a:prstGeom prst="straightConnector1">
-            <a:avLst/>
-          </a:prstGeom>
-          <a:ln>
-            <a:tailEnd type="arrow"/>
-          </a:ln>
-        </p:spPr>
-        <p:style>
-          <a:lnRef idx="1">
-            <a:schemeClr val="accent3"/>
-          </a:lnRef>
-          <a:fillRef idx="0">
-            <a:schemeClr val="accent3"/>
-          </a:fillRef>
-          <a:effectRef idx="0">
-            <a:schemeClr val="accent3"/>
-          </a:effectRef>
-          <a:fontRef idx="minor">
-            <a:schemeClr val="tx1"/>
-          </a:fontRef>
-        </p:style>
-      </p:cxnSp>
-      <p:cxnSp>
-        <p:nvCxnSpPr>
-          <p:cNvPr id="91" name="Straight Arrow Connector 90"/>
-          <p:cNvCxnSpPr/>
-          <p:nvPr/>
-        </p:nvCxnSpPr>
-        <p:spPr>
-          <a:xfrm rot="10800000" flipV="1">
-            <a:off x="3797300" y="3492500"/>
-            <a:ext cx="1231900" cy="241300"/>
-          </a:xfrm>
-          <a:prstGeom prst="straightConnector1">
-            <a:avLst/>
-          </a:prstGeom>
-          <a:ln>
-            <a:tailEnd type="arrow"/>
-          </a:ln>
-        </p:spPr>
-        <p:style>
-          <a:lnRef idx="1">
-            <a:schemeClr val="accent3"/>
-          </a:lnRef>
-          <a:fillRef idx="0">
-            <a:schemeClr val="accent3"/>
-          </a:fillRef>
-          <a:effectRef idx="0">
-            <a:schemeClr val="accent3"/>
-          </a:effectRef>
-          <a:fontRef idx="minor">
-            <a:schemeClr val="tx1"/>
-          </a:fontRef>
-        </p:style>
-      </p:cxnSp>
-      <p:cxnSp>
-        <p:nvCxnSpPr>
-          <p:cNvPr id="101" name="Straight Arrow Connector 100"/>
-          <p:cNvCxnSpPr/>
-          <p:nvPr/>
-        </p:nvCxnSpPr>
-        <p:spPr>
-          <a:xfrm rot="10800000">
-            <a:off x="3822700" y="2667000"/>
-            <a:ext cx="1202470" cy="481366"/>
-          </a:xfrm>
-          <a:prstGeom prst="straightConnector1">
-            <a:avLst/>
-          </a:prstGeom>
-          <a:ln>
-            <a:tailEnd type="arrow"/>
-          </a:ln>
-        </p:spPr>
-        <p:style>
-          <a:lnRef idx="1">
-            <a:schemeClr val="dk1"/>
-          </a:lnRef>
-          <a:fillRef idx="0">
-            <a:schemeClr val="dk1"/>
-          </a:fillRef>
-          <a:effectRef idx="0">
-            <a:schemeClr val="dk1"/>
-          </a:effectRef>
-          <a:fontRef idx="minor">
-            <a:schemeClr val="tx1"/>
-          </a:fontRef>
-        </p:style>
-      </p:cxnSp>
-      <p:cxnSp>
-        <p:nvCxnSpPr>
-          <p:cNvPr id="104" name="Straight Arrow Connector 103"/>
-          <p:cNvCxnSpPr/>
-          <p:nvPr/>
-        </p:nvCxnSpPr>
-        <p:spPr>
-          <a:xfrm rot="10800000" flipV="1">
-            <a:off x="3822700" y="3517900"/>
-            <a:ext cx="1206500" cy="419100"/>
-          </a:xfrm>
-          <a:prstGeom prst="straightConnector1">
-            <a:avLst/>
-          </a:prstGeom>
-          <a:ln>
-            <a:tailEnd type="arrow"/>
-          </a:ln>
-        </p:spPr>
-        <p:style>
-          <a:lnRef idx="1">
-            <a:schemeClr val="dk1"/>
-          </a:lnRef>
-          <a:fillRef idx="0">
-            <a:schemeClr val="dk1"/>
-          </a:fillRef>
-          <a:effectRef idx="0">
-            <a:schemeClr val="dk1"/>
-          </a:effectRef>
-          <a:fontRef idx="minor">
-            <a:schemeClr val="tx1"/>
-          </a:fontRef>
-        </p:style>
-      </p:cxnSp>
-      <p:cxnSp>
-        <p:nvCxnSpPr>
-          <p:cNvPr id="109" name="Straight Arrow Connector 108"/>
-          <p:cNvCxnSpPr/>
-          <p:nvPr/>
-        </p:nvCxnSpPr>
-        <p:spPr>
-          <a:xfrm rot="10800000">
-            <a:off x="3835400" y="3314700"/>
-            <a:ext cx="1206500" cy="38100"/>
-          </a:xfrm>
-          <a:prstGeom prst="straightConnector1">
-            <a:avLst/>
-          </a:prstGeom>
-          <a:ln>
-            <a:tailEnd type="arrow"/>
-          </a:ln>
-        </p:spPr>
-        <p:style>
-          <a:lnRef idx="1">
-            <a:schemeClr val="accent4"/>
-          </a:lnRef>
-          <a:fillRef idx="0">
-            <a:schemeClr val="accent4"/>
-          </a:fillRef>
-          <a:effectRef idx="0">
-            <a:schemeClr val="accent4"/>
-          </a:effectRef>
-          <a:fontRef idx="minor">
-            <a:schemeClr val="tx1"/>
-          </a:fontRef>
-        </p:style>
-      </p:cxnSp>
-      <p:cxnSp>
-        <p:nvCxnSpPr>
-          <p:cNvPr id="112" name="Straight Arrow Connector 111"/>
-          <p:cNvCxnSpPr/>
-          <p:nvPr/>
-        </p:nvCxnSpPr>
-        <p:spPr>
-          <a:xfrm rot="10800000" flipV="1">
-            <a:off x="3873500" y="3733800"/>
-            <a:ext cx="1143000" cy="1041400"/>
-          </a:xfrm>
-          <a:prstGeom prst="straightConnector1">
-            <a:avLst/>
-          </a:prstGeom>
-          <a:ln>
-            <a:tailEnd type="arrow"/>
-          </a:ln>
-        </p:spPr>
-        <p:style>
-          <a:lnRef idx="1">
-            <a:schemeClr val="accent4"/>
-          </a:lnRef>
-          <a:fillRef idx="0">
-            <a:schemeClr val="accent4"/>
-          </a:fillRef>
-          <a:effectRef idx="0">
-            <a:schemeClr val="accent4"/>
           </a:effectRef>
           <a:fontRef idx="minor">
             <a:schemeClr val="tx1"/>
@@ -14315,6 +13306,1914 @@
 </file>
 
 <file path=ppt/slides/slide20.xml><?xml version="1.0" encoding="utf-8"?>
+<p:sld xmlns:a="http://schemas.openxmlformats.org/drawingml/2006/main" xmlns:r="http://schemas.openxmlformats.org/officeDocument/2006/relationships" xmlns:p="http://schemas.openxmlformats.org/presentationml/2006/main">
+  <p:cSld>
+    <p:spTree>
+      <p:nvGrpSpPr>
+        <p:cNvPr id="1" name=""/>
+        <p:cNvGrpSpPr/>
+        <p:nvPr/>
+      </p:nvGrpSpPr>
+      <p:grpSpPr>
+        <a:xfrm>
+          <a:off x="0" y="0"/>
+          <a:ext cx="0" cy="0"/>
+          <a:chOff x="0" y="0"/>
+          <a:chExt cx="0" cy="0"/>
+        </a:xfrm>
+      </p:grpSpPr>
+      <p:sp>
+        <p:nvSpPr>
+          <p:cNvPr id="2" name="Title 1"/>
+          <p:cNvSpPr>
+            <a:spLocks noGrp="1"/>
+          </p:cNvSpPr>
+          <p:nvPr>
+            <p:ph type="title"/>
+          </p:nvPr>
+        </p:nvSpPr>
+        <p:spPr>
+          <a:xfrm>
+            <a:off x="1066800" y="173038"/>
+            <a:ext cx="7866888" cy="1143000"/>
+          </a:xfrm>
+        </p:spPr>
+        <p:txBody>
+          <a:bodyPr>
+            <a:normAutofit/>
+          </a:bodyPr>
+          <a:lstStyle/>
+          <a:p>
+            <a:pPr algn="ctr" fontAlgn="base">
+              <a:lnSpc>
+                <a:spcPct val="90000"/>
+              </a:lnSpc>
+              <a:spcAft>
+                <a:spcPct val="0"/>
+              </a:spcAft>
+              <a:defRPr/>
+            </a:pPr>
+            <a:r>
+              <a:rPr lang="ro-RO" b="1" dirty="0"/>
+              <a:t>Diviziune relaţională</a:t>
+            </a:r>
+            <a:endParaRPr lang="en-US" b="1" dirty="0"/>
+          </a:p>
+        </p:txBody>
+      </p:sp>
+      <p:sp>
+        <p:nvSpPr>
+          <p:cNvPr id="4" name="Rectangle 3">
+            <a:extLst>
+              <a:ext uri="{FF2B5EF4-FFF2-40B4-BE49-F238E27FC236}">
+                <a16:creationId xmlns:a16="http://schemas.microsoft.com/office/drawing/2014/main" id="{25EB3E01-8A8F-6D45-995D-2C711CDD4CB8}"/>
+              </a:ext>
+            </a:extLst>
+          </p:cNvPr>
+          <p:cNvSpPr/>
+          <p:nvPr/>
+        </p:nvSpPr>
+        <p:spPr>
+          <a:xfrm>
+            <a:off x="1066800" y="1714071"/>
+            <a:ext cx="7866888" cy="4413516"/>
+          </a:xfrm>
+          <a:prstGeom prst="rect">
+            <a:avLst/>
+          </a:prstGeom>
+        </p:spPr>
+        <p:txBody>
+          <a:bodyPr wrap="square">
+            <a:spAutoFit/>
+          </a:bodyPr>
+          <a:lstStyle/>
+          <a:p>
+            <a:pPr>
+              <a:buNone/>
+            </a:pPr>
+            <a:r>
+              <a:rPr lang="ro-RO" sz="2400" dirty="0">
+                <a:hlinkClick r:id="rId2"/>
+              </a:rPr>
+              <a:t>http://gregorulm.com/relational-division-in-sql-the-easy-way/</a:t>
+            </a:r>
+          </a:p>
+          <a:p>
+            <a:pPr>
+              <a:buNone/>
+            </a:pPr>
+            <a:endParaRPr lang="ro-RO" sz="2400" dirty="0">
+              <a:hlinkClick r:id="rId2"/>
+            </a:endParaRPr>
+          </a:p>
+          <a:p>
+            <a:pPr>
+              <a:buNone/>
+            </a:pPr>
+            <a:r>
+              <a:rPr lang="ro-RO" sz="2400" dirty="0">
+                <a:hlinkClick r:id="rId2"/>
+              </a:rPr>
+              <a:t>http://www.sql-tutorial.ru/en/book_relational_division.html</a:t>
+            </a:r>
+          </a:p>
+          <a:p>
+            <a:pPr>
+              <a:buNone/>
+            </a:pPr>
+            <a:endParaRPr lang="ro-RO" sz="2400" dirty="0">
+              <a:hlinkClick r:id="rId2"/>
+            </a:endParaRPr>
+          </a:p>
+          <a:p>
+            <a:pPr>
+              <a:buNone/>
+            </a:pPr>
+            <a:r>
+              <a:rPr lang="ro-RO" sz="2400" dirty="0">
+                <a:hlinkClick r:id="rId2"/>
+              </a:rPr>
+              <a:t>https://www.red-gate.com/simple-talk/sql/t-sql-programming/divided-we-stand-the-sql-of-relational-division/</a:t>
+            </a:r>
+            <a:endParaRPr lang="ro-RO" sz="2400" dirty="0"/>
+          </a:p>
+          <a:p>
+            <a:pPr>
+              <a:buNone/>
+            </a:pPr>
+            <a:endParaRPr lang="ro-RO" sz="2400" dirty="0"/>
+          </a:p>
+          <a:p>
+            <a:pPr>
+              <a:buNone/>
+            </a:pPr>
+            <a:r>
+              <a:rPr lang="ro-RO" sz="2400" dirty="0">
+                <a:hlinkClick r:id="rId3"/>
+              </a:rPr>
+              <a:t>http://users.abo.fi/soini/divisionEnglish.pdf</a:t>
+            </a:r>
+            <a:endParaRPr lang="ro-RO" sz="2400" dirty="0"/>
+          </a:p>
+          <a:p>
+            <a:pPr>
+              <a:buNone/>
+            </a:pPr>
+            <a:endParaRPr lang="ro-RO" sz="2400" dirty="0"/>
+          </a:p>
+          <a:p>
+            <a:pPr>
+              <a:buNone/>
+            </a:pPr>
+            <a:r>
+              <a:rPr lang="ro-RO" sz="2400" dirty="0">
+                <a:hlinkClick r:id="rId4"/>
+              </a:rPr>
+              <a:t>https://www.geeksforgeeks.org/sql-division/</a:t>
+            </a:r>
+            <a:endParaRPr lang="ro-RO" sz="2400" dirty="0"/>
+          </a:p>
+          <a:p>
+            <a:pPr>
+              <a:buNone/>
+            </a:pPr>
+            <a:endParaRPr lang="ro-RO" sz="2400" dirty="0"/>
+          </a:p>
+        </p:txBody>
+      </p:sp>
+    </p:spTree>
+  </p:cSld>
+  <p:clrMapOvr>
+    <a:masterClrMapping/>
+  </p:clrMapOvr>
+  <p:transition>
+    <p:random/>
+  </p:transition>
+</p:sld>
+</file>
+
+<file path=ppt/slides/slide21.xml><?xml version="1.0" encoding="utf-8"?>
+<p:sld xmlns:a="http://schemas.openxmlformats.org/drawingml/2006/main" xmlns:r="http://schemas.openxmlformats.org/officeDocument/2006/relationships" xmlns:p="http://schemas.openxmlformats.org/presentationml/2006/main">
+  <p:cSld>
+    <p:spTree>
+      <p:nvGrpSpPr>
+        <p:cNvPr id="1" name=""/>
+        <p:cNvGrpSpPr/>
+        <p:nvPr/>
+      </p:nvGrpSpPr>
+      <p:grpSpPr>
+        <a:xfrm>
+          <a:off x="0" y="0"/>
+          <a:ext cx="0" cy="0"/>
+          <a:chOff x="0" y="0"/>
+          <a:chExt cx="0" cy="0"/>
+        </a:xfrm>
+      </p:grpSpPr>
+      <p:sp>
+        <p:nvSpPr>
+          <p:cNvPr id="2" name="Title 1"/>
+          <p:cNvSpPr>
+            <a:spLocks noGrp="1"/>
+          </p:cNvSpPr>
+          <p:nvPr>
+            <p:ph type="title"/>
+          </p:nvPr>
+        </p:nvSpPr>
+        <p:spPr>
+          <a:xfrm>
+            <a:off x="1066800" y="173038"/>
+            <a:ext cx="7866888" cy="1143000"/>
+          </a:xfrm>
+        </p:spPr>
+        <p:txBody>
+          <a:bodyPr>
+            <a:normAutofit/>
+          </a:bodyPr>
+          <a:lstStyle/>
+          <a:p>
+            <a:pPr algn="ctr" fontAlgn="base">
+              <a:lnSpc>
+                <a:spcPct val="90000"/>
+              </a:lnSpc>
+              <a:spcAft>
+                <a:spcPct val="0"/>
+              </a:spcAft>
+              <a:defRPr/>
+            </a:pPr>
+            <a:r>
+              <a:rPr lang="ro-RO" b="1" dirty="0"/>
+              <a:t>Diviziune </a:t>
+            </a:r>
+            <a:r>
+              <a:rPr lang="ro-RO" b="1" dirty="0" err="1"/>
+              <a:t>relaţională</a:t>
+            </a:r>
+            <a:r>
+              <a:rPr lang="ro-RO" b="1" dirty="0"/>
+              <a:t> (cont.)</a:t>
+            </a:r>
+            <a:endParaRPr lang="en-US" b="1" dirty="0"/>
+          </a:p>
+        </p:txBody>
+      </p:sp>
+      <p:sp>
+        <p:nvSpPr>
+          <p:cNvPr id="3" name="Content Placeholder 2"/>
+          <p:cNvSpPr>
+            <a:spLocks noGrp="1"/>
+          </p:cNvSpPr>
+          <p:nvPr>
+            <p:ph idx="1"/>
+          </p:nvPr>
+        </p:nvSpPr>
+        <p:spPr>
+          <a:xfrm>
+            <a:off x="558800" y="1397000"/>
+            <a:ext cx="8539988" cy="5562600"/>
+          </a:xfrm>
+        </p:spPr>
+        <p:txBody>
+          <a:bodyPr>
+            <a:normAutofit lnSpcReduction="10000"/>
+          </a:bodyPr>
+          <a:lstStyle/>
+          <a:p>
+            <a:pPr>
+              <a:lnSpc>
+                <a:spcPct val="110000"/>
+              </a:lnSpc>
+            </a:pPr>
+            <a:r>
+              <a:rPr lang="ro-RO" dirty="0"/>
+              <a:t>Este cel mai dificil (de înțeles și de transformat în SQL) operator al algebrei relaționale</a:t>
+            </a:r>
+          </a:p>
+          <a:p>
+            <a:pPr>
+              <a:lnSpc>
+                <a:spcPct val="110000"/>
+              </a:lnSpc>
+            </a:pPr>
+            <a:r>
+              <a:rPr lang="ro-RO" dirty="0"/>
+              <a:t>Nu are un corespondent/clauză anume în SQL</a:t>
+            </a:r>
+          </a:p>
+          <a:p>
+            <a:pPr>
+              <a:lnSpc>
+                <a:spcPct val="110000"/>
+              </a:lnSpc>
+            </a:pPr>
+            <a:r>
+              <a:rPr lang="ro-RO" dirty="0"/>
+              <a:t>Este util în probleme de genul</a:t>
+            </a:r>
+            <a:r>
+              <a:rPr lang="en-US" dirty="0"/>
+              <a:t>:</a:t>
+            </a:r>
+          </a:p>
+          <a:p>
+            <a:pPr lvl="1">
+              <a:lnSpc>
+                <a:spcPct val="110000"/>
+              </a:lnSpc>
+            </a:pPr>
+            <a:r>
+              <a:rPr lang="en-US" dirty="0"/>
+              <a:t>Care </a:t>
+            </a:r>
+            <a:r>
+              <a:rPr lang="en-US" dirty="0" err="1"/>
+              <a:t>sunt</a:t>
+            </a:r>
+            <a:r>
+              <a:rPr lang="en-US" dirty="0"/>
+              <a:t> </a:t>
+            </a:r>
+            <a:r>
+              <a:rPr lang="en-US" dirty="0" err="1"/>
+              <a:t>studen</a:t>
+            </a:r>
+            <a:r>
+              <a:rPr lang="ro-RO" dirty="0"/>
+              <a:t>ții care au promovat </a:t>
+            </a:r>
+            <a:r>
+              <a:rPr lang="ro-RO" b="1" dirty="0"/>
+              <a:t>toate</a:t>
+            </a:r>
+            <a:r>
+              <a:rPr lang="ro-RO" dirty="0"/>
+              <a:t> examenele din anul 2</a:t>
+            </a:r>
+          </a:p>
+          <a:p>
+            <a:pPr lvl="1">
+              <a:lnSpc>
+                <a:spcPct val="110000"/>
+              </a:lnSpc>
+            </a:pPr>
+            <a:r>
+              <a:rPr lang="ro-RO" dirty="0"/>
+              <a:t>Care sunt clienții care au cumpărat, în timp, </a:t>
+            </a:r>
+            <a:r>
+              <a:rPr lang="ro-RO" b="1" dirty="0"/>
+              <a:t>toate</a:t>
+            </a:r>
+            <a:r>
+              <a:rPr lang="ro-RO" dirty="0"/>
+              <a:t> produsele firmei noastre</a:t>
+            </a:r>
+          </a:p>
+          <a:p>
+            <a:pPr lvl="1">
+              <a:lnSpc>
+                <a:spcPct val="110000"/>
+              </a:lnSpc>
+            </a:pPr>
+            <a:r>
+              <a:rPr lang="ro-RO" dirty="0"/>
+              <a:t>Care sunt membrii unei formații rock care au participat la realizarea </a:t>
+            </a:r>
+            <a:r>
+              <a:rPr lang="ro-RO" b="1" dirty="0"/>
+              <a:t>tuturor</a:t>
+            </a:r>
+            <a:r>
+              <a:rPr lang="ro-RO" dirty="0"/>
+              <a:t> discurilor formației</a:t>
+            </a:r>
+          </a:p>
+          <a:p>
+            <a:pPr lvl="1">
+              <a:lnSpc>
+                <a:spcPct val="110000"/>
+              </a:lnSpc>
+            </a:pPr>
+            <a:r>
+              <a:rPr lang="ro-RO" dirty="0"/>
+              <a:t>Care sunt clienții care au cumpărat, în timp, </a:t>
+            </a:r>
+            <a:r>
+              <a:rPr lang="ro-RO" b="1" dirty="0"/>
+              <a:t>măcar toate produsele cumpărate </a:t>
+            </a:r>
+            <a:r>
+              <a:rPr lang="ro-RO" dirty="0"/>
+              <a:t>de clientul "S.C. Celulita S.A."</a:t>
+            </a:r>
+          </a:p>
+          <a:p>
+            <a:pPr lvl="1">
+              <a:lnSpc>
+                <a:spcPct val="110000"/>
+              </a:lnSpc>
+            </a:pPr>
+            <a:endParaRPr lang="en-US" dirty="0"/>
+          </a:p>
+          <a:p>
+            <a:endParaRPr lang="ro-RO" dirty="0"/>
+          </a:p>
+          <a:p>
+            <a:endParaRPr lang="en-US" dirty="0"/>
+          </a:p>
+        </p:txBody>
+      </p:sp>
+    </p:spTree>
+    <p:extLst>
+      <p:ext uri="{BB962C8B-B14F-4D97-AF65-F5344CB8AC3E}">
+        <p14:creationId xmlns:p14="http://schemas.microsoft.com/office/powerpoint/2010/main" val="2825732706"/>
+      </p:ext>
+    </p:extLst>
+  </p:cSld>
+  <p:clrMapOvr>
+    <a:masterClrMapping/>
+  </p:clrMapOvr>
+  <p:transition>
+    <p:random/>
+  </p:transition>
+</p:sld>
+</file>
+
+<file path=ppt/slides/slide22.xml><?xml version="1.0" encoding="utf-8"?>
+<p:sld xmlns:a="http://schemas.openxmlformats.org/drawingml/2006/main" xmlns:r="http://schemas.openxmlformats.org/officeDocument/2006/relationships" xmlns:p="http://schemas.openxmlformats.org/presentationml/2006/main">
+  <p:cSld>
+    <p:spTree>
+      <p:nvGrpSpPr>
+        <p:cNvPr id="1" name=""/>
+        <p:cNvGrpSpPr/>
+        <p:nvPr/>
+      </p:nvGrpSpPr>
+      <p:grpSpPr>
+        <a:xfrm>
+          <a:off x="0" y="0"/>
+          <a:ext cx="0" cy="0"/>
+          <a:chOff x="0" y="0"/>
+          <a:chExt cx="0" cy="0"/>
+        </a:xfrm>
+      </p:grpSpPr>
+      <p:sp>
+        <p:nvSpPr>
+          <p:cNvPr id="31746" name="Rectangle 2"/>
+          <p:cNvSpPr>
+            <a:spLocks noGrp="1" noChangeArrowheads="1"/>
+          </p:cNvSpPr>
+          <p:nvPr>
+            <p:ph type="title"/>
+          </p:nvPr>
+        </p:nvSpPr>
+        <p:spPr>
+          <a:xfrm>
+            <a:off x="203200" y="0"/>
+            <a:ext cx="8788400" cy="1303338"/>
+          </a:xfrm>
+        </p:spPr>
+        <p:txBody>
+          <a:bodyPr anchor="ctr">
+            <a:normAutofit/>
+          </a:bodyPr>
+          <a:lstStyle/>
+          <a:p>
+            <a:pPr algn="ctr" fontAlgn="base">
+              <a:lnSpc>
+                <a:spcPct val="90000"/>
+              </a:lnSpc>
+              <a:spcAft>
+                <a:spcPct val="0"/>
+              </a:spcAft>
+            </a:pPr>
+            <a:r>
+              <a:rPr lang="ro-RO" dirty="0"/>
+              <a:t>Schematizarea diviziunii relaţionale</a:t>
+            </a:r>
+            <a:endParaRPr lang="en-US" dirty="0"/>
+          </a:p>
+        </p:txBody>
+      </p:sp>
+      <p:sp>
+        <p:nvSpPr>
+          <p:cNvPr id="31747" name="Rectangle 6"/>
+          <p:cNvSpPr>
+            <a:spLocks noChangeArrowheads="1"/>
+          </p:cNvSpPr>
+          <p:nvPr/>
+        </p:nvSpPr>
+        <p:spPr bwMode="auto">
+          <a:xfrm>
+            <a:off x="2754313" y="1857375"/>
+            <a:ext cx="9144000" cy="0"/>
+          </a:xfrm>
+          <a:prstGeom prst="rect">
+            <a:avLst/>
+          </a:prstGeom>
+          <a:noFill/>
+          <a:ln w="9525">
+            <a:noFill/>
+            <a:miter lim="800000"/>
+            <a:headEnd/>
+            <a:tailEnd/>
+          </a:ln>
+        </p:spPr>
+        <p:txBody>
+          <a:bodyPr>
+            <a:spAutoFit/>
+          </a:bodyPr>
+          <a:lstStyle/>
+          <a:p>
+            <a:endParaRPr lang="en-US"/>
+          </a:p>
+        </p:txBody>
+      </p:sp>
+      <p:pic>
+        <p:nvPicPr>
+          <p:cNvPr id="31748" name="Picture 5" descr="fig2_26"/>
+          <p:cNvPicPr>
+            <a:picLocks noChangeAspect="1" noChangeArrowheads="1"/>
+          </p:cNvPicPr>
+          <p:nvPr/>
+        </p:nvPicPr>
+        <p:blipFill>
+          <a:blip r:embed="rId2" cstate="print"/>
+          <a:srcRect/>
+          <a:stretch>
+            <a:fillRect/>
+          </a:stretch>
+        </p:blipFill>
+        <p:spPr bwMode="auto">
+          <a:xfrm>
+            <a:off x="2476500" y="1104899"/>
+            <a:ext cx="5257800" cy="3916645"/>
+          </a:xfrm>
+          <a:prstGeom prst="rect">
+            <a:avLst/>
+          </a:prstGeom>
+          <a:noFill/>
+          <a:ln w="9525">
+            <a:noFill/>
+            <a:miter lim="800000"/>
+            <a:headEnd/>
+            <a:tailEnd/>
+          </a:ln>
+        </p:spPr>
+      </p:pic>
+      <p:sp>
+        <p:nvSpPr>
+          <p:cNvPr id="5" name="Content Placeholder 2"/>
+          <p:cNvSpPr>
+            <a:spLocks noGrp="1"/>
+          </p:cNvSpPr>
+          <p:nvPr>
+            <p:ph idx="1"/>
+          </p:nvPr>
+        </p:nvSpPr>
+        <p:spPr>
+          <a:xfrm>
+            <a:off x="254000" y="5321300"/>
+            <a:ext cx="8826500" cy="1511300"/>
+          </a:xfrm>
+        </p:spPr>
+        <p:txBody>
+          <a:bodyPr>
+            <a:normAutofit/>
+          </a:bodyPr>
+          <a:lstStyle/>
+          <a:p>
+            <a:pPr>
+              <a:lnSpc>
+                <a:spcPct val="110000"/>
+              </a:lnSpc>
+              <a:buNone/>
+            </a:pPr>
+            <a:r>
+              <a:rPr lang="ro-RO" b="1"/>
+              <a:t>R3</a:t>
+            </a:r>
+            <a:r>
+              <a:rPr lang="ro-RO"/>
+              <a:t> conține valorile atributului X care apar în </a:t>
+            </a:r>
+            <a:r>
+              <a:rPr lang="ro-RO" b="1"/>
+              <a:t>R1</a:t>
+            </a:r>
+            <a:r>
+              <a:rPr lang="ro-RO"/>
+              <a:t> în combinațiile cu </a:t>
+            </a:r>
+            <a:r>
+              <a:rPr lang="ro-RO" b="1"/>
+              <a:t>toate</a:t>
+            </a:r>
+            <a:r>
+              <a:rPr lang="ro-RO"/>
+              <a:t> valorile atributului Y din tabela </a:t>
+            </a:r>
+            <a:r>
+              <a:rPr lang="ro-RO" b="1"/>
+              <a:t>R2</a:t>
+            </a:r>
+          </a:p>
+          <a:p>
+            <a:pPr>
+              <a:buNone/>
+            </a:pPr>
+            <a:endParaRPr lang="ro-RO"/>
+          </a:p>
+          <a:p>
+            <a:endParaRPr lang="en-US"/>
+          </a:p>
+        </p:txBody>
+      </p:sp>
+      <p:sp>
+        <p:nvSpPr>
+          <p:cNvPr id="6" name="TextBox 5"/>
+          <p:cNvSpPr txBox="1"/>
+          <p:nvPr/>
+        </p:nvSpPr>
+        <p:spPr>
+          <a:xfrm>
+            <a:off x="1203104" y="1625600"/>
+            <a:ext cx="558166" cy="480131"/>
+          </a:xfrm>
+          <a:prstGeom prst="rect">
+            <a:avLst/>
+          </a:prstGeom>
+          <a:noFill/>
+        </p:spPr>
+        <p:txBody>
+          <a:bodyPr wrap="none" rtlCol="0">
+            <a:spAutoFit/>
+          </a:bodyPr>
+          <a:lstStyle/>
+          <a:p>
+            <a:pPr>
+              <a:buNone/>
+            </a:pPr>
+            <a:r>
+              <a:rPr lang="ro-RO">
+                <a:latin typeface="Tahoma" pitchFamily="34" charset="0"/>
+                <a:ea typeface="Tahoma" pitchFamily="34" charset="0"/>
+                <a:cs typeface="Tahoma" pitchFamily="34" charset="0"/>
+              </a:rPr>
+              <a:t>x1</a:t>
+            </a:r>
+            <a:endParaRPr lang="en-US">
+              <a:latin typeface="Tahoma" pitchFamily="34" charset="0"/>
+              <a:ea typeface="Tahoma" pitchFamily="34" charset="0"/>
+              <a:cs typeface="Tahoma" pitchFamily="34" charset="0"/>
+            </a:endParaRPr>
+          </a:p>
+        </p:txBody>
+      </p:sp>
+      <p:cxnSp>
+        <p:nvCxnSpPr>
+          <p:cNvPr id="8" name="Straight Arrow Connector 7"/>
+          <p:cNvCxnSpPr>
+            <a:stCxn id="6" idx="3"/>
+          </p:cNvCxnSpPr>
+          <p:nvPr/>
+        </p:nvCxnSpPr>
+        <p:spPr>
+          <a:xfrm flipV="1">
+            <a:off x="1761270" y="1651000"/>
+            <a:ext cx="905730" cy="214666"/>
+          </a:xfrm>
+          <a:prstGeom prst="straightConnector1">
+            <a:avLst/>
+          </a:prstGeom>
+          <a:ln>
+            <a:tailEnd type="arrow"/>
+          </a:ln>
+        </p:spPr>
+        <p:style>
+          <a:lnRef idx="1">
+            <a:schemeClr val="accent1"/>
+          </a:lnRef>
+          <a:fillRef idx="0">
+            <a:schemeClr val="accent1"/>
+          </a:fillRef>
+          <a:effectRef idx="0">
+            <a:schemeClr val="accent1"/>
+          </a:effectRef>
+          <a:fontRef idx="minor">
+            <a:schemeClr val="tx1"/>
+          </a:fontRef>
+        </p:style>
+      </p:cxnSp>
+      <p:cxnSp>
+        <p:nvCxnSpPr>
+          <p:cNvPr id="10" name="Straight Arrow Connector 9"/>
+          <p:cNvCxnSpPr>
+            <a:stCxn id="6" idx="3"/>
+          </p:cNvCxnSpPr>
+          <p:nvPr/>
+        </p:nvCxnSpPr>
+        <p:spPr>
+          <a:xfrm>
+            <a:off x="1761270" y="1865666"/>
+            <a:ext cx="931130" cy="369534"/>
+          </a:xfrm>
+          <a:prstGeom prst="straightConnector1">
+            <a:avLst/>
+          </a:prstGeom>
+          <a:ln>
+            <a:tailEnd type="arrow"/>
+          </a:ln>
+        </p:spPr>
+        <p:style>
+          <a:lnRef idx="1">
+            <a:schemeClr val="accent1"/>
+          </a:lnRef>
+          <a:fillRef idx="0">
+            <a:schemeClr val="accent1"/>
+          </a:fillRef>
+          <a:effectRef idx="0">
+            <a:schemeClr val="accent1"/>
+          </a:effectRef>
+          <a:fontRef idx="minor">
+            <a:schemeClr val="tx1"/>
+          </a:fontRef>
+        </p:style>
+      </p:cxnSp>
+      <p:cxnSp>
+        <p:nvCxnSpPr>
+          <p:cNvPr id="13" name="Straight Arrow Connector 12"/>
+          <p:cNvCxnSpPr>
+            <a:stCxn id="6" idx="3"/>
+          </p:cNvCxnSpPr>
+          <p:nvPr/>
+        </p:nvCxnSpPr>
+        <p:spPr>
+          <a:xfrm>
+            <a:off x="1761270" y="1865666"/>
+            <a:ext cx="905730" cy="1017234"/>
+          </a:xfrm>
+          <a:prstGeom prst="straightConnector1">
+            <a:avLst/>
+          </a:prstGeom>
+          <a:ln>
+            <a:tailEnd type="arrow"/>
+          </a:ln>
+        </p:spPr>
+        <p:style>
+          <a:lnRef idx="1">
+            <a:schemeClr val="accent1"/>
+          </a:lnRef>
+          <a:fillRef idx="0">
+            <a:schemeClr val="accent1"/>
+          </a:fillRef>
+          <a:effectRef idx="0">
+            <a:schemeClr val="accent1"/>
+          </a:effectRef>
+          <a:fontRef idx="minor">
+            <a:schemeClr val="tx1"/>
+          </a:fontRef>
+        </p:style>
+      </p:cxnSp>
+      <p:cxnSp>
+        <p:nvCxnSpPr>
+          <p:cNvPr id="15" name="Straight Arrow Connector 14"/>
+          <p:cNvCxnSpPr>
+            <a:stCxn id="6" idx="3"/>
+          </p:cNvCxnSpPr>
+          <p:nvPr/>
+        </p:nvCxnSpPr>
+        <p:spPr>
+          <a:xfrm>
+            <a:off x="1761270" y="1865666"/>
+            <a:ext cx="956530" cy="1664934"/>
+          </a:xfrm>
+          <a:prstGeom prst="straightConnector1">
+            <a:avLst/>
+          </a:prstGeom>
+          <a:ln>
+            <a:tailEnd type="arrow"/>
+          </a:ln>
+        </p:spPr>
+        <p:style>
+          <a:lnRef idx="1">
+            <a:schemeClr val="accent1"/>
+          </a:lnRef>
+          <a:fillRef idx="0">
+            <a:schemeClr val="accent1"/>
+          </a:fillRef>
+          <a:effectRef idx="0">
+            <a:schemeClr val="accent1"/>
+          </a:effectRef>
+          <a:fontRef idx="minor">
+            <a:schemeClr val="tx1"/>
+          </a:fontRef>
+        </p:style>
+      </p:cxnSp>
+      <p:cxnSp>
+        <p:nvCxnSpPr>
+          <p:cNvPr id="17" name="Straight Arrow Connector 16"/>
+          <p:cNvCxnSpPr>
+            <a:stCxn id="6" idx="3"/>
+          </p:cNvCxnSpPr>
+          <p:nvPr/>
+        </p:nvCxnSpPr>
+        <p:spPr>
+          <a:xfrm>
+            <a:off x="1761270" y="1865666"/>
+            <a:ext cx="943830" cy="2287234"/>
+          </a:xfrm>
+          <a:prstGeom prst="straightConnector1">
+            <a:avLst/>
+          </a:prstGeom>
+          <a:ln>
+            <a:tailEnd type="arrow"/>
+          </a:ln>
+        </p:spPr>
+        <p:style>
+          <a:lnRef idx="1">
+            <a:schemeClr val="accent1"/>
+          </a:lnRef>
+          <a:fillRef idx="0">
+            <a:schemeClr val="accent1"/>
+          </a:fillRef>
+          <a:effectRef idx="0">
+            <a:schemeClr val="accent1"/>
+          </a:effectRef>
+          <a:fontRef idx="minor">
+            <a:schemeClr val="tx1"/>
+          </a:fontRef>
+        </p:style>
+      </p:cxnSp>
+      <p:cxnSp>
+        <p:nvCxnSpPr>
+          <p:cNvPr id="19" name="Straight Arrow Connector 18"/>
+          <p:cNvCxnSpPr/>
+          <p:nvPr/>
+        </p:nvCxnSpPr>
+        <p:spPr>
+          <a:xfrm rot="16200000" flipV="1">
+            <a:off x="3835400" y="1663700"/>
+            <a:ext cx="1193800" cy="1193800"/>
+          </a:xfrm>
+          <a:prstGeom prst="straightConnector1">
+            <a:avLst/>
+          </a:prstGeom>
+          <a:ln>
+            <a:tailEnd type="arrow"/>
+          </a:ln>
+        </p:spPr>
+        <p:style>
+          <a:lnRef idx="1">
+            <a:schemeClr val="accent1"/>
+          </a:lnRef>
+          <a:fillRef idx="0">
+            <a:schemeClr val="accent1"/>
+          </a:fillRef>
+          <a:effectRef idx="0">
+            <a:schemeClr val="accent1"/>
+          </a:effectRef>
+          <a:fontRef idx="minor">
+            <a:schemeClr val="tx1"/>
+          </a:fontRef>
+        </p:style>
+      </p:cxnSp>
+      <p:cxnSp>
+        <p:nvCxnSpPr>
+          <p:cNvPr id="21" name="Straight Arrow Connector 20"/>
+          <p:cNvCxnSpPr/>
+          <p:nvPr/>
+        </p:nvCxnSpPr>
+        <p:spPr>
+          <a:xfrm rot="10800000">
+            <a:off x="3848100" y="2260600"/>
+            <a:ext cx="1206500" cy="825500"/>
+          </a:xfrm>
+          <a:prstGeom prst="straightConnector1">
+            <a:avLst/>
+          </a:prstGeom>
+          <a:ln>
+            <a:tailEnd type="arrow"/>
+          </a:ln>
+        </p:spPr>
+        <p:style>
+          <a:lnRef idx="1">
+            <a:schemeClr val="accent1"/>
+          </a:lnRef>
+          <a:fillRef idx="0">
+            <a:schemeClr val="accent1"/>
+          </a:fillRef>
+          <a:effectRef idx="0">
+            <a:schemeClr val="accent1"/>
+          </a:effectRef>
+          <a:fontRef idx="minor">
+            <a:schemeClr val="tx1"/>
+          </a:fontRef>
+        </p:style>
+      </p:cxnSp>
+      <p:cxnSp>
+        <p:nvCxnSpPr>
+          <p:cNvPr id="23" name="Straight Arrow Connector 22"/>
+          <p:cNvCxnSpPr/>
+          <p:nvPr/>
+        </p:nvCxnSpPr>
+        <p:spPr>
+          <a:xfrm rot="10800000">
+            <a:off x="3835400" y="2908300"/>
+            <a:ext cx="1219200" cy="419100"/>
+          </a:xfrm>
+          <a:prstGeom prst="straightConnector1">
+            <a:avLst/>
+          </a:prstGeom>
+          <a:ln>
+            <a:tailEnd type="arrow"/>
+          </a:ln>
+        </p:spPr>
+        <p:style>
+          <a:lnRef idx="1">
+            <a:schemeClr val="accent1"/>
+          </a:lnRef>
+          <a:fillRef idx="0">
+            <a:schemeClr val="accent1"/>
+          </a:fillRef>
+          <a:effectRef idx="0">
+            <a:schemeClr val="accent1"/>
+          </a:effectRef>
+          <a:fontRef idx="minor">
+            <a:schemeClr val="tx1"/>
+          </a:fontRef>
+        </p:style>
+      </p:cxnSp>
+      <p:cxnSp>
+        <p:nvCxnSpPr>
+          <p:cNvPr id="25" name="Straight Arrow Connector 24"/>
+          <p:cNvCxnSpPr/>
+          <p:nvPr/>
+        </p:nvCxnSpPr>
+        <p:spPr>
+          <a:xfrm rot="10800000" flipV="1">
+            <a:off x="3848100" y="3479800"/>
+            <a:ext cx="1168400" cy="50800"/>
+          </a:xfrm>
+          <a:prstGeom prst="straightConnector1">
+            <a:avLst/>
+          </a:prstGeom>
+          <a:ln>
+            <a:tailEnd type="arrow"/>
+          </a:ln>
+        </p:spPr>
+        <p:style>
+          <a:lnRef idx="1">
+            <a:schemeClr val="accent1"/>
+          </a:lnRef>
+          <a:fillRef idx="0">
+            <a:schemeClr val="accent1"/>
+          </a:fillRef>
+          <a:effectRef idx="0">
+            <a:schemeClr val="accent1"/>
+          </a:effectRef>
+          <a:fontRef idx="minor">
+            <a:schemeClr val="tx1"/>
+          </a:fontRef>
+        </p:style>
+      </p:cxnSp>
+      <p:cxnSp>
+        <p:nvCxnSpPr>
+          <p:cNvPr id="27" name="Straight Arrow Connector 26"/>
+          <p:cNvCxnSpPr/>
+          <p:nvPr/>
+        </p:nvCxnSpPr>
+        <p:spPr>
+          <a:xfrm rot="10800000" flipV="1">
+            <a:off x="3810000" y="3708400"/>
+            <a:ext cx="1181100" cy="431800"/>
+          </a:xfrm>
+          <a:prstGeom prst="straightConnector1">
+            <a:avLst/>
+          </a:prstGeom>
+          <a:ln>
+            <a:tailEnd type="arrow"/>
+          </a:ln>
+        </p:spPr>
+        <p:style>
+          <a:lnRef idx="1">
+            <a:schemeClr val="accent1"/>
+          </a:lnRef>
+          <a:fillRef idx="0">
+            <a:schemeClr val="accent1"/>
+          </a:fillRef>
+          <a:effectRef idx="0">
+            <a:schemeClr val="accent1"/>
+          </a:effectRef>
+          <a:fontRef idx="minor">
+            <a:schemeClr val="tx1"/>
+          </a:fontRef>
+        </p:style>
+      </p:cxnSp>
+      <p:sp>
+        <p:nvSpPr>
+          <p:cNvPr id="28" name="TextBox 27"/>
+          <p:cNvSpPr txBox="1"/>
+          <p:nvPr/>
+        </p:nvSpPr>
+        <p:spPr>
+          <a:xfrm>
+            <a:off x="1203104" y="2336800"/>
+            <a:ext cx="558166" cy="480131"/>
+          </a:xfrm>
+          <a:prstGeom prst="rect">
+            <a:avLst/>
+          </a:prstGeom>
+          <a:noFill/>
+        </p:spPr>
+        <p:txBody>
+          <a:bodyPr wrap="none" rtlCol="0">
+            <a:spAutoFit/>
+          </a:bodyPr>
+          <a:lstStyle/>
+          <a:p>
+            <a:pPr>
+              <a:buNone/>
+            </a:pPr>
+            <a:r>
+              <a:rPr lang="ro-RO">
+                <a:latin typeface="Tahoma" pitchFamily="34" charset="0"/>
+                <a:ea typeface="Tahoma" pitchFamily="34" charset="0"/>
+                <a:cs typeface="Tahoma" pitchFamily="34" charset="0"/>
+              </a:rPr>
+              <a:t>x2</a:t>
+            </a:r>
+            <a:endParaRPr lang="en-US">
+              <a:latin typeface="Tahoma" pitchFamily="34" charset="0"/>
+              <a:ea typeface="Tahoma" pitchFamily="34" charset="0"/>
+              <a:cs typeface="Tahoma" pitchFamily="34" charset="0"/>
+            </a:endParaRPr>
+          </a:p>
+        </p:txBody>
+      </p:sp>
+      <p:cxnSp>
+        <p:nvCxnSpPr>
+          <p:cNvPr id="30" name="Straight Arrow Connector 29"/>
+          <p:cNvCxnSpPr>
+            <a:stCxn id="28" idx="3"/>
+          </p:cNvCxnSpPr>
+          <p:nvPr/>
+        </p:nvCxnSpPr>
+        <p:spPr>
+          <a:xfrm flipV="1">
+            <a:off x="1761270" y="1879600"/>
+            <a:ext cx="804130" cy="697266"/>
+          </a:xfrm>
+          <a:prstGeom prst="straightConnector1">
+            <a:avLst/>
+          </a:prstGeom>
+          <a:ln>
+            <a:tailEnd type="arrow"/>
+          </a:ln>
+        </p:spPr>
+        <p:style>
+          <a:lnRef idx="1">
+            <a:schemeClr val="accent2"/>
+          </a:lnRef>
+          <a:fillRef idx="0">
+            <a:schemeClr val="accent2"/>
+          </a:fillRef>
+          <a:effectRef idx="0">
+            <a:schemeClr val="accent2"/>
+          </a:effectRef>
+          <a:fontRef idx="minor">
+            <a:schemeClr val="tx1"/>
+          </a:fontRef>
+        </p:style>
+      </p:cxnSp>
+      <p:cxnSp>
+        <p:nvCxnSpPr>
+          <p:cNvPr id="31" name="Straight Arrow Connector 30"/>
+          <p:cNvCxnSpPr>
+            <a:stCxn id="28" idx="3"/>
+          </p:cNvCxnSpPr>
+          <p:nvPr/>
+        </p:nvCxnSpPr>
+        <p:spPr>
+          <a:xfrm>
+            <a:off x="1761270" y="2576866"/>
+            <a:ext cx="918430" cy="1791934"/>
+          </a:xfrm>
+          <a:prstGeom prst="straightConnector1">
+            <a:avLst/>
+          </a:prstGeom>
+          <a:ln>
+            <a:tailEnd type="arrow"/>
+          </a:ln>
+        </p:spPr>
+        <p:style>
+          <a:lnRef idx="1">
+            <a:schemeClr val="accent2"/>
+          </a:lnRef>
+          <a:fillRef idx="0">
+            <a:schemeClr val="accent2"/>
+          </a:fillRef>
+          <a:effectRef idx="0">
+            <a:schemeClr val="accent2"/>
+          </a:effectRef>
+          <a:fontRef idx="minor">
+            <a:schemeClr val="tx1"/>
+          </a:fontRef>
+        </p:style>
+      </p:cxnSp>
+      <p:cxnSp>
+        <p:nvCxnSpPr>
+          <p:cNvPr id="34" name="Straight Arrow Connector 33"/>
+          <p:cNvCxnSpPr/>
+          <p:nvPr/>
+        </p:nvCxnSpPr>
+        <p:spPr>
+          <a:xfrm rot="10800000">
+            <a:off x="3835400" y="1841500"/>
+            <a:ext cx="1193800" cy="1028700"/>
+          </a:xfrm>
+          <a:prstGeom prst="straightConnector1">
+            <a:avLst/>
+          </a:prstGeom>
+          <a:ln>
+            <a:tailEnd type="arrow"/>
+          </a:ln>
+        </p:spPr>
+        <p:style>
+          <a:lnRef idx="1">
+            <a:schemeClr val="accent2"/>
+          </a:lnRef>
+          <a:fillRef idx="0">
+            <a:schemeClr val="accent2"/>
+          </a:fillRef>
+          <a:effectRef idx="0">
+            <a:schemeClr val="accent2"/>
+          </a:effectRef>
+          <a:fontRef idx="minor">
+            <a:schemeClr val="tx1"/>
+          </a:fontRef>
+        </p:style>
+      </p:cxnSp>
+      <p:cxnSp>
+        <p:nvCxnSpPr>
+          <p:cNvPr id="37" name="Straight Arrow Connector 36"/>
+          <p:cNvCxnSpPr/>
+          <p:nvPr/>
+        </p:nvCxnSpPr>
+        <p:spPr>
+          <a:xfrm rot="10800000" flipV="1">
+            <a:off x="3835400" y="3733800"/>
+            <a:ext cx="1143000" cy="622300"/>
+          </a:xfrm>
+          <a:prstGeom prst="straightConnector1">
+            <a:avLst/>
+          </a:prstGeom>
+          <a:ln>
+            <a:tailEnd type="arrow"/>
+          </a:ln>
+        </p:spPr>
+        <p:style>
+          <a:lnRef idx="1">
+            <a:schemeClr val="accent2"/>
+          </a:lnRef>
+          <a:fillRef idx="0">
+            <a:schemeClr val="accent2"/>
+          </a:fillRef>
+          <a:effectRef idx="0">
+            <a:schemeClr val="accent2"/>
+          </a:effectRef>
+          <a:fontRef idx="minor">
+            <a:schemeClr val="tx1"/>
+          </a:fontRef>
+        </p:style>
+      </p:cxnSp>
+      <p:sp>
+        <p:nvSpPr>
+          <p:cNvPr id="39" name="TextBox 38"/>
+          <p:cNvSpPr txBox="1"/>
+          <p:nvPr/>
+        </p:nvSpPr>
+        <p:spPr>
+          <a:xfrm>
+            <a:off x="1203104" y="2882900"/>
+            <a:ext cx="558166" cy="480131"/>
+          </a:xfrm>
+          <a:prstGeom prst="rect">
+            <a:avLst/>
+          </a:prstGeom>
+          <a:noFill/>
+        </p:spPr>
+        <p:txBody>
+          <a:bodyPr wrap="none" rtlCol="0">
+            <a:spAutoFit/>
+          </a:bodyPr>
+          <a:lstStyle/>
+          <a:p>
+            <a:pPr>
+              <a:buNone/>
+            </a:pPr>
+            <a:r>
+              <a:rPr lang="ro-RO">
+                <a:latin typeface="Tahoma" pitchFamily="34" charset="0"/>
+                <a:ea typeface="Tahoma" pitchFamily="34" charset="0"/>
+                <a:cs typeface="Tahoma" pitchFamily="34" charset="0"/>
+              </a:rPr>
+              <a:t>x3</a:t>
+            </a:r>
+            <a:endParaRPr lang="en-US">
+              <a:latin typeface="Tahoma" pitchFamily="34" charset="0"/>
+              <a:ea typeface="Tahoma" pitchFamily="34" charset="0"/>
+              <a:cs typeface="Tahoma" pitchFamily="34" charset="0"/>
+            </a:endParaRPr>
+          </a:p>
+        </p:txBody>
+      </p:sp>
+      <p:cxnSp>
+        <p:nvCxnSpPr>
+          <p:cNvPr id="40" name="Straight Arrow Connector 39"/>
+          <p:cNvCxnSpPr/>
+          <p:nvPr/>
+        </p:nvCxnSpPr>
+        <p:spPr>
+          <a:xfrm rot="5400000" flipH="1" flipV="1">
+            <a:off x="1668652" y="2061118"/>
+            <a:ext cx="1027466" cy="1020030"/>
+          </a:xfrm>
+          <a:prstGeom prst="straightConnector1">
+            <a:avLst/>
+          </a:prstGeom>
+          <a:ln>
+            <a:tailEnd type="arrow"/>
+          </a:ln>
+        </p:spPr>
+        <p:style>
+          <a:lnRef idx="1">
+            <a:schemeClr val="accent3"/>
+          </a:lnRef>
+          <a:fillRef idx="0">
+            <a:schemeClr val="accent3"/>
+          </a:fillRef>
+          <a:effectRef idx="0">
+            <a:schemeClr val="accent3"/>
+          </a:effectRef>
+          <a:fontRef idx="minor">
+            <a:schemeClr val="tx1"/>
+          </a:fontRef>
+        </p:style>
+      </p:cxnSp>
+      <p:cxnSp>
+        <p:nvCxnSpPr>
+          <p:cNvPr id="42" name="Straight Arrow Connector 41"/>
+          <p:cNvCxnSpPr/>
+          <p:nvPr/>
+        </p:nvCxnSpPr>
+        <p:spPr>
+          <a:xfrm flipV="1">
+            <a:off x="1672370" y="2476500"/>
+            <a:ext cx="1007330" cy="646466"/>
+          </a:xfrm>
+          <a:prstGeom prst="straightConnector1">
+            <a:avLst/>
+          </a:prstGeom>
+          <a:ln>
+            <a:tailEnd type="arrow"/>
+          </a:ln>
+        </p:spPr>
+        <p:style>
+          <a:lnRef idx="1">
+            <a:schemeClr val="accent3"/>
+          </a:lnRef>
+          <a:fillRef idx="0">
+            <a:schemeClr val="accent3"/>
+          </a:fillRef>
+          <a:effectRef idx="0">
+            <a:schemeClr val="accent3"/>
+          </a:effectRef>
+          <a:fontRef idx="minor">
+            <a:schemeClr val="tx1"/>
+          </a:fontRef>
+        </p:style>
+      </p:cxnSp>
+      <p:cxnSp>
+        <p:nvCxnSpPr>
+          <p:cNvPr id="45" name="Straight Arrow Connector 44"/>
+          <p:cNvCxnSpPr/>
+          <p:nvPr/>
+        </p:nvCxnSpPr>
+        <p:spPr>
+          <a:xfrm>
+            <a:off x="1697770" y="3122966"/>
+            <a:ext cx="981930" cy="1234"/>
+          </a:xfrm>
+          <a:prstGeom prst="straightConnector1">
+            <a:avLst/>
+          </a:prstGeom>
+          <a:ln>
+            <a:tailEnd type="arrow"/>
+          </a:ln>
+        </p:spPr>
+        <p:style>
+          <a:lnRef idx="1">
+            <a:schemeClr val="accent3"/>
+          </a:lnRef>
+          <a:fillRef idx="0">
+            <a:schemeClr val="accent3"/>
+          </a:fillRef>
+          <a:effectRef idx="0">
+            <a:schemeClr val="accent3"/>
+          </a:effectRef>
+          <a:fontRef idx="minor">
+            <a:schemeClr val="tx1"/>
+          </a:fontRef>
+        </p:style>
+      </p:cxnSp>
+      <p:cxnSp>
+        <p:nvCxnSpPr>
+          <p:cNvPr id="54" name="Straight Arrow Connector 53"/>
+          <p:cNvCxnSpPr/>
+          <p:nvPr/>
+        </p:nvCxnSpPr>
+        <p:spPr>
+          <a:xfrm>
+            <a:off x="1672370" y="3148366"/>
+            <a:ext cx="1007330" cy="572734"/>
+          </a:xfrm>
+          <a:prstGeom prst="straightConnector1">
+            <a:avLst/>
+          </a:prstGeom>
+          <a:ln>
+            <a:tailEnd type="arrow"/>
+          </a:ln>
+        </p:spPr>
+        <p:style>
+          <a:lnRef idx="1">
+            <a:schemeClr val="accent3"/>
+          </a:lnRef>
+          <a:fillRef idx="0">
+            <a:schemeClr val="accent3"/>
+          </a:fillRef>
+          <a:effectRef idx="0">
+            <a:schemeClr val="accent3"/>
+          </a:effectRef>
+          <a:fontRef idx="minor">
+            <a:schemeClr val="tx1"/>
+          </a:fontRef>
+        </p:style>
+      </p:cxnSp>
+      <p:cxnSp>
+        <p:nvCxnSpPr>
+          <p:cNvPr id="58" name="Straight Arrow Connector 57"/>
+          <p:cNvCxnSpPr/>
+          <p:nvPr/>
+        </p:nvCxnSpPr>
+        <p:spPr>
+          <a:xfrm rot="16200000" flipH="1">
+            <a:off x="1483268" y="3350168"/>
+            <a:ext cx="1372834" cy="1020030"/>
+          </a:xfrm>
+          <a:prstGeom prst="straightConnector1">
+            <a:avLst/>
+          </a:prstGeom>
+          <a:ln>
+            <a:tailEnd type="arrow"/>
+          </a:ln>
+        </p:spPr>
+        <p:style>
+          <a:lnRef idx="1">
+            <a:schemeClr val="accent3"/>
+          </a:lnRef>
+          <a:fillRef idx="0">
+            <a:schemeClr val="accent3"/>
+          </a:fillRef>
+          <a:effectRef idx="0">
+            <a:schemeClr val="accent3"/>
+          </a:effectRef>
+          <a:fontRef idx="minor">
+            <a:schemeClr val="tx1"/>
+          </a:fontRef>
+        </p:style>
+      </p:cxnSp>
+      <p:sp>
+        <p:nvSpPr>
+          <p:cNvPr id="61" name="TextBox 60"/>
+          <p:cNvSpPr txBox="1"/>
+          <p:nvPr/>
+        </p:nvSpPr>
+        <p:spPr>
+          <a:xfrm>
+            <a:off x="1228504" y="3517900"/>
+            <a:ext cx="558166" cy="480131"/>
+          </a:xfrm>
+          <a:prstGeom prst="rect">
+            <a:avLst/>
+          </a:prstGeom>
+          <a:noFill/>
+        </p:spPr>
+        <p:txBody>
+          <a:bodyPr wrap="none" rtlCol="0">
+            <a:spAutoFit/>
+          </a:bodyPr>
+          <a:lstStyle/>
+          <a:p>
+            <a:pPr>
+              <a:buNone/>
+            </a:pPr>
+            <a:r>
+              <a:rPr lang="ro-RO">
+                <a:latin typeface="Tahoma" pitchFamily="34" charset="0"/>
+                <a:ea typeface="Tahoma" pitchFamily="34" charset="0"/>
+                <a:cs typeface="Tahoma" pitchFamily="34" charset="0"/>
+              </a:rPr>
+              <a:t>x4</a:t>
+            </a:r>
+            <a:endParaRPr lang="en-US">
+              <a:latin typeface="Tahoma" pitchFamily="34" charset="0"/>
+              <a:ea typeface="Tahoma" pitchFamily="34" charset="0"/>
+              <a:cs typeface="Tahoma" pitchFamily="34" charset="0"/>
+            </a:endParaRPr>
+          </a:p>
+        </p:txBody>
+      </p:sp>
+      <p:cxnSp>
+        <p:nvCxnSpPr>
+          <p:cNvPr id="63" name="Straight Arrow Connector 62"/>
+          <p:cNvCxnSpPr/>
+          <p:nvPr/>
+        </p:nvCxnSpPr>
+        <p:spPr>
+          <a:xfrm rot="5400000" flipH="1" flipV="1">
+            <a:off x="1662302" y="2715168"/>
+            <a:ext cx="1040166" cy="969230"/>
+          </a:xfrm>
+          <a:prstGeom prst="straightConnector1">
+            <a:avLst/>
+          </a:prstGeom>
+          <a:ln>
+            <a:tailEnd type="arrow"/>
+          </a:ln>
+        </p:spPr>
+        <p:style>
+          <a:lnRef idx="1">
+            <a:schemeClr val="dk1"/>
+          </a:lnRef>
+          <a:fillRef idx="0">
+            <a:schemeClr val="dk1"/>
+          </a:fillRef>
+          <a:effectRef idx="0">
+            <a:schemeClr val="dk1"/>
+          </a:effectRef>
+          <a:fontRef idx="minor">
+            <a:schemeClr val="tx1"/>
+          </a:fontRef>
+        </p:style>
+      </p:cxnSp>
+      <p:cxnSp>
+        <p:nvCxnSpPr>
+          <p:cNvPr id="66" name="Straight Arrow Connector 65"/>
+          <p:cNvCxnSpPr/>
+          <p:nvPr/>
+        </p:nvCxnSpPr>
+        <p:spPr>
+          <a:xfrm>
+            <a:off x="1723170" y="3757966"/>
+            <a:ext cx="981930" cy="166334"/>
+          </a:xfrm>
+          <a:prstGeom prst="straightConnector1">
+            <a:avLst/>
+          </a:prstGeom>
+          <a:ln>
+            <a:tailEnd type="arrow"/>
+          </a:ln>
+        </p:spPr>
+        <p:style>
+          <a:lnRef idx="1">
+            <a:schemeClr val="dk1"/>
+          </a:lnRef>
+          <a:fillRef idx="0">
+            <a:schemeClr val="dk1"/>
+          </a:fillRef>
+          <a:effectRef idx="0">
+            <a:schemeClr val="dk1"/>
+          </a:effectRef>
+          <a:fontRef idx="minor">
+            <a:schemeClr val="tx1"/>
+          </a:fontRef>
+        </p:style>
+      </p:cxnSp>
+      <p:sp>
+        <p:nvSpPr>
+          <p:cNvPr id="72" name="TextBox 71"/>
+          <p:cNvSpPr txBox="1"/>
+          <p:nvPr/>
+        </p:nvSpPr>
+        <p:spPr>
+          <a:xfrm>
+            <a:off x="1215804" y="4114800"/>
+            <a:ext cx="558166" cy="480131"/>
+          </a:xfrm>
+          <a:prstGeom prst="rect">
+            <a:avLst/>
+          </a:prstGeom>
+          <a:noFill/>
+        </p:spPr>
+        <p:txBody>
+          <a:bodyPr wrap="none" rtlCol="0">
+            <a:spAutoFit/>
+          </a:bodyPr>
+          <a:lstStyle/>
+          <a:p>
+            <a:pPr>
+              <a:buNone/>
+            </a:pPr>
+            <a:r>
+              <a:rPr lang="ro-RO">
+                <a:latin typeface="Tahoma" pitchFamily="34" charset="0"/>
+                <a:ea typeface="Tahoma" pitchFamily="34" charset="0"/>
+                <a:cs typeface="Tahoma" pitchFamily="34" charset="0"/>
+              </a:rPr>
+              <a:t>x5</a:t>
+            </a:r>
+            <a:endParaRPr lang="en-US">
+              <a:latin typeface="Tahoma" pitchFamily="34" charset="0"/>
+              <a:ea typeface="Tahoma" pitchFamily="34" charset="0"/>
+              <a:cs typeface="Tahoma" pitchFamily="34" charset="0"/>
+            </a:endParaRPr>
+          </a:p>
+        </p:txBody>
+      </p:sp>
+      <p:cxnSp>
+        <p:nvCxnSpPr>
+          <p:cNvPr id="74" name="Straight Arrow Connector 73"/>
+          <p:cNvCxnSpPr/>
+          <p:nvPr/>
+        </p:nvCxnSpPr>
+        <p:spPr>
+          <a:xfrm rot="5400000" flipH="1" flipV="1">
+            <a:off x="1695450" y="3308350"/>
+            <a:ext cx="1041400" cy="1028700"/>
+          </a:xfrm>
+          <a:prstGeom prst="straightConnector1">
+            <a:avLst/>
+          </a:prstGeom>
+          <a:ln>
+            <a:tailEnd type="arrow"/>
+          </a:ln>
+        </p:spPr>
+        <p:style>
+          <a:lnRef idx="1">
+            <a:schemeClr val="accent4"/>
+          </a:lnRef>
+          <a:fillRef idx="0">
+            <a:schemeClr val="accent4"/>
+          </a:fillRef>
+          <a:effectRef idx="0">
+            <a:schemeClr val="accent4"/>
+          </a:effectRef>
+          <a:fontRef idx="minor">
+            <a:schemeClr val="tx1"/>
+          </a:fontRef>
+        </p:style>
+      </p:cxnSp>
+      <p:cxnSp>
+        <p:nvCxnSpPr>
+          <p:cNvPr id="75" name="Straight Arrow Connector 74"/>
+          <p:cNvCxnSpPr/>
+          <p:nvPr/>
+        </p:nvCxnSpPr>
+        <p:spPr>
+          <a:xfrm>
+            <a:off x="1697770" y="4392966"/>
+            <a:ext cx="943830" cy="356834"/>
+          </a:xfrm>
+          <a:prstGeom prst="straightConnector1">
+            <a:avLst/>
+          </a:prstGeom>
+          <a:ln>
+            <a:tailEnd type="arrow"/>
+          </a:ln>
+        </p:spPr>
+        <p:style>
+          <a:lnRef idx="1">
+            <a:schemeClr val="accent4"/>
+          </a:lnRef>
+          <a:fillRef idx="0">
+            <a:schemeClr val="accent4"/>
+          </a:fillRef>
+          <a:effectRef idx="0">
+            <a:schemeClr val="accent4"/>
+          </a:effectRef>
+          <a:fontRef idx="minor">
+            <a:schemeClr val="tx1"/>
+          </a:fontRef>
+        </p:style>
+      </p:cxnSp>
+      <p:cxnSp>
+        <p:nvCxnSpPr>
+          <p:cNvPr id="82" name="Straight Arrow Connector 81"/>
+          <p:cNvCxnSpPr/>
+          <p:nvPr/>
+        </p:nvCxnSpPr>
+        <p:spPr>
+          <a:xfrm rot="10800000">
+            <a:off x="3835400" y="2057400"/>
+            <a:ext cx="1206500" cy="838200"/>
+          </a:xfrm>
+          <a:prstGeom prst="straightConnector1">
+            <a:avLst/>
+          </a:prstGeom>
+          <a:ln>
+            <a:tailEnd type="arrow"/>
+          </a:ln>
+        </p:spPr>
+        <p:style>
+          <a:lnRef idx="1">
+            <a:schemeClr val="accent3"/>
+          </a:lnRef>
+          <a:fillRef idx="0">
+            <a:schemeClr val="accent3"/>
+          </a:fillRef>
+          <a:effectRef idx="0">
+            <a:schemeClr val="accent3"/>
+          </a:effectRef>
+          <a:fontRef idx="minor">
+            <a:schemeClr val="tx1"/>
+          </a:fontRef>
+        </p:style>
+      </p:cxnSp>
+      <p:cxnSp>
+        <p:nvCxnSpPr>
+          <p:cNvPr id="85" name="Straight Arrow Connector 84"/>
+          <p:cNvCxnSpPr/>
+          <p:nvPr/>
+        </p:nvCxnSpPr>
+        <p:spPr>
+          <a:xfrm rot="10800000">
+            <a:off x="3835400" y="2501900"/>
+            <a:ext cx="1219200" cy="635000"/>
+          </a:xfrm>
+          <a:prstGeom prst="straightConnector1">
+            <a:avLst/>
+          </a:prstGeom>
+          <a:ln>
+            <a:tailEnd type="arrow"/>
+          </a:ln>
+        </p:spPr>
+        <p:style>
+          <a:lnRef idx="1">
+            <a:schemeClr val="accent3"/>
+          </a:lnRef>
+          <a:fillRef idx="0">
+            <a:schemeClr val="accent3"/>
+          </a:fillRef>
+          <a:effectRef idx="0">
+            <a:schemeClr val="accent3"/>
+          </a:effectRef>
+          <a:fontRef idx="minor">
+            <a:schemeClr val="tx1"/>
+          </a:fontRef>
+        </p:style>
+      </p:cxnSp>
+      <p:cxnSp>
+        <p:nvCxnSpPr>
+          <p:cNvPr id="87" name="Straight Arrow Connector 86"/>
+          <p:cNvCxnSpPr/>
+          <p:nvPr/>
+        </p:nvCxnSpPr>
+        <p:spPr>
+          <a:xfrm rot="10800000">
+            <a:off x="3835400" y="3111500"/>
+            <a:ext cx="1193800" cy="228600"/>
+          </a:xfrm>
+          <a:prstGeom prst="straightConnector1">
+            <a:avLst/>
+          </a:prstGeom>
+          <a:ln>
+            <a:tailEnd type="arrow"/>
+          </a:ln>
+        </p:spPr>
+        <p:style>
+          <a:lnRef idx="1">
+            <a:schemeClr val="accent3"/>
+          </a:lnRef>
+          <a:fillRef idx="0">
+            <a:schemeClr val="accent3"/>
+          </a:fillRef>
+          <a:effectRef idx="0">
+            <a:schemeClr val="accent3"/>
+          </a:effectRef>
+          <a:fontRef idx="minor">
+            <a:schemeClr val="tx1"/>
+          </a:fontRef>
+        </p:style>
+      </p:cxnSp>
+      <p:cxnSp>
+        <p:nvCxnSpPr>
+          <p:cNvPr id="89" name="Straight Arrow Connector 88"/>
+          <p:cNvCxnSpPr/>
+          <p:nvPr/>
+        </p:nvCxnSpPr>
+        <p:spPr>
+          <a:xfrm rot="10800000" flipV="1">
+            <a:off x="3822700" y="3746500"/>
+            <a:ext cx="1181100" cy="812800"/>
+          </a:xfrm>
+          <a:prstGeom prst="straightConnector1">
+            <a:avLst/>
+          </a:prstGeom>
+          <a:ln>
+            <a:tailEnd type="arrow"/>
+          </a:ln>
+        </p:spPr>
+        <p:style>
+          <a:lnRef idx="1">
+            <a:schemeClr val="accent3"/>
+          </a:lnRef>
+          <a:fillRef idx="0">
+            <a:schemeClr val="accent3"/>
+          </a:fillRef>
+          <a:effectRef idx="0">
+            <a:schemeClr val="accent3"/>
+          </a:effectRef>
+          <a:fontRef idx="minor">
+            <a:schemeClr val="tx1"/>
+          </a:fontRef>
+        </p:style>
+      </p:cxnSp>
+      <p:cxnSp>
+        <p:nvCxnSpPr>
+          <p:cNvPr id="91" name="Straight Arrow Connector 90"/>
+          <p:cNvCxnSpPr/>
+          <p:nvPr/>
+        </p:nvCxnSpPr>
+        <p:spPr>
+          <a:xfrm rot="10800000" flipV="1">
+            <a:off x="3797300" y="3492500"/>
+            <a:ext cx="1231900" cy="241300"/>
+          </a:xfrm>
+          <a:prstGeom prst="straightConnector1">
+            <a:avLst/>
+          </a:prstGeom>
+          <a:ln>
+            <a:tailEnd type="arrow"/>
+          </a:ln>
+        </p:spPr>
+        <p:style>
+          <a:lnRef idx="1">
+            <a:schemeClr val="accent3"/>
+          </a:lnRef>
+          <a:fillRef idx="0">
+            <a:schemeClr val="accent3"/>
+          </a:fillRef>
+          <a:effectRef idx="0">
+            <a:schemeClr val="accent3"/>
+          </a:effectRef>
+          <a:fontRef idx="minor">
+            <a:schemeClr val="tx1"/>
+          </a:fontRef>
+        </p:style>
+      </p:cxnSp>
+      <p:cxnSp>
+        <p:nvCxnSpPr>
+          <p:cNvPr id="101" name="Straight Arrow Connector 100"/>
+          <p:cNvCxnSpPr/>
+          <p:nvPr/>
+        </p:nvCxnSpPr>
+        <p:spPr>
+          <a:xfrm rot="10800000">
+            <a:off x="3822700" y="2667000"/>
+            <a:ext cx="1202470" cy="481366"/>
+          </a:xfrm>
+          <a:prstGeom prst="straightConnector1">
+            <a:avLst/>
+          </a:prstGeom>
+          <a:ln>
+            <a:tailEnd type="arrow"/>
+          </a:ln>
+        </p:spPr>
+        <p:style>
+          <a:lnRef idx="1">
+            <a:schemeClr val="dk1"/>
+          </a:lnRef>
+          <a:fillRef idx="0">
+            <a:schemeClr val="dk1"/>
+          </a:fillRef>
+          <a:effectRef idx="0">
+            <a:schemeClr val="dk1"/>
+          </a:effectRef>
+          <a:fontRef idx="minor">
+            <a:schemeClr val="tx1"/>
+          </a:fontRef>
+        </p:style>
+      </p:cxnSp>
+      <p:cxnSp>
+        <p:nvCxnSpPr>
+          <p:cNvPr id="104" name="Straight Arrow Connector 103"/>
+          <p:cNvCxnSpPr/>
+          <p:nvPr/>
+        </p:nvCxnSpPr>
+        <p:spPr>
+          <a:xfrm rot="10800000" flipV="1">
+            <a:off x="3822700" y="3517900"/>
+            <a:ext cx="1206500" cy="419100"/>
+          </a:xfrm>
+          <a:prstGeom prst="straightConnector1">
+            <a:avLst/>
+          </a:prstGeom>
+          <a:ln>
+            <a:tailEnd type="arrow"/>
+          </a:ln>
+        </p:spPr>
+        <p:style>
+          <a:lnRef idx="1">
+            <a:schemeClr val="dk1"/>
+          </a:lnRef>
+          <a:fillRef idx="0">
+            <a:schemeClr val="dk1"/>
+          </a:fillRef>
+          <a:effectRef idx="0">
+            <a:schemeClr val="dk1"/>
+          </a:effectRef>
+          <a:fontRef idx="minor">
+            <a:schemeClr val="tx1"/>
+          </a:fontRef>
+        </p:style>
+      </p:cxnSp>
+      <p:cxnSp>
+        <p:nvCxnSpPr>
+          <p:cNvPr id="109" name="Straight Arrow Connector 108"/>
+          <p:cNvCxnSpPr/>
+          <p:nvPr/>
+        </p:nvCxnSpPr>
+        <p:spPr>
+          <a:xfrm rot="10800000">
+            <a:off x="3835400" y="3314700"/>
+            <a:ext cx="1206500" cy="38100"/>
+          </a:xfrm>
+          <a:prstGeom prst="straightConnector1">
+            <a:avLst/>
+          </a:prstGeom>
+          <a:ln>
+            <a:tailEnd type="arrow"/>
+          </a:ln>
+        </p:spPr>
+        <p:style>
+          <a:lnRef idx="1">
+            <a:schemeClr val="accent4"/>
+          </a:lnRef>
+          <a:fillRef idx="0">
+            <a:schemeClr val="accent4"/>
+          </a:fillRef>
+          <a:effectRef idx="0">
+            <a:schemeClr val="accent4"/>
+          </a:effectRef>
+          <a:fontRef idx="minor">
+            <a:schemeClr val="tx1"/>
+          </a:fontRef>
+        </p:style>
+      </p:cxnSp>
+      <p:cxnSp>
+        <p:nvCxnSpPr>
+          <p:cNvPr id="112" name="Straight Arrow Connector 111"/>
+          <p:cNvCxnSpPr/>
+          <p:nvPr/>
+        </p:nvCxnSpPr>
+        <p:spPr>
+          <a:xfrm rot="10800000" flipV="1">
+            <a:off x="3873500" y="3733800"/>
+            <a:ext cx="1143000" cy="1041400"/>
+          </a:xfrm>
+          <a:prstGeom prst="straightConnector1">
+            <a:avLst/>
+          </a:prstGeom>
+          <a:ln>
+            <a:tailEnd type="arrow"/>
+          </a:ln>
+        </p:spPr>
+        <p:style>
+          <a:lnRef idx="1">
+            <a:schemeClr val="accent4"/>
+          </a:lnRef>
+          <a:fillRef idx="0">
+            <a:schemeClr val="accent4"/>
+          </a:fillRef>
+          <a:effectRef idx="0">
+            <a:schemeClr val="accent4"/>
+          </a:effectRef>
+          <a:fontRef idx="minor">
+            <a:schemeClr val="tx1"/>
+          </a:fontRef>
+        </p:style>
+      </p:cxnSp>
+    </p:spTree>
+  </p:cSld>
+  <p:clrMapOvr>
+    <a:masterClrMapping/>
+  </p:clrMapOvr>
+  <p:transition>
+    <p:random/>
+  </p:transition>
+</p:sld>
+</file>
+
+<file path=ppt/slides/slide23.xml><?xml version="1.0" encoding="utf-8"?>
 <p:sld xmlns:a="http://schemas.openxmlformats.org/drawingml/2006/main" xmlns:r="http://schemas.openxmlformats.org/officeDocument/2006/relationships" xmlns:p="http://schemas.openxmlformats.org/presentationml/2006/main">
   <p:cSld>
     <p:spTree>
@@ -16025,7 +16924,7 @@
 </p:sld>
 </file>
 
-<file path=ppt/slides/slide21.xml><?xml version="1.0" encoding="utf-8"?>
+<file path=ppt/slides/slide24.xml><?xml version="1.0" encoding="utf-8"?>
 <p:sld xmlns:a="http://schemas.openxmlformats.org/drawingml/2006/main" xmlns:r="http://schemas.openxmlformats.org/officeDocument/2006/relationships" xmlns:p="http://schemas.openxmlformats.org/presentationml/2006/main">
   <p:cSld>
     <p:spTree>
@@ -16667,7 +17566,7 @@
 </p:sld>
 </file>
 
-<file path=ppt/slides/slide22.xml><?xml version="1.0" encoding="utf-8"?>
+<file path=ppt/slides/slide25.xml><?xml version="1.0" encoding="utf-8"?>
 <p:sld xmlns:a="http://schemas.openxmlformats.org/drawingml/2006/main" xmlns:r="http://schemas.openxmlformats.org/officeDocument/2006/relationships" xmlns:p="http://schemas.openxmlformats.org/presentationml/2006/main">
   <p:cSld>
     <p:spTree>
@@ -17200,7 +18099,7 @@
 </p:sld>
 </file>
 
-<file path=ppt/slides/slide23.xml><?xml version="1.0" encoding="utf-8"?>
+<file path=ppt/slides/slide26.xml><?xml version="1.0" encoding="utf-8"?>
 <p:sld xmlns:a="http://schemas.openxmlformats.org/drawingml/2006/main" xmlns:r="http://schemas.openxmlformats.org/officeDocument/2006/relationships" xmlns:p="http://schemas.openxmlformats.org/presentationml/2006/main">
   <p:cSld>
     <p:spTree>
@@ -17813,7 +18712,7 @@
 </p:sld>
 </file>
 
-<file path=ppt/slides/slide24.xml><?xml version="1.0" encoding="utf-8"?>
+<file path=ppt/slides/slide27.xml><?xml version="1.0" encoding="utf-8"?>
 <p:sld xmlns:a="http://schemas.openxmlformats.org/drawingml/2006/main" xmlns:r="http://schemas.openxmlformats.org/officeDocument/2006/relationships" xmlns:p="http://schemas.openxmlformats.org/presentationml/2006/main">
   <p:cSld>
     <p:spTree>
@@ -18804,7 +19703,7 @@
 </p:sld>
 </file>
 
-<file path=ppt/slides/slide25.xml><?xml version="1.0" encoding="utf-8"?>
+<file path=ppt/slides/slide28.xml><?xml version="1.0" encoding="utf-8"?>
 <p:sld xmlns:a="http://schemas.openxmlformats.org/drawingml/2006/main" xmlns:r="http://schemas.openxmlformats.org/officeDocument/2006/relationships" xmlns:p="http://schemas.openxmlformats.org/presentationml/2006/main">
   <p:cSld>
     <p:spTree>
@@ -19811,40 +20710,6 @@
               <a:t> simple</a:t>
             </a:r>
             <a:endParaRPr lang="en-US" dirty="0"/>
-          </a:p>
-        </p:txBody>
-      </p:sp>
-      <p:sp>
-        <p:nvSpPr>
-          <p:cNvPr id="13316" name="Rectangle 6"/>
-          <p:cNvSpPr>
-            <a:spLocks noChangeArrowheads="1"/>
-          </p:cNvSpPr>
-          <p:nvPr/>
-        </p:nvSpPr>
-        <p:spPr bwMode="auto">
-          <a:xfrm>
-            <a:off x="2328863" y="2538413"/>
-            <a:ext cx="9144000" cy="0"/>
-          </a:xfrm>
-          <a:prstGeom prst="rect">
-            <a:avLst/>
-          </a:prstGeom>
-          <a:noFill/>
-          <a:ln w="9525">
-            <a:noFill/>
-            <a:miter lim="800000"/>
-            <a:headEnd/>
-            <a:tailEnd/>
-          </a:ln>
-        </p:spPr>
-        <p:txBody>
-          <a:bodyPr>
-            <a:spAutoFit/>
-          </a:bodyPr>
-          <a:lstStyle/>
-          <a:p>
-            <a:endParaRPr lang="en-US"/>
           </a:p>
         </p:txBody>
       </p:sp>
@@ -20329,6 +21194,52 @@
             <a:endParaRPr lang="en-US" dirty="0">
               <a:cs typeface="Avenir Light"/>
             </a:endParaRPr>
+          </a:p>
+        </p:txBody>
+      </p:sp>
+      <p:sp>
+        <p:nvSpPr>
+          <p:cNvPr id="2" name="Rectangle 1">
+            <a:extLst>
+              <a:ext uri="{FF2B5EF4-FFF2-40B4-BE49-F238E27FC236}">
+                <a16:creationId xmlns:a16="http://schemas.microsoft.com/office/drawing/2014/main" id="{5030297F-E312-004A-88B9-B0B82A6F9B9D}"/>
+              </a:ext>
+            </a:extLst>
+          </p:cNvPr>
+          <p:cNvSpPr/>
+          <p:nvPr/>
+        </p:nvSpPr>
+        <p:spPr>
+          <a:xfrm>
+            <a:off x="1066800" y="2995035"/>
+            <a:ext cx="7906072" cy="830997"/>
+          </a:xfrm>
+          <a:prstGeom prst="rect">
+            <a:avLst/>
+          </a:prstGeom>
+        </p:spPr>
+        <p:txBody>
+          <a:bodyPr wrap="square">
+            <a:spAutoFit/>
+          </a:bodyPr>
+          <a:lstStyle/>
+          <a:p>
+            <a:pPr>
+              <a:buNone/>
+            </a:pPr>
+            <a:r>
+              <a:rPr lang="ro-RO" sz="2400" dirty="0">
+                <a:hlinkClick r:id="rId2"/>
+              </a:rPr>
+              <a:t>http://www.postgresqltutorial.com/postgresql-subquery/</a:t>
+            </a:r>
+            <a:endParaRPr lang="ro-RO" sz="2400" dirty="0"/>
+          </a:p>
+          <a:p>
+            <a:pPr>
+              <a:buNone/>
+            </a:pPr>
+            <a:endParaRPr lang="ro-RO" sz="2400" dirty="0"/>
           </a:p>
         </p:txBody>
       </p:sp>
